--- a/doc/答辩PPT.pptx
+++ b/doc/答辩PPT.pptx
@@ -5,27 +5,27 @@
     <p:sldMasterId id="2147483648" r:id="rId1"/>
   </p:sldMasterIdLst>
   <p:notesMasterIdLst>
-    <p:notesMasterId r:id="rId16"/>
+    <p:notesMasterId r:id="rId18"/>
   </p:notesMasterIdLst>
   <p:sldIdLst>
-    <p:sldId id="259" r:id="rId3"/>
-    <p:sldId id="262" r:id="rId4"/>
-    <p:sldId id="261" r:id="rId5"/>
-    <p:sldId id="265" r:id="rId6"/>
-    <p:sldId id="268" r:id="rId7"/>
-    <p:sldId id="269" r:id="rId8"/>
-    <p:sldId id="270" r:id="rId9"/>
-    <p:sldId id="272" r:id="rId10"/>
-    <p:sldId id="271" r:id="rId11"/>
-    <p:sldId id="274" r:id="rId12"/>
-    <p:sldId id="275" r:id="rId13"/>
-    <p:sldId id="280" r:id="rId14"/>
-    <p:sldId id="273" r:id="rId15"/>
-    <p:sldId id="276" r:id="rId17"/>
-    <p:sldId id="266" r:id="rId18"/>
-    <p:sldId id="279" r:id="rId19"/>
+    <p:sldId id="259" r:id="rId2"/>
+    <p:sldId id="262" r:id="rId3"/>
+    <p:sldId id="261" r:id="rId4"/>
+    <p:sldId id="265" r:id="rId5"/>
+    <p:sldId id="268" r:id="rId6"/>
+    <p:sldId id="269" r:id="rId7"/>
+    <p:sldId id="270" r:id="rId8"/>
+    <p:sldId id="272" r:id="rId9"/>
+    <p:sldId id="271" r:id="rId10"/>
+    <p:sldId id="274" r:id="rId11"/>
+    <p:sldId id="275" r:id="rId12"/>
+    <p:sldId id="280" r:id="rId13"/>
+    <p:sldId id="273" r:id="rId14"/>
+    <p:sldId id="276" r:id="rId15"/>
+    <p:sldId id="266" r:id="rId16"/>
+    <p:sldId id="279" r:id="rId17"/>
   </p:sldIdLst>
-  <p:sldSz cx="12193270" cy="6858000"/>
+  <p:sldSz cx="12193588" cy="6858000"/>
   <p:notesSz cx="6858000" cy="9144000"/>
   <p:defaultTextStyle>
     <a:defPPr>
@@ -122,11 +122,27 @@
       </a:defRPr>
     </a:lvl9pPr>
   </p:defaultTextStyle>
+  <p:extLst>
+    <p:ext uri="{EFAFB233-063F-42B5-8137-9DF3F51BA10A}">
+      <p15:sldGuideLst xmlns:p15="http://schemas.microsoft.com/office/powerpoint/2012/main">
+        <p15:guide id="1" orient="horz" pos="2160">
+          <p15:clr>
+            <a:srgbClr val="A4A3A4"/>
+          </p15:clr>
+        </p15:guide>
+        <p15:guide id="2" pos="3840">
+          <p15:clr>
+            <a:srgbClr val="A4A3A4"/>
+          </p15:clr>
+        </p15:guide>
+      </p15:sldGuideLst>
+    </p:ext>
+  </p:extLst>
 </p:presentation>
 </file>
 
 <file path=ppt/diagrams/colors1.xml><?xml version="1.0" encoding="utf-8"?>
-<dgm:colorsDef xmlns:dgm="http://schemas.openxmlformats.org/drawingml/2006/diagram" xmlns:a="http://schemas.openxmlformats.org/drawingml/2006/main" uniqueId="urn:microsoft.com/office/officeart/2005/8/colors/accent1_2">
+<dgm:colorsDef xmlns:dgm="http://schemas.openxmlformats.org/drawingml/2006/diagram" xmlns:a="http://schemas.openxmlformats.org/drawingml/2006/main" uniqueId="urn:microsoft.com/office/officeart/2005/8/colors/accent1_2#1">
   <dgm:title val=""/>
   <dgm:desc val=""/>
   <dgm:catLst>
@@ -876,7 +892,7 @@
 <dgm:dataModel xmlns:dgm="http://schemas.openxmlformats.org/drawingml/2006/diagram" xmlns:a="http://schemas.openxmlformats.org/drawingml/2006/main">
   <dgm:ptLst>
     <dgm:pt modelId="{C272EB81-819D-4813-BD7F-DB5F3B55D987}" type="doc">
-      <dgm:prSet loTypeId="urn:microsoft.com/office/officeart/2005/8/layout/orgChart1" loCatId="hierarchy" qsTypeId="urn:microsoft.com/office/officeart/2005/8/quickstyle/simple4" qsCatId="simple" csTypeId="urn:microsoft.com/office/officeart/2005/8/colors/accent1_2" csCatId="accent1" phldr="1"/>
+      <dgm:prSet loTypeId="urn:microsoft.com/office/officeart/2005/8/layout/orgChart1#1" loCatId="hierarchy" qsTypeId="urn:microsoft.com/office/officeart/2005/8/quickstyle/simple4#1" qsCatId="simple" csTypeId="urn:microsoft.com/office/officeart/2005/8/colors/accent1_2#1" csCatId="accent1" phldr="1"/>
       <dgm:spPr/>
       <dgm:t>
         <a:bodyPr/>
@@ -939,21 +955,10 @@
             </a:rPr>
             <a:t>BUBG</a:t>
           </a:r>
-          <a:r>
-            <a:rPr lang="en-US" altLang="zh-CN" sz="4000" dirty="0">
-              <a:latin typeface="微软雅黑" panose="020B0503020204020204" charset="-122"/>
-              <a:ea typeface="微软雅黑" panose="020B0503020204020204" charset="-122"/>
-            </a:rPr>
-            <a:t/>
-          </a:r>
-          <a:endParaRPr lang="en-US" altLang="zh-CN" sz="4000" dirty="0">
-            <a:latin typeface="微软雅黑" panose="020B0503020204020204" charset="-122"/>
-            <a:ea typeface="微软雅黑" panose="020B0503020204020204" charset="-122"/>
-          </a:endParaRPr>
         </a:p>
       </dgm:t>
     </dgm:pt>
-    <dgm:pt modelId="{83FFD082-8DF2-48EE-B741-E6CCC5CFA534}" cxnId="{A41500D0-CFB1-438C-A0C7-7A4D023CA9FE}" type="parTrans">
+    <dgm:pt modelId="{83FFD082-8DF2-48EE-B741-E6CCC5CFA534}" type="parTrans" cxnId="{A41500D0-CFB1-438C-A0C7-7A4D023CA9FE}">
       <dgm:prSet/>
       <dgm:spPr/>
       <dgm:t>
@@ -964,7 +969,7 @@
         </a:p>
       </dgm:t>
     </dgm:pt>
-    <dgm:pt modelId="{1A74D599-118F-4580-8D04-45F42E0CC0CF}" cxnId="{A41500D0-CFB1-438C-A0C7-7A4D023CA9FE}" type="sibTrans">
+    <dgm:pt modelId="{1A74D599-118F-4580-8D04-45F42E0CC0CF}" type="sibTrans" cxnId="{A41500D0-CFB1-438C-A0C7-7A4D023CA9FE}">
       <dgm:prSet/>
       <dgm:spPr/>
       <dgm:t>
@@ -1028,21 +1033,10 @@
             </a:rPr>
             <a:t>Controler</a:t>
           </a:r>
-          <a:r>
-            <a:rPr lang="en-US" altLang="zh-CN" sz="3600" dirty="0" err="1">
-              <a:latin typeface="微软雅黑" panose="020B0503020204020204" charset="-122"/>
-              <a:ea typeface="微软雅黑" panose="020B0503020204020204" charset="-122"/>
-            </a:rPr>
-            <a:t/>
-          </a:r>
-          <a:endParaRPr lang="en-US" altLang="zh-CN" sz="3600" dirty="0" err="1">
-            <a:latin typeface="微软雅黑" panose="020B0503020204020204" charset="-122"/>
-            <a:ea typeface="微软雅黑" panose="020B0503020204020204" charset="-122"/>
-          </a:endParaRPr>
         </a:p>
       </dgm:t>
     </dgm:pt>
-    <dgm:pt modelId="{8100CCF0-3146-4CD2-B367-AE5E46B95674}" cxnId="{C95E034A-945B-4630-A6C9-C97D0C919866}" type="parTrans">
+    <dgm:pt modelId="{8100CCF0-3146-4CD2-B367-AE5E46B95674}" type="parTrans" cxnId="{C95E034A-945B-4630-A6C9-C97D0C919866}">
       <dgm:prSet/>
       <dgm:spPr/>
       <dgm:t>
@@ -1053,7 +1047,7 @@
         </a:p>
       </dgm:t>
     </dgm:pt>
-    <dgm:pt modelId="{D961C598-C42C-4FBD-BE8B-1D0DCDFC30F8}" cxnId="{C95E034A-945B-4630-A6C9-C97D0C919866}" type="sibTrans">
+    <dgm:pt modelId="{D961C598-C42C-4FBD-BE8B-1D0DCDFC30F8}" type="sibTrans" cxnId="{C95E034A-945B-4630-A6C9-C97D0C919866}">
       <dgm:prSet/>
       <dgm:spPr/>
       <dgm:t>
@@ -1117,21 +1111,10 @@
             </a:rPr>
             <a:t>基础组件</a:t>
           </a:r>
-          <a:r>
-            <a:rPr lang="zh-CN" altLang="en-US" dirty="0">
-              <a:latin typeface="微软雅黑" panose="020B0503020204020204" charset="-122"/>
-              <a:ea typeface="微软雅黑" panose="020B0503020204020204" charset="-122"/>
-            </a:rPr>
-            <a:t/>
-          </a:r>
-          <a:endParaRPr lang="zh-CN" altLang="en-US" dirty="0">
-            <a:latin typeface="微软雅黑" panose="020B0503020204020204" charset="-122"/>
-            <a:ea typeface="微软雅黑" panose="020B0503020204020204" charset="-122"/>
-          </a:endParaRPr>
         </a:p>
       </dgm:t>
     </dgm:pt>
-    <dgm:pt modelId="{E982CC03-2FEA-434B-BFC5-D94ACD4C5DC3}" cxnId="{23B50C41-9D2F-430F-B78B-B723EFA2C808}" type="parTrans">
+    <dgm:pt modelId="{E982CC03-2FEA-434B-BFC5-D94ACD4C5DC3}" type="parTrans" cxnId="{23B50C41-9D2F-430F-B78B-B723EFA2C808}">
       <dgm:prSet/>
       <dgm:spPr/>
       <dgm:t>
@@ -1142,7 +1125,7 @@
         </a:p>
       </dgm:t>
     </dgm:pt>
-    <dgm:pt modelId="{C2EDD632-EDAF-4032-8E58-DFD0FD6E780E}" cxnId="{23B50C41-9D2F-430F-B78B-B723EFA2C808}" type="sibTrans">
+    <dgm:pt modelId="{C2EDD632-EDAF-4032-8E58-DFD0FD6E780E}" type="sibTrans" cxnId="{23B50C41-9D2F-430F-B78B-B723EFA2C808}">
       <dgm:prSet/>
       <dgm:spPr/>
       <dgm:t>
@@ -1206,21 +1189,10 @@
             </a:rPr>
             <a:t>网络组件</a:t>
           </a:r>
-          <a:r>
-            <a:rPr lang="zh-CN" altLang="en-US" dirty="0">
-              <a:latin typeface="微软雅黑" panose="020B0503020204020204" charset="-122"/>
-              <a:ea typeface="微软雅黑" panose="020B0503020204020204" charset="-122"/>
-            </a:rPr>
-            <a:t/>
-          </a:r>
-          <a:endParaRPr lang="zh-CN" altLang="en-US" dirty="0">
-            <a:latin typeface="微软雅黑" panose="020B0503020204020204" charset="-122"/>
-            <a:ea typeface="微软雅黑" panose="020B0503020204020204" charset="-122"/>
-          </a:endParaRPr>
         </a:p>
       </dgm:t>
     </dgm:pt>
-    <dgm:pt modelId="{26A76FB6-1EA8-4669-966F-4A32C51F4749}" cxnId="{20629F7B-0D0A-4B29-A35A-032C6125F1B4}" type="parTrans">
+    <dgm:pt modelId="{26A76FB6-1EA8-4669-966F-4A32C51F4749}" type="parTrans" cxnId="{20629F7B-0D0A-4B29-A35A-032C6125F1B4}">
       <dgm:prSet/>
       <dgm:spPr/>
       <dgm:t>
@@ -1231,7 +1203,7 @@
         </a:p>
       </dgm:t>
     </dgm:pt>
-    <dgm:pt modelId="{6163B99D-629C-4879-90ED-A73B313666AB}" cxnId="{20629F7B-0D0A-4B29-A35A-032C6125F1B4}" type="sibTrans">
+    <dgm:pt modelId="{6163B99D-629C-4879-90ED-A73B313666AB}" type="sibTrans" cxnId="{20629F7B-0D0A-4B29-A35A-032C6125F1B4}">
       <dgm:prSet/>
       <dgm:spPr/>
       <dgm:t>
@@ -1295,21 +1267,10 @@
             </a:rPr>
             <a:t>场景界面</a:t>
           </a:r>
-          <a:r>
-            <a:rPr lang="zh-CN" altLang="en-US" dirty="0">
-              <a:latin typeface="微软雅黑" panose="020B0503020204020204" charset="-122"/>
-              <a:ea typeface="微软雅黑" panose="020B0503020204020204" charset="-122"/>
-            </a:rPr>
-            <a:t/>
-          </a:r>
-          <a:endParaRPr lang="zh-CN" altLang="en-US" dirty="0">
-            <a:latin typeface="微软雅黑" panose="020B0503020204020204" charset="-122"/>
-            <a:ea typeface="微软雅黑" panose="020B0503020204020204" charset="-122"/>
-          </a:endParaRPr>
         </a:p>
       </dgm:t>
     </dgm:pt>
-    <dgm:pt modelId="{A1E6CDE5-7860-406B-AC88-78CB65C6D0DF}" cxnId="{F87B29E2-7CFD-4B95-BD0E-D9F25D71D29F}" type="parTrans">
+    <dgm:pt modelId="{A1E6CDE5-7860-406B-AC88-78CB65C6D0DF}" type="parTrans" cxnId="{F87B29E2-7CFD-4B95-BD0E-D9F25D71D29F}">
       <dgm:prSet/>
       <dgm:spPr/>
       <dgm:t>
@@ -1320,7 +1281,7 @@
         </a:p>
       </dgm:t>
     </dgm:pt>
-    <dgm:pt modelId="{C0765A2A-8498-47E0-83B4-2223B58F7176}" cxnId="{F87B29E2-7CFD-4B95-BD0E-D9F25D71D29F}" type="sibTrans">
+    <dgm:pt modelId="{C0765A2A-8498-47E0-83B4-2223B58F7176}" type="sibTrans" cxnId="{F87B29E2-7CFD-4B95-BD0E-D9F25D71D29F}">
       <dgm:prSet/>
       <dgm:spPr/>
       <dgm:t>
@@ -1365,7 +1326,7 @@
       <dgm:spPr/>
     </dgm:pt>
     <dgm:pt modelId="{9171B8CB-B772-43B5-80B2-8805DF074B60}" type="pres">
-      <dgm:prSet presAssocID="{8B1E01D9-6C52-491F-8830-2628E007025D}" presName="rootConnector1" presStyleCnt="0"/>
+      <dgm:prSet presAssocID="{8B1E01D9-6C52-491F-8830-2628E007025D}" presName="rootConnector1" presStyleLbl="node1" presStyleIdx="0" presStyleCnt="0"/>
       <dgm:spPr/>
     </dgm:pt>
     <dgm:pt modelId="{E7684E41-2897-47D6-88D1-EA9044CBE0F9}" type="pres">
@@ -1397,7 +1358,7 @@
       <dgm:spPr/>
     </dgm:pt>
     <dgm:pt modelId="{3CC7857C-53C6-4420-9B97-663CC50CB602}" type="pres">
-      <dgm:prSet presAssocID="{1E32419D-755F-4B8A-873F-EBDD00664FBA}" presName="rootConnector" presStyleCnt="0"/>
+      <dgm:prSet presAssocID="{1E32419D-755F-4B8A-873F-EBDD00664FBA}" presName="rootConnector" presStyleLbl="node2" presStyleIdx="0" presStyleCnt="2"/>
       <dgm:spPr/>
     </dgm:pt>
     <dgm:pt modelId="{9508B498-D8AF-488D-8E1A-AB402A48E330}" type="pres">
@@ -1429,7 +1390,7 @@
       <dgm:spPr/>
     </dgm:pt>
     <dgm:pt modelId="{9D8E0677-5238-45AB-AB12-764681DE44E9}" type="pres">
-      <dgm:prSet presAssocID="{EF97F4B0-8B62-4ED3-82A3-7B2221F99752}" presName="rootConnector" presStyleCnt="0"/>
+      <dgm:prSet presAssocID="{EF97F4B0-8B62-4ED3-82A3-7B2221F99752}" presName="rootConnector" presStyleLbl="node3" presStyleIdx="0" presStyleCnt="2"/>
       <dgm:spPr/>
     </dgm:pt>
     <dgm:pt modelId="{4A23CF9B-00E3-42AC-A3FC-6EF1CCB86EDE}" type="pres">
@@ -1465,7 +1426,7 @@
       <dgm:spPr/>
     </dgm:pt>
     <dgm:pt modelId="{6C382240-101B-4773-9D98-8D712AE593D4}" type="pres">
-      <dgm:prSet presAssocID="{6635F946-C8AC-4975-AF44-D39CDB9B04D5}" presName="rootConnector" presStyleCnt="0"/>
+      <dgm:prSet presAssocID="{6635F946-C8AC-4975-AF44-D39CDB9B04D5}" presName="rootConnector" presStyleLbl="node3" presStyleIdx="1" presStyleCnt="2"/>
       <dgm:spPr/>
     </dgm:pt>
     <dgm:pt modelId="{37314154-BDA5-4FAB-B240-A5883A7BE6D0}" type="pres">
@@ -1505,7 +1466,7 @@
       <dgm:spPr/>
     </dgm:pt>
     <dgm:pt modelId="{28EF2D13-51E4-4A73-B881-3CD5EC759188}" type="pres">
-      <dgm:prSet presAssocID="{88831739-68C2-4D6B-9833-2447EEC3238D}" presName="rootConnector" presStyleCnt="0"/>
+      <dgm:prSet presAssocID="{88831739-68C2-4D6B-9833-2447EEC3238D}" presName="rootConnector" presStyleLbl="node2" presStyleIdx="1" presStyleCnt="2"/>
       <dgm:spPr/>
     </dgm:pt>
     <dgm:pt modelId="{9FB97468-7F30-4606-B687-1FD94E40D3B6}" type="pres">
@@ -1522,71 +1483,71 @@
     </dgm:pt>
   </dgm:ptLst>
   <dgm:cxnLst>
+    <dgm:cxn modelId="{A1881A09-1070-46D6-AE74-2D33B9C3AD91}" type="presOf" srcId="{8B1E01D9-6C52-491F-8830-2628E007025D}" destId="{9171B8CB-B772-43B5-80B2-8805DF074B60}" srcOrd="2" destOrd="0" presId="urn:microsoft.com/office/officeart/2005/8/layout/orgChart1#1"/>
+    <dgm:cxn modelId="{BC173F0A-58EE-46AE-BBEE-2A7AA613CD7E}" type="presOf" srcId="{8100CCF0-3146-4CD2-B367-AE5E46B95674}" destId="{3A270329-A585-4798-AD4F-CF958E8C8769}" srcOrd="0" destOrd="0" presId="urn:microsoft.com/office/officeart/2005/8/layout/orgChart1#1"/>
+    <dgm:cxn modelId="{F100B40D-F90D-4F33-910C-CBDBA6973109}" type="presOf" srcId="{6635F946-C8AC-4975-AF44-D39CDB9B04D5}" destId="{0CC6B549-361B-4A65-9C05-062E2F68393A}" srcOrd="0" destOrd="0" presId="urn:microsoft.com/office/officeart/2005/8/layout/orgChart1#1"/>
+    <dgm:cxn modelId="{DA99531B-FA63-4744-9610-F0A9B0ACC8DF}" type="presOf" srcId="{8B1E01D9-6C52-491F-8830-2628E007025D}" destId="{9D5B5016-5287-4162-B7FD-4E55EDF07C86}" srcOrd="0" destOrd="0" presId="urn:microsoft.com/office/officeart/2005/8/layout/orgChart1#1"/>
+    <dgm:cxn modelId="{980B5823-8B5F-4125-B578-82F50A850B03}" type="presOf" srcId="{EF97F4B0-8B62-4ED3-82A3-7B2221F99752}" destId="{3C7D3777-0AE3-4731-B917-734818879FB0}" srcOrd="1" destOrd="0" presId="urn:microsoft.com/office/officeart/2005/8/layout/orgChart1#1"/>
+    <dgm:cxn modelId="{29441D2B-32BC-4BF3-BCFA-7B57AA64924E}" type="presOf" srcId="{26A76FB6-1EA8-4669-966F-4A32C51F4749}" destId="{5C7C6604-1F02-4ECA-A671-07418F430AEF}" srcOrd="0" destOrd="0" presId="urn:microsoft.com/office/officeart/2005/8/layout/orgChart1#1"/>
+    <dgm:cxn modelId="{54C6733F-06EA-49DD-BDF1-3D5734AB00CB}" type="presOf" srcId="{88831739-68C2-4D6B-9833-2447EEC3238D}" destId="{EA3F216B-A106-4DCB-B869-1D79DD10095A}" srcOrd="1" destOrd="0" presId="urn:microsoft.com/office/officeart/2005/8/layout/orgChart1#1"/>
+    <dgm:cxn modelId="{23B50C41-9D2F-430F-B78B-B723EFA2C808}" srcId="{1E32419D-755F-4B8A-873F-EBDD00664FBA}" destId="{EF97F4B0-8B62-4ED3-82A3-7B2221F99752}" srcOrd="0" destOrd="0" parTransId="{E982CC03-2FEA-434B-BFC5-D94ACD4C5DC3}" sibTransId="{C2EDD632-EDAF-4032-8E58-DFD0FD6E780E}"/>
+    <dgm:cxn modelId="{8F4DE161-8EA5-4C36-96D4-A5AFA3FF56F3}" type="presOf" srcId="{EF97F4B0-8B62-4ED3-82A3-7B2221F99752}" destId="{9D8E0677-5238-45AB-AB12-764681DE44E9}" srcOrd="2" destOrd="0" presId="urn:microsoft.com/office/officeart/2005/8/layout/orgChart1#1"/>
+    <dgm:cxn modelId="{33781362-344E-415C-832E-A9B2B79B991E}" type="presOf" srcId="{88831739-68C2-4D6B-9833-2447EEC3238D}" destId="{5A0D0DA2-2108-47C5-AF06-2B3BFD7EA3C2}" srcOrd="0" destOrd="0" presId="urn:microsoft.com/office/officeart/2005/8/layout/orgChart1#1"/>
+    <dgm:cxn modelId="{6457EF47-C50D-4056-A0C3-A6466A2F9CB5}" type="presOf" srcId="{1E32419D-755F-4B8A-873F-EBDD00664FBA}" destId="{86417C25-55D8-46E0-8A33-B183A7480C7A}" srcOrd="1" destOrd="0" presId="urn:microsoft.com/office/officeart/2005/8/layout/orgChart1#1"/>
+    <dgm:cxn modelId="{19345468-836A-4982-B0BF-76E60D434C2F}" type="presOf" srcId="{E982CC03-2FEA-434B-BFC5-D94ACD4C5DC3}" destId="{43596E3A-B4C3-4BF2-83A7-65276B31F129}" srcOrd="0" destOrd="0" presId="urn:microsoft.com/office/officeart/2005/8/layout/orgChart1#1"/>
+    <dgm:cxn modelId="{C95E034A-945B-4630-A6C9-C97D0C919866}" srcId="{8B1E01D9-6C52-491F-8830-2628E007025D}" destId="{1E32419D-755F-4B8A-873F-EBDD00664FBA}" srcOrd="0" destOrd="0" parTransId="{8100CCF0-3146-4CD2-B367-AE5E46B95674}" sibTransId="{D961C598-C42C-4FBD-BE8B-1D0DCDFC30F8}"/>
+    <dgm:cxn modelId="{4FF2146A-1E0E-4258-B029-89F8383F888A}" type="presOf" srcId="{A1E6CDE5-7860-406B-AC88-78CB65C6D0DF}" destId="{957E430B-08A5-4536-99BA-D81142791BD6}" srcOrd="0" destOrd="0" presId="urn:microsoft.com/office/officeart/2005/8/layout/orgChart1#1"/>
+    <dgm:cxn modelId="{20629F7B-0D0A-4B29-A35A-032C6125F1B4}" srcId="{1E32419D-755F-4B8A-873F-EBDD00664FBA}" destId="{6635F946-C8AC-4975-AF44-D39CDB9B04D5}" srcOrd="1" destOrd="0" parTransId="{26A76FB6-1EA8-4669-966F-4A32C51F4749}" sibTransId="{6163B99D-629C-4879-90ED-A73B313666AB}"/>
+    <dgm:cxn modelId="{B02E007E-3269-4044-B048-E705D5A52084}" type="presOf" srcId="{1E32419D-755F-4B8A-873F-EBDD00664FBA}" destId="{EF5BE948-3387-42BA-9E81-D938C3341255}" srcOrd="0" destOrd="0" presId="urn:microsoft.com/office/officeart/2005/8/layout/orgChart1#1"/>
+    <dgm:cxn modelId="{03CEE586-067A-4C5E-80B1-5BD9705ED6B4}" type="presOf" srcId="{EF97F4B0-8B62-4ED3-82A3-7B2221F99752}" destId="{BAE70A9D-37D9-4498-A6DF-3D6CDE7372C3}" srcOrd="0" destOrd="0" presId="urn:microsoft.com/office/officeart/2005/8/layout/orgChart1#1"/>
+    <dgm:cxn modelId="{B2FDE5AB-538B-4FC9-9ED3-5C0C001B9A79}" type="presOf" srcId="{6635F946-C8AC-4975-AF44-D39CDB9B04D5}" destId="{6C382240-101B-4773-9D98-8D712AE593D4}" srcOrd="2" destOrd="0" presId="urn:microsoft.com/office/officeart/2005/8/layout/orgChart1#1"/>
     <dgm:cxn modelId="{A41500D0-CFB1-438C-A0C7-7A4D023CA9FE}" srcId="{C272EB81-819D-4813-BD7F-DB5F3B55D987}" destId="{8B1E01D9-6C52-491F-8830-2628E007025D}" srcOrd="0" destOrd="0" parTransId="{83FFD082-8DF2-48EE-B741-E6CCC5CFA534}" sibTransId="{1A74D599-118F-4580-8D04-45F42E0CC0CF}"/>
-    <dgm:cxn modelId="{C95E034A-945B-4630-A6C9-C97D0C919866}" srcId="{8B1E01D9-6C52-491F-8830-2628E007025D}" destId="{1E32419D-755F-4B8A-873F-EBDD00664FBA}" srcOrd="0" destOrd="0" parTransId="{8100CCF0-3146-4CD2-B367-AE5E46B95674}" sibTransId="{D961C598-C42C-4FBD-BE8B-1D0DCDFC30F8}"/>
-    <dgm:cxn modelId="{23B50C41-9D2F-430F-B78B-B723EFA2C808}" srcId="{1E32419D-755F-4B8A-873F-EBDD00664FBA}" destId="{EF97F4B0-8B62-4ED3-82A3-7B2221F99752}" srcOrd="0" destOrd="0" parTransId="{E982CC03-2FEA-434B-BFC5-D94ACD4C5DC3}" sibTransId="{C2EDD632-EDAF-4032-8E58-DFD0FD6E780E}"/>
-    <dgm:cxn modelId="{20629F7B-0D0A-4B29-A35A-032C6125F1B4}" srcId="{1E32419D-755F-4B8A-873F-EBDD00664FBA}" destId="{6635F946-C8AC-4975-AF44-D39CDB9B04D5}" srcOrd="1" destOrd="0" parTransId="{26A76FB6-1EA8-4669-966F-4A32C51F4749}" sibTransId="{6163B99D-629C-4879-90ED-A73B313666AB}"/>
+    <dgm:cxn modelId="{633F6BDB-D32A-4365-BFE1-7039991ED159}" type="presOf" srcId="{C272EB81-819D-4813-BD7F-DB5F3B55D987}" destId="{E64687DB-95C9-435C-BCB7-31D3EC598044}" srcOrd="0" destOrd="0" presId="urn:microsoft.com/office/officeart/2005/8/layout/orgChart1#1"/>
+    <dgm:cxn modelId="{279F49DD-4879-4D56-BEFA-FC16F61D139C}" type="presOf" srcId="{1E32419D-755F-4B8A-873F-EBDD00664FBA}" destId="{3CC7857C-53C6-4420-9B97-663CC50CB602}" srcOrd="2" destOrd="0" presId="urn:microsoft.com/office/officeart/2005/8/layout/orgChart1#1"/>
+    <dgm:cxn modelId="{929BD1E0-9F5D-4552-8807-A8701B89D1D9}" type="presOf" srcId="{8B1E01D9-6C52-491F-8830-2628E007025D}" destId="{9E91ACEA-4398-4341-A5D1-63B4AF1DB5A7}" srcOrd="1" destOrd="0" presId="urn:microsoft.com/office/officeart/2005/8/layout/orgChart1#1"/>
     <dgm:cxn modelId="{F87B29E2-7CFD-4B95-BD0E-D9F25D71D29F}" srcId="{8B1E01D9-6C52-491F-8830-2628E007025D}" destId="{88831739-68C2-4D6B-9833-2447EEC3238D}" srcOrd="1" destOrd="0" parTransId="{A1E6CDE5-7860-406B-AC88-78CB65C6D0DF}" sibTransId="{C0765A2A-8498-47E0-83B4-2223B58F7176}"/>
-    <dgm:cxn modelId="{633F6BDB-D32A-4365-BFE1-7039991ED159}" type="presOf" srcId="{C272EB81-819D-4813-BD7F-DB5F3B55D987}" destId="{E64687DB-95C9-435C-BCB7-31D3EC598044}" srcOrd="0" destOrd="0" presId="urn:microsoft.com/office/officeart/2005/8/layout/orgChart1"/>
-    <dgm:cxn modelId="{7BD4480F-FC9E-4F39-9258-C382BAF22AD0}" type="presParOf" srcId="{E64687DB-95C9-435C-BCB7-31D3EC598044}" destId="{2BA09336-FD91-4BE8-B7D9-7B9FFDD35EE2}" srcOrd="0" destOrd="0" presId="urn:microsoft.com/office/officeart/2005/8/layout/orgChart1"/>
-    <dgm:cxn modelId="{7567D297-7D72-4675-B981-A5B8A8B76B73}" type="presParOf" srcId="{2BA09336-FD91-4BE8-B7D9-7B9FFDD35EE2}" destId="{9D5B5016-5287-4162-B7FD-4E55EDF07C86}" srcOrd="0" destOrd="0" presId="urn:microsoft.com/office/officeart/2005/8/layout/orgChart1"/>
-    <dgm:cxn modelId="{DA99531B-FA63-4744-9610-F0A9B0ACC8DF}" type="presOf" srcId="{8B1E01D9-6C52-491F-8830-2628E007025D}" destId="{9D5B5016-5287-4162-B7FD-4E55EDF07C86}" srcOrd="0" destOrd="0" presId="urn:microsoft.com/office/officeart/2005/8/layout/orgChart1"/>
-    <dgm:cxn modelId="{CE8C269E-01C8-4ADA-8B52-80E51108A00F}" type="presParOf" srcId="{9D5B5016-5287-4162-B7FD-4E55EDF07C86}" destId="{9E91ACEA-4398-4341-A5D1-63B4AF1DB5A7}" srcOrd="0" destOrd="0" presId="urn:microsoft.com/office/officeart/2005/8/layout/orgChart1"/>
-    <dgm:cxn modelId="{929BD1E0-9F5D-4552-8807-A8701B89D1D9}" type="presOf" srcId="{8B1E01D9-6C52-491F-8830-2628E007025D}" destId="{9E91ACEA-4398-4341-A5D1-63B4AF1DB5A7}" srcOrd="0" destOrd="0" presId="urn:microsoft.com/office/officeart/2005/8/layout/orgChart1"/>
-    <dgm:cxn modelId="{4569C54E-9B56-40C5-A65C-747ABF60DB62}" type="presParOf" srcId="{9D5B5016-5287-4162-B7FD-4E55EDF07C86}" destId="{9171B8CB-B772-43B5-80B2-8805DF074B60}" srcOrd="1" destOrd="0" presId="urn:microsoft.com/office/officeart/2005/8/layout/orgChart1"/>
-    <dgm:cxn modelId="{A1881A09-1070-46D6-AE74-2D33B9C3AD91}" type="presOf" srcId="{8B1E01D9-6C52-491F-8830-2628E007025D}" destId="{9171B8CB-B772-43B5-80B2-8805DF074B60}" srcOrd="0" destOrd="0" presId="urn:microsoft.com/office/officeart/2005/8/layout/orgChart1"/>
-    <dgm:cxn modelId="{9FC53B49-2D8E-4B71-A90C-24C9B81874A5}" type="presParOf" srcId="{2BA09336-FD91-4BE8-B7D9-7B9FFDD35EE2}" destId="{E7684E41-2897-47D6-88D1-EA9044CBE0F9}" srcOrd="1" destOrd="0" presId="urn:microsoft.com/office/officeart/2005/8/layout/orgChart1"/>
-    <dgm:cxn modelId="{80F7BB94-E943-4622-8F9F-D8AD114E3D82}" type="presParOf" srcId="{E7684E41-2897-47D6-88D1-EA9044CBE0F9}" destId="{3A270329-A585-4798-AD4F-CF958E8C8769}" srcOrd="0" destOrd="1" presId="urn:microsoft.com/office/officeart/2005/8/layout/orgChart1"/>
-    <dgm:cxn modelId="{BC173F0A-58EE-46AE-BBEE-2A7AA613CD7E}" type="presOf" srcId="{8100CCF0-3146-4CD2-B367-AE5E46B95674}" destId="{3A270329-A585-4798-AD4F-CF958E8C8769}" srcOrd="0" destOrd="0" presId="urn:microsoft.com/office/officeart/2005/8/layout/orgChart1"/>
-    <dgm:cxn modelId="{019C9898-EA97-40F4-8626-BEB72459C902}" type="presParOf" srcId="{E7684E41-2897-47D6-88D1-EA9044CBE0F9}" destId="{40F4A32B-9FD1-4E3D-9813-AAFC0F054AB0}" srcOrd="1" destOrd="1" presId="urn:microsoft.com/office/officeart/2005/8/layout/orgChart1"/>
-    <dgm:cxn modelId="{F43F8E89-E04E-419D-BFB1-5B002E2C5A67}" type="presParOf" srcId="{40F4A32B-9FD1-4E3D-9813-AAFC0F054AB0}" destId="{EF5BE948-3387-42BA-9E81-D938C3341255}" srcOrd="0" destOrd="1" presId="urn:microsoft.com/office/officeart/2005/8/layout/orgChart1"/>
-    <dgm:cxn modelId="{B02E007E-3269-4044-B048-E705D5A52084}" type="presOf" srcId="{1E32419D-755F-4B8A-873F-EBDD00664FBA}" destId="{EF5BE948-3387-42BA-9E81-D938C3341255}" srcOrd="0" destOrd="0" presId="urn:microsoft.com/office/officeart/2005/8/layout/orgChart1"/>
-    <dgm:cxn modelId="{D4BEEED8-0121-4CF9-BEE0-5BA7105EB4D2}" type="presParOf" srcId="{EF5BE948-3387-42BA-9E81-D938C3341255}" destId="{86417C25-55D8-46E0-8A33-B183A7480C7A}" srcOrd="0" destOrd="0" presId="urn:microsoft.com/office/officeart/2005/8/layout/orgChart1"/>
-    <dgm:cxn modelId="{6457EF47-C50D-4056-A0C3-A6466A2F9CB5}" type="presOf" srcId="{1E32419D-755F-4B8A-873F-EBDD00664FBA}" destId="{86417C25-55D8-46E0-8A33-B183A7480C7A}" srcOrd="0" destOrd="0" presId="urn:microsoft.com/office/officeart/2005/8/layout/orgChart1"/>
-    <dgm:cxn modelId="{5266DB24-CC84-4DD0-86B2-6A26973BE996}" type="presParOf" srcId="{EF5BE948-3387-42BA-9E81-D938C3341255}" destId="{3CC7857C-53C6-4420-9B97-663CC50CB602}" srcOrd="1" destOrd="0" presId="urn:microsoft.com/office/officeart/2005/8/layout/orgChart1"/>
-    <dgm:cxn modelId="{279F49DD-4879-4D56-BEFA-FC16F61D139C}" type="presOf" srcId="{1E32419D-755F-4B8A-873F-EBDD00664FBA}" destId="{3CC7857C-53C6-4420-9B97-663CC50CB602}" srcOrd="0" destOrd="0" presId="urn:microsoft.com/office/officeart/2005/8/layout/orgChart1"/>
-    <dgm:cxn modelId="{FDB9F0A8-5DD0-425A-9D91-A7B950D02B18}" type="presParOf" srcId="{40F4A32B-9FD1-4E3D-9813-AAFC0F054AB0}" destId="{9508B498-D8AF-488D-8E1A-AB402A48E330}" srcOrd="1" destOrd="1" presId="urn:microsoft.com/office/officeart/2005/8/layout/orgChart1"/>
-    <dgm:cxn modelId="{DED47659-BD67-4303-A223-B6790DBA1961}" type="presParOf" srcId="{9508B498-D8AF-488D-8E1A-AB402A48E330}" destId="{43596E3A-B4C3-4BF2-83A7-65276B31F129}" srcOrd="0" destOrd="1" presId="urn:microsoft.com/office/officeart/2005/8/layout/orgChart1"/>
-    <dgm:cxn modelId="{19345468-836A-4982-B0BF-76E60D434C2F}" type="presOf" srcId="{E982CC03-2FEA-434B-BFC5-D94ACD4C5DC3}" destId="{43596E3A-B4C3-4BF2-83A7-65276B31F129}" srcOrd="0" destOrd="0" presId="urn:microsoft.com/office/officeart/2005/8/layout/orgChart1"/>
-    <dgm:cxn modelId="{90930E8A-DE93-4CE7-9A9A-F3E8B0059EC0}" type="presParOf" srcId="{9508B498-D8AF-488D-8E1A-AB402A48E330}" destId="{8D196C21-3A57-4110-B045-4B9A2ACAA825}" srcOrd="1" destOrd="1" presId="urn:microsoft.com/office/officeart/2005/8/layout/orgChart1"/>
-    <dgm:cxn modelId="{D1C3FF3B-4634-424B-9763-1E6D28C36739}" type="presParOf" srcId="{8D196C21-3A57-4110-B045-4B9A2ACAA825}" destId="{BAE70A9D-37D9-4498-A6DF-3D6CDE7372C3}" srcOrd="0" destOrd="1" presId="urn:microsoft.com/office/officeart/2005/8/layout/orgChart1"/>
-    <dgm:cxn modelId="{03CEE586-067A-4C5E-80B1-5BD9705ED6B4}" type="presOf" srcId="{EF97F4B0-8B62-4ED3-82A3-7B2221F99752}" destId="{BAE70A9D-37D9-4498-A6DF-3D6CDE7372C3}" srcOrd="0" destOrd="0" presId="urn:microsoft.com/office/officeart/2005/8/layout/orgChart1"/>
-    <dgm:cxn modelId="{3328D179-38B7-42A4-875F-4E7C14527096}" type="presParOf" srcId="{BAE70A9D-37D9-4498-A6DF-3D6CDE7372C3}" destId="{3C7D3777-0AE3-4731-B917-734818879FB0}" srcOrd="0" destOrd="0" presId="urn:microsoft.com/office/officeart/2005/8/layout/orgChart1"/>
-    <dgm:cxn modelId="{980B5823-8B5F-4125-B578-82F50A850B03}" type="presOf" srcId="{EF97F4B0-8B62-4ED3-82A3-7B2221F99752}" destId="{3C7D3777-0AE3-4731-B917-734818879FB0}" srcOrd="0" destOrd="0" presId="urn:microsoft.com/office/officeart/2005/8/layout/orgChart1"/>
-    <dgm:cxn modelId="{5DCCD762-C11E-443F-BD97-627AAB5E683B}" type="presParOf" srcId="{BAE70A9D-37D9-4498-A6DF-3D6CDE7372C3}" destId="{9D8E0677-5238-45AB-AB12-764681DE44E9}" srcOrd="1" destOrd="0" presId="urn:microsoft.com/office/officeart/2005/8/layout/orgChart1"/>
-    <dgm:cxn modelId="{8F4DE161-8EA5-4C36-96D4-A5AFA3FF56F3}" type="presOf" srcId="{EF97F4B0-8B62-4ED3-82A3-7B2221F99752}" destId="{9D8E0677-5238-45AB-AB12-764681DE44E9}" srcOrd="0" destOrd="0" presId="urn:microsoft.com/office/officeart/2005/8/layout/orgChart1"/>
-    <dgm:cxn modelId="{D3C9B62B-75C0-47E0-AD87-2BBE6234E898}" type="presParOf" srcId="{8D196C21-3A57-4110-B045-4B9A2ACAA825}" destId="{4A23CF9B-00E3-42AC-A3FC-6EF1CCB86EDE}" srcOrd="1" destOrd="1" presId="urn:microsoft.com/office/officeart/2005/8/layout/orgChart1"/>
-    <dgm:cxn modelId="{EA89171B-B1C3-4AB5-B84B-23045324CD0E}" type="presParOf" srcId="{8D196C21-3A57-4110-B045-4B9A2ACAA825}" destId="{8C973500-FAD3-4FAE-859B-93B03064AE6A}" srcOrd="2" destOrd="1" presId="urn:microsoft.com/office/officeart/2005/8/layout/orgChart1"/>
-    <dgm:cxn modelId="{8D53CEBF-E696-4D0C-BF6A-149B5068BFA0}" type="presParOf" srcId="{9508B498-D8AF-488D-8E1A-AB402A48E330}" destId="{5C7C6604-1F02-4ECA-A671-07418F430AEF}" srcOrd="2" destOrd="1" presId="urn:microsoft.com/office/officeart/2005/8/layout/orgChart1"/>
-    <dgm:cxn modelId="{29441D2B-32BC-4BF3-BCFA-7B57AA64924E}" type="presOf" srcId="{26A76FB6-1EA8-4669-966F-4A32C51F4749}" destId="{5C7C6604-1F02-4ECA-A671-07418F430AEF}" srcOrd="0" destOrd="0" presId="urn:microsoft.com/office/officeart/2005/8/layout/orgChart1"/>
-    <dgm:cxn modelId="{DD988D64-19CD-4EAD-9670-C2712E6F15FF}" type="presParOf" srcId="{9508B498-D8AF-488D-8E1A-AB402A48E330}" destId="{714ADEFB-BF46-4E3D-835D-384831B94CC9}" srcOrd="3" destOrd="1" presId="urn:microsoft.com/office/officeart/2005/8/layout/orgChart1"/>
-    <dgm:cxn modelId="{8FBAFF93-6005-4A08-8212-9D8C3FCD2124}" type="presParOf" srcId="{714ADEFB-BF46-4E3D-835D-384831B94CC9}" destId="{0CC6B549-361B-4A65-9C05-062E2F68393A}" srcOrd="0" destOrd="3" presId="urn:microsoft.com/office/officeart/2005/8/layout/orgChart1"/>
-    <dgm:cxn modelId="{F100B40D-F90D-4F33-910C-CBDBA6973109}" type="presOf" srcId="{6635F946-C8AC-4975-AF44-D39CDB9B04D5}" destId="{0CC6B549-361B-4A65-9C05-062E2F68393A}" srcOrd="0" destOrd="0" presId="urn:microsoft.com/office/officeart/2005/8/layout/orgChart1"/>
-    <dgm:cxn modelId="{7FBDD59B-B260-43E2-A6C2-90AA0E2F1E67}" type="presParOf" srcId="{0CC6B549-361B-4A65-9C05-062E2F68393A}" destId="{76DB25AF-57D7-458E-BD89-5D17D774A691}" srcOrd="0" destOrd="0" presId="urn:microsoft.com/office/officeart/2005/8/layout/orgChart1"/>
-    <dgm:cxn modelId="{00DA99FE-CB1E-4AAE-9930-270A32567FA0}" type="presOf" srcId="{6635F946-C8AC-4975-AF44-D39CDB9B04D5}" destId="{76DB25AF-57D7-458E-BD89-5D17D774A691}" srcOrd="0" destOrd="0" presId="urn:microsoft.com/office/officeart/2005/8/layout/orgChart1"/>
-    <dgm:cxn modelId="{21F77168-A98B-4C70-943F-52449F637E32}" type="presParOf" srcId="{0CC6B549-361B-4A65-9C05-062E2F68393A}" destId="{6C382240-101B-4773-9D98-8D712AE593D4}" srcOrd="1" destOrd="0" presId="urn:microsoft.com/office/officeart/2005/8/layout/orgChart1"/>
-    <dgm:cxn modelId="{B2FDE5AB-538B-4FC9-9ED3-5C0C001B9A79}" type="presOf" srcId="{6635F946-C8AC-4975-AF44-D39CDB9B04D5}" destId="{6C382240-101B-4773-9D98-8D712AE593D4}" srcOrd="0" destOrd="0" presId="urn:microsoft.com/office/officeart/2005/8/layout/orgChart1"/>
-    <dgm:cxn modelId="{07700CA3-56F8-40D5-BD3B-A91EAE200AAA}" type="presParOf" srcId="{714ADEFB-BF46-4E3D-835D-384831B94CC9}" destId="{37314154-BDA5-4FAB-B240-A5883A7BE6D0}" srcOrd="1" destOrd="3" presId="urn:microsoft.com/office/officeart/2005/8/layout/orgChart1"/>
-    <dgm:cxn modelId="{5091D68F-195F-4839-B9CB-8A140CA07CF5}" type="presParOf" srcId="{714ADEFB-BF46-4E3D-835D-384831B94CC9}" destId="{32E80643-6506-4D42-AC19-7481BE271AEB}" srcOrd="2" destOrd="3" presId="urn:microsoft.com/office/officeart/2005/8/layout/orgChart1"/>
-    <dgm:cxn modelId="{98C4F3B8-957E-4488-AD3C-847CC2FD1653}" type="presParOf" srcId="{40F4A32B-9FD1-4E3D-9813-AAFC0F054AB0}" destId="{7EABB4C4-375B-4077-9B12-FE440DF732CA}" srcOrd="2" destOrd="1" presId="urn:microsoft.com/office/officeart/2005/8/layout/orgChart1"/>
-    <dgm:cxn modelId="{B26E7167-78E8-494C-8C62-BEE9B6657F2F}" type="presParOf" srcId="{E7684E41-2897-47D6-88D1-EA9044CBE0F9}" destId="{957E430B-08A5-4536-99BA-D81142791BD6}" srcOrd="2" destOrd="1" presId="urn:microsoft.com/office/officeart/2005/8/layout/orgChart1"/>
-    <dgm:cxn modelId="{4FF2146A-1E0E-4258-B029-89F8383F888A}" type="presOf" srcId="{A1E6CDE5-7860-406B-AC88-78CB65C6D0DF}" destId="{957E430B-08A5-4536-99BA-D81142791BD6}" srcOrd="0" destOrd="0" presId="urn:microsoft.com/office/officeart/2005/8/layout/orgChart1"/>
-    <dgm:cxn modelId="{9CA589EB-476D-4342-831E-D4E26BF7F407}" type="presParOf" srcId="{E7684E41-2897-47D6-88D1-EA9044CBE0F9}" destId="{BDBBEBFD-D5FD-45FF-AA38-8C22C682ED5C}" srcOrd="3" destOrd="1" presId="urn:microsoft.com/office/officeart/2005/8/layout/orgChart1"/>
-    <dgm:cxn modelId="{19762C50-FD97-4981-AB98-F1DD04D51105}" type="presParOf" srcId="{BDBBEBFD-D5FD-45FF-AA38-8C22C682ED5C}" destId="{5A0D0DA2-2108-47C5-AF06-2B3BFD7EA3C2}" srcOrd="0" destOrd="3" presId="urn:microsoft.com/office/officeart/2005/8/layout/orgChart1"/>
-    <dgm:cxn modelId="{33781362-344E-415C-832E-A9B2B79B991E}" type="presOf" srcId="{88831739-68C2-4D6B-9833-2447EEC3238D}" destId="{5A0D0DA2-2108-47C5-AF06-2B3BFD7EA3C2}" srcOrd="0" destOrd="0" presId="urn:microsoft.com/office/officeart/2005/8/layout/orgChart1"/>
-    <dgm:cxn modelId="{79E4E694-6C6D-443E-9889-5E680FBE3D1C}" type="presParOf" srcId="{5A0D0DA2-2108-47C5-AF06-2B3BFD7EA3C2}" destId="{EA3F216B-A106-4DCB-B869-1D79DD10095A}" srcOrd="0" destOrd="0" presId="urn:microsoft.com/office/officeart/2005/8/layout/orgChart1"/>
-    <dgm:cxn modelId="{54C6733F-06EA-49DD-BDF1-3D5734AB00CB}" type="presOf" srcId="{88831739-68C2-4D6B-9833-2447EEC3238D}" destId="{EA3F216B-A106-4DCB-B869-1D79DD10095A}" srcOrd="0" destOrd="0" presId="urn:microsoft.com/office/officeart/2005/8/layout/orgChart1"/>
-    <dgm:cxn modelId="{089BF47B-1CAE-4ED0-B3F1-556CAE1E17EC}" type="presParOf" srcId="{5A0D0DA2-2108-47C5-AF06-2B3BFD7EA3C2}" destId="{28EF2D13-51E4-4A73-B881-3CD5EC759188}" srcOrd="1" destOrd="0" presId="urn:microsoft.com/office/officeart/2005/8/layout/orgChart1"/>
-    <dgm:cxn modelId="{DD47A3FC-94C4-4163-A58D-24597A9796FC}" type="presOf" srcId="{88831739-68C2-4D6B-9833-2447EEC3238D}" destId="{28EF2D13-51E4-4A73-B881-3CD5EC759188}" srcOrd="0" destOrd="0" presId="urn:microsoft.com/office/officeart/2005/8/layout/orgChart1"/>
-    <dgm:cxn modelId="{85B625AE-B823-4AD8-800C-41A6CF725086}" type="presParOf" srcId="{BDBBEBFD-D5FD-45FF-AA38-8C22C682ED5C}" destId="{9FB97468-7F30-4606-B687-1FD94E40D3B6}" srcOrd="1" destOrd="3" presId="urn:microsoft.com/office/officeart/2005/8/layout/orgChart1"/>
-    <dgm:cxn modelId="{A18E9CE6-E6EE-448D-AB33-6F10285DF59A}" type="presParOf" srcId="{BDBBEBFD-D5FD-45FF-AA38-8C22C682ED5C}" destId="{ECA25FD4-C275-4568-BAAD-8F95782A01C1}" srcOrd="2" destOrd="3" presId="urn:microsoft.com/office/officeart/2005/8/layout/orgChart1"/>
-    <dgm:cxn modelId="{F75F0B69-FB98-42E6-BEC6-958E3AA12CDD}" type="presParOf" srcId="{2BA09336-FD91-4BE8-B7D9-7B9FFDD35EE2}" destId="{F78196DD-C71C-4664-8ECB-6D7A4BB5F8E7}" srcOrd="2" destOrd="0" presId="urn:microsoft.com/office/officeart/2005/8/layout/orgChart1"/>
+    <dgm:cxn modelId="{DD47A3FC-94C4-4163-A58D-24597A9796FC}" type="presOf" srcId="{88831739-68C2-4D6B-9833-2447EEC3238D}" destId="{28EF2D13-51E4-4A73-B881-3CD5EC759188}" srcOrd="2" destOrd="0" presId="urn:microsoft.com/office/officeart/2005/8/layout/orgChart1#1"/>
+    <dgm:cxn modelId="{00DA99FE-CB1E-4AAE-9930-270A32567FA0}" type="presOf" srcId="{6635F946-C8AC-4975-AF44-D39CDB9B04D5}" destId="{76DB25AF-57D7-458E-BD89-5D17D774A691}" srcOrd="1" destOrd="0" presId="urn:microsoft.com/office/officeart/2005/8/layout/orgChart1#1"/>
+    <dgm:cxn modelId="{7BD4480F-FC9E-4F39-9258-C382BAF22AD0}" type="presParOf" srcId="{E64687DB-95C9-435C-BCB7-31D3EC598044}" destId="{2BA09336-FD91-4BE8-B7D9-7B9FFDD35EE2}" srcOrd="0" destOrd="0" presId="urn:microsoft.com/office/officeart/2005/8/layout/orgChart1#1"/>
+    <dgm:cxn modelId="{7567D297-7D72-4675-B981-A5B8A8B76B73}" type="presParOf" srcId="{2BA09336-FD91-4BE8-B7D9-7B9FFDD35EE2}" destId="{9D5B5016-5287-4162-B7FD-4E55EDF07C86}" srcOrd="0" destOrd="0" presId="urn:microsoft.com/office/officeart/2005/8/layout/orgChart1#1"/>
+    <dgm:cxn modelId="{CE8C269E-01C8-4ADA-8B52-80E51108A00F}" type="presParOf" srcId="{9D5B5016-5287-4162-B7FD-4E55EDF07C86}" destId="{9E91ACEA-4398-4341-A5D1-63B4AF1DB5A7}" srcOrd="0" destOrd="0" presId="urn:microsoft.com/office/officeart/2005/8/layout/orgChart1#1"/>
+    <dgm:cxn modelId="{4569C54E-9B56-40C5-A65C-747ABF60DB62}" type="presParOf" srcId="{9D5B5016-5287-4162-B7FD-4E55EDF07C86}" destId="{9171B8CB-B772-43B5-80B2-8805DF074B60}" srcOrd="1" destOrd="0" presId="urn:microsoft.com/office/officeart/2005/8/layout/orgChart1#1"/>
+    <dgm:cxn modelId="{9FC53B49-2D8E-4B71-A90C-24C9B81874A5}" type="presParOf" srcId="{2BA09336-FD91-4BE8-B7D9-7B9FFDD35EE2}" destId="{E7684E41-2897-47D6-88D1-EA9044CBE0F9}" srcOrd="1" destOrd="0" presId="urn:microsoft.com/office/officeart/2005/8/layout/orgChart1#1"/>
+    <dgm:cxn modelId="{80F7BB94-E943-4622-8F9F-D8AD114E3D82}" type="presParOf" srcId="{E7684E41-2897-47D6-88D1-EA9044CBE0F9}" destId="{3A270329-A585-4798-AD4F-CF958E8C8769}" srcOrd="0" destOrd="0" presId="urn:microsoft.com/office/officeart/2005/8/layout/orgChart1#1"/>
+    <dgm:cxn modelId="{019C9898-EA97-40F4-8626-BEB72459C902}" type="presParOf" srcId="{E7684E41-2897-47D6-88D1-EA9044CBE0F9}" destId="{40F4A32B-9FD1-4E3D-9813-AAFC0F054AB0}" srcOrd="1" destOrd="0" presId="urn:microsoft.com/office/officeart/2005/8/layout/orgChart1#1"/>
+    <dgm:cxn modelId="{F43F8E89-E04E-419D-BFB1-5B002E2C5A67}" type="presParOf" srcId="{40F4A32B-9FD1-4E3D-9813-AAFC0F054AB0}" destId="{EF5BE948-3387-42BA-9E81-D938C3341255}" srcOrd="0" destOrd="0" presId="urn:microsoft.com/office/officeart/2005/8/layout/orgChart1#1"/>
+    <dgm:cxn modelId="{D4BEEED8-0121-4CF9-BEE0-5BA7105EB4D2}" type="presParOf" srcId="{EF5BE948-3387-42BA-9E81-D938C3341255}" destId="{86417C25-55D8-46E0-8A33-B183A7480C7A}" srcOrd="0" destOrd="0" presId="urn:microsoft.com/office/officeart/2005/8/layout/orgChart1#1"/>
+    <dgm:cxn modelId="{5266DB24-CC84-4DD0-86B2-6A26973BE996}" type="presParOf" srcId="{EF5BE948-3387-42BA-9E81-D938C3341255}" destId="{3CC7857C-53C6-4420-9B97-663CC50CB602}" srcOrd="1" destOrd="0" presId="urn:microsoft.com/office/officeart/2005/8/layout/orgChart1#1"/>
+    <dgm:cxn modelId="{FDB9F0A8-5DD0-425A-9D91-A7B950D02B18}" type="presParOf" srcId="{40F4A32B-9FD1-4E3D-9813-AAFC0F054AB0}" destId="{9508B498-D8AF-488D-8E1A-AB402A48E330}" srcOrd="1" destOrd="0" presId="urn:microsoft.com/office/officeart/2005/8/layout/orgChart1#1"/>
+    <dgm:cxn modelId="{DED47659-BD67-4303-A223-B6790DBA1961}" type="presParOf" srcId="{9508B498-D8AF-488D-8E1A-AB402A48E330}" destId="{43596E3A-B4C3-4BF2-83A7-65276B31F129}" srcOrd="0" destOrd="0" presId="urn:microsoft.com/office/officeart/2005/8/layout/orgChart1#1"/>
+    <dgm:cxn modelId="{90930E8A-DE93-4CE7-9A9A-F3E8B0059EC0}" type="presParOf" srcId="{9508B498-D8AF-488D-8E1A-AB402A48E330}" destId="{8D196C21-3A57-4110-B045-4B9A2ACAA825}" srcOrd="1" destOrd="0" presId="urn:microsoft.com/office/officeart/2005/8/layout/orgChart1#1"/>
+    <dgm:cxn modelId="{D1C3FF3B-4634-424B-9763-1E6D28C36739}" type="presParOf" srcId="{8D196C21-3A57-4110-B045-4B9A2ACAA825}" destId="{BAE70A9D-37D9-4498-A6DF-3D6CDE7372C3}" srcOrd="0" destOrd="0" presId="urn:microsoft.com/office/officeart/2005/8/layout/orgChart1#1"/>
+    <dgm:cxn modelId="{3328D179-38B7-42A4-875F-4E7C14527096}" type="presParOf" srcId="{BAE70A9D-37D9-4498-A6DF-3D6CDE7372C3}" destId="{3C7D3777-0AE3-4731-B917-734818879FB0}" srcOrd="0" destOrd="0" presId="urn:microsoft.com/office/officeart/2005/8/layout/orgChart1#1"/>
+    <dgm:cxn modelId="{5DCCD762-C11E-443F-BD97-627AAB5E683B}" type="presParOf" srcId="{BAE70A9D-37D9-4498-A6DF-3D6CDE7372C3}" destId="{9D8E0677-5238-45AB-AB12-764681DE44E9}" srcOrd="1" destOrd="0" presId="urn:microsoft.com/office/officeart/2005/8/layout/orgChart1#1"/>
+    <dgm:cxn modelId="{D3C9B62B-75C0-47E0-AD87-2BBE6234E898}" type="presParOf" srcId="{8D196C21-3A57-4110-B045-4B9A2ACAA825}" destId="{4A23CF9B-00E3-42AC-A3FC-6EF1CCB86EDE}" srcOrd="1" destOrd="0" presId="urn:microsoft.com/office/officeart/2005/8/layout/orgChart1#1"/>
+    <dgm:cxn modelId="{EA89171B-B1C3-4AB5-B84B-23045324CD0E}" type="presParOf" srcId="{8D196C21-3A57-4110-B045-4B9A2ACAA825}" destId="{8C973500-FAD3-4FAE-859B-93B03064AE6A}" srcOrd="2" destOrd="0" presId="urn:microsoft.com/office/officeart/2005/8/layout/orgChart1#1"/>
+    <dgm:cxn modelId="{8D53CEBF-E696-4D0C-BF6A-149B5068BFA0}" type="presParOf" srcId="{9508B498-D8AF-488D-8E1A-AB402A48E330}" destId="{5C7C6604-1F02-4ECA-A671-07418F430AEF}" srcOrd="2" destOrd="0" presId="urn:microsoft.com/office/officeart/2005/8/layout/orgChart1#1"/>
+    <dgm:cxn modelId="{DD988D64-19CD-4EAD-9670-C2712E6F15FF}" type="presParOf" srcId="{9508B498-D8AF-488D-8E1A-AB402A48E330}" destId="{714ADEFB-BF46-4E3D-835D-384831B94CC9}" srcOrd="3" destOrd="0" presId="urn:microsoft.com/office/officeart/2005/8/layout/orgChart1#1"/>
+    <dgm:cxn modelId="{8FBAFF93-6005-4A08-8212-9D8C3FCD2124}" type="presParOf" srcId="{714ADEFB-BF46-4E3D-835D-384831B94CC9}" destId="{0CC6B549-361B-4A65-9C05-062E2F68393A}" srcOrd="0" destOrd="0" presId="urn:microsoft.com/office/officeart/2005/8/layout/orgChart1#1"/>
+    <dgm:cxn modelId="{7FBDD59B-B260-43E2-A6C2-90AA0E2F1E67}" type="presParOf" srcId="{0CC6B549-361B-4A65-9C05-062E2F68393A}" destId="{76DB25AF-57D7-458E-BD89-5D17D774A691}" srcOrd="0" destOrd="0" presId="urn:microsoft.com/office/officeart/2005/8/layout/orgChart1#1"/>
+    <dgm:cxn modelId="{21F77168-A98B-4C70-943F-52449F637E32}" type="presParOf" srcId="{0CC6B549-361B-4A65-9C05-062E2F68393A}" destId="{6C382240-101B-4773-9D98-8D712AE593D4}" srcOrd="1" destOrd="0" presId="urn:microsoft.com/office/officeart/2005/8/layout/orgChart1#1"/>
+    <dgm:cxn modelId="{07700CA3-56F8-40D5-BD3B-A91EAE200AAA}" type="presParOf" srcId="{714ADEFB-BF46-4E3D-835D-384831B94CC9}" destId="{37314154-BDA5-4FAB-B240-A5883A7BE6D0}" srcOrd="1" destOrd="0" presId="urn:microsoft.com/office/officeart/2005/8/layout/orgChart1#1"/>
+    <dgm:cxn modelId="{5091D68F-195F-4839-B9CB-8A140CA07CF5}" type="presParOf" srcId="{714ADEFB-BF46-4E3D-835D-384831B94CC9}" destId="{32E80643-6506-4D42-AC19-7481BE271AEB}" srcOrd="2" destOrd="0" presId="urn:microsoft.com/office/officeart/2005/8/layout/orgChart1#1"/>
+    <dgm:cxn modelId="{98C4F3B8-957E-4488-AD3C-847CC2FD1653}" type="presParOf" srcId="{40F4A32B-9FD1-4E3D-9813-AAFC0F054AB0}" destId="{7EABB4C4-375B-4077-9B12-FE440DF732CA}" srcOrd="2" destOrd="0" presId="urn:microsoft.com/office/officeart/2005/8/layout/orgChart1#1"/>
+    <dgm:cxn modelId="{B26E7167-78E8-494C-8C62-BEE9B6657F2F}" type="presParOf" srcId="{E7684E41-2897-47D6-88D1-EA9044CBE0F9}" destId="{957E430B-08A5-4536-99BA-D81142791BD6}" srcOrd="2" destOrd="0" presId="urn:microsoft.com/office/officeart/2005/8/layout/orgChart1#1"/>
+    <dgm:cxn modelId="{9CA589EB-476D-4342-831E-D4E26BF7F407}" type="presParOf" srcId="{E7684E41-2897-47D6-88D1-EA9044CBE0F9}" destId="{BDBBEBFD-D5FD-45FF-AA38-8C22C682ED5C}" srcOrd="3" destOrd="0" presId="urn:microsoft.com/office/officeart/2005/8/layout/orgChart1#1"/>
+    <dgm:cxn modelId="{19762C50-FD97-4981-AB98-F1DD04D51105}" type="presParOf" srcId="{BDBBEBFD-D5FD-45FF-AA38-8C22C682ED5C}" destId="{5A0D0DA2-2108-47C5-AF06-2B3BFD7EA3C2}" srcOrd="0" destOrd="0" presId="urn:microsoft.com/office/officeart/2005/8/layout/orgChart1#1"/>
+    <dgm:cxn modelId="{79E4E694-6C6D-443E-9889-5E680FBE3D1C}" type="presParOf" srcId="{5A0D0DA2-2108-47C5-AF06-2B3BFD7EA3C2}" destId="{EA3F216B-A106-4DCB-B869-1D79DD10095A}" srcOrd="0" destOrd="0" presId="urn:microsoft.com/office/officeart/2005/8/layout/orgChart1#1"/>
+    <dgm:cxn modelId="{089BF47B-1CAE-4ED0-B3F1-556CAE1E17EC}" type="presParOf" srcId="{5A0D0DA2-2108-47C5-AF06-2B3BFD7EA3C2}" destId="{28EF2D13-51E4-4A73-B881-3CD5EC759188}" srcOrd="1" destOrd="0" presId="urn:microsoft.com/office/officeart/2005/8/layout/orgChart1#1"/>
+    <dgm:cxn modelId="{85B625AE-B823-4AD8-800C-41A6CF725086}" type="presParOf" srcId="{BDBBEBFD-D5FD-45FF-AA38-8C22C682ED5C}" destId="{9FB97468-7F30-4606-B687-1FD94E40D3B6}" srcOrd="1" destOrd="0" presId="urn:microsoft.com/office/officeart/2005/8/layout/orgChart1#1"/>
+    <dgm:cxn modelId="{A18E9CE6-E6EE-448D-AB33-6F10285DF59A}" type="presParOf" srcId="{BDBBEBFD-D5FD-45FF-AA38-8C22C682ED5C}" destId="{ECA25FD4-C275-4568-BAAD-8F95782A01C1}" srcOrd="2" destOrd="0" presId="urn:microsoft.com/office/officeart/2005/8/layout/orgChart1#1"/>
+    <dgm:cxn modelId="{F75F0B69-FB98-42E6-BEC6-958E3AA12CDD}" type="presParOf" srcId="{2BA09336-FD91-4BE8-B7D9-7B9FFDD35EE2}" destId="{F78196DD-C71C-4664-8ECB-6D7A4BB5F8E7}" srcOrd="2" destOrd="0" presId="urn:microsoft.com/office/officeart/2005/8/layout/orgChart1#1"/>
   </dgm:cxnLst>
   <dgm:bg/>
   <dgm:whole/>
   <dgm:extLst>
     <a:ext uri="http://schemas.microsoft.com/office/drawing/2008/diagram">
-      <dsp:dataModelExt xmlns:dsp="http://schemas.microsoft.com/office/drawing/2008/diagram" relId="rId5" minVer="http://schemas.openxmlformats.org/drawingml/2006/diagram"/>
+      <dsp:dataModelExt xmlns:dsp="http://schemas.microsoft.com/office/drawing/2008/diagram" relId="rId6" minVer="http://schemas.openxmlformats.org/drawingml/2006/diagram"/>
     </a:ext>
   </dgm:extLst>
 </dgm:dataModel>
@@ -1634,7 +1595,7 @@
           </a:pathLst>
         </a:custGeom>
         <a:noFill/>
-        <a:ln w="12700" cap="flat" cmpd="sng" algn="ctr">
+        <a:ln w="6350" cap="flat" cmpd="sng" algn="ctr">
           <a:solidFill>
             <a:schemeClr val="accent1">
               <a:shade val="60000"/>
@@ -1650,7 +1611,7 @@
         <a:effectLst/>
       </dsp:spPr>
       <dsp:style>
-        <a:lnRef idx="2">
+        <a:lnRef idx="1">
           <a:scrgbClr r="0" g="0" b="0"/>
         </a:lnRef>
         <a:fillRef idx="0">
@@ -1696,7 +1657,7 @@
           </a:pathLst>
         </a:custGeom>
         <a:noFill/>
-        <a:ln w="12700" cap="flat" cmpd="sng" algn="ctr">
+        <a:ln w="6350" cap="flat" cmpd="sng" algn="ctr">
           <a:solidFill>
             <a:schemeClr val="accent1">
               <a:shade val="80000"/>
@@ -1712,7 +1673,7 @@
         <a:effectLst/>
       </dsp:spPr>
       <dsp:style>
-        <a:lnRef idx="2">
+        <a:lnRef idx="1">
           <a:scrgbClr r="0" g="0" b="0"/>
         </a:lnRef>
         <a:fillRef idx="0">
@@ -1758,7 +1719,7 @@
           </a:pathLst>
         </a:custGeom>
         <a:noFill/>
-        <a:ln w="12700" cap="flat" cmpd="sng" algn="ctr">
+        <a:ln w="6350" cap="flat" cmpd="sng" algn="ctr">
           <a:solidFill>
             <a:schemeClr val="accent1">
               <a:shade val="80000"/>
@@ -1774,7 +1735,7 @@
         <a:effectLst/>
       </dsp:spPr>
       <dsp:style>
-        <a:lnRef idx="2">
+        <a:lnRef idx="1">
           <a:scrgbClr r="0" g="0" b="0"/>
         </a:lnRef>
         <a:fillRef idx="0">
@@ -1820,7 +1781,7 @@
           </a:pathLst>
         </a:custGeom>
         <a:noFill/>
-        <a:ln w="12700" cap="flat" cmpd="sng" algn="ctr">
+        <a:ln w="6350" cap="flat" cmpd="sng" algn="ctr">
           <a:solidFill>
             <a:schemeClr val="accent1">
               <a:shade val="60000"/>
@@ -1836,7 +1797,7 @@
         <a:effectLst/>
       </dsp:spPr>
       <dsp:style>
-        <a:lnRef idx="2">
+        <a:lnRef idx="1">
           <a:scrgbClr r="0" g="0" b="0"/>
         </a:lnRef>
         <a:fillRef idx="0">
@@ -1869,9 +1830,9 @@
                 <a:satOff val="0"/>
                 <a:lumOff val="0"/>
                 <a:alphaOff val="0"/>
-                <a:lumMod val="110000"/>
-                <a:satMod val="105000"/>
-                <a:tint val="67000"/>
+                <a:satMod val="103000"/>
+                <a:lumMod val="102000"/>
+                <a:tint val="94000"/>
               </a:schemeClr>
             </a:gs>
             <a:gs pos="50000">
@@ -1880,9 +1841,9 @@
                 <a:satOff val="0"/>
                 <a:lumOff val="0"/>
                 <a:alphaOff val="0"/>
-                <a:lumMod val="105000"/>
-                <a:satMod val="103000"/>
-                <a:tint val="73000"/>
+                <a:satMod val="110000"/>
+                <a:lumMod val="100000"/>
+                <a:shade val="100000"/>
               </a:schemeClr>
             </a:gs>
             <a:gs pos="100000">
@@ -1891,9 +1852,9 @@
                 <a:satOff val="0"/>
                 <a:lumOff val="0"/>
                 <a:alphaOff val="0"/>
-                <a:lumMod val="105000"/>
-                <a:satMod val="109000"/>
-                <a:tint val="81000"/>
+                <a:lumMod val="99000"/>
+                <a:satMod val="120000"/>
+                <a:shade val="78000"/>
               </a:schemeClr>
             </a:gs>
           </a:gsLst>
@@ -1903,37 +1864,30 @@
           <a:noFill/>
         </a:ln>
         <a:effectLst/>
-        <a:scene3d>
-          <a:camera prst="orthographicFront"/>
-          <a:lightRig rig="flat" dir="t"/>
-        </a:scene3d>
-        <a:sp3d prstMaterial="dkEdge">
-          <a:bevelT w="8200" h="38100"/>
-        </a:sp3d>
       </dsp:spPr>
       <dsp:style>
         <a:lnRef idx="0">
           <a:scrgbClr r="0" g="0" b="0"/>
         </a:lnRef>
-        <a:fillRef idx="2">
+        <a:fillRef idx="3">
           <a:scrgbClr r="0" g="0" b="0"/>
         </a:fillRef>
-        <a:effectRef idx="1">
+        <a:effectRef idx="2">
           <a:scrgbClr r="0" g="0" b="0"/>
         </a:effectRef>
         <a:fontRef idx="minor">
-          <a:schemeClr val="dk1"/>
+          <a:schemeClr val="lt1"/>
         </a:fontRef>
       </dsp:style>
       <dsp:txBody>
-        <a:bodyPr spcFirstLastPara="0" vert="horz" wrap="square" lIns="26670" tIns="26670" rIns="26670" bIns="26670" numCol="1" spcCol="1270" anchor="ctr" anchorCtr="0">
+        <a:bodyPr spcFirstLastPara="0" vert="horz" wrap="square" lIns="25400" tIns="25400" rIns="25400" bIns="25400" numCol="1" spcCol="1270" anchor="ctr" anchorCtr="0">
           <a:noAutofit/>
         </a:bodyPr>
         <a:lstStyle/>
         <a:p>
-          <a:pPr marL="0" lvl="0" indent="0" algn="ctr" defTabSz="1866900">
+          <a:pPr marL="0" lvl="0" indent="0" algn="ctr" defTabSz="1778000">
             <a:lnSpc>
-              <a:spcPct val="90000"/>
+              <a:spcPct val="100000"/>
             </a:lnSpc>
             <a:spcBef>
               <a:spcPct val="0"/>
@@ -1944,10 +1898,12 @@
             <a:buNone/>
           </a:pPr>
           <a:r>
-            <a:rPr lang="en-US" altLang="zh-CN" sz="4200" kern="1200" dirty="0"/>
+            <a:rPr lang="en-US" altLang="zh-CN" sz="4000" kern="1200" dirty="0">
+              <a:latin typeface="微软雅黑" panose="020B0503020204020204" charset="-122"/>
+              <a:ea typeface="微软雅黑" panose="020B0503020204020204" charset="-122"/>
+            </a:rPr>
             <a:t>BUBG</a:t>
           </a:r>
-          <a:endParaRPr lang="zh-CN" altLang="en-US" sz="4200" kern="1200" dirty="0"/>
         </a:p>
       </dsp:txBody>
       <dsp:txXfrm>
@@ -1976,9 +1932,9 @@
                 <a:satOff val="0"/>
                 <a:lumOff val="0"/>
                 <a:alphaOff val="0"/>
-                <a:lumMod val="110000"/>
-                <a:satMod val="105000"/>
-                <a:tint val="67000"/>
+                <a:satMod val="103000"/>
+                <a:lumMod val="102000"/>
+                <a:tint val="94000"/>
               </a:schemeClr>
             </a:gs>
             <a:gs pos="50000">
@@ -1987,9 +1943,9 @@
                 <a:satOff val="0"/>
                 <a:lumOff val="0"/>
                 <a:alphaOff val="0"/>
-                <a:lumMod val="105000"/>
-                <a:satMod val="103000"/>
-                <a:tint val="73000"/>
+                <a:satMod val="110000"/>
+                <a:lumMod val="100000"/>
+                <a:shade val="100000"/>
               </a:schemeClr>
             </a:gs>
             <a:gs pos="100000">
@@ -1998,9 +1954,9 @@
                 <a:satOff val="0"/>
                 <a:lumOff val="0"/>
                 <a:alphaOff val="0"/>
-                <a:lumMod val="105000"/>
-                <a:satMod val="109000"/>
-                <a:tint val="81000"/>
+                <a:lumMod val="99000"/>
+                <a:satMod val="120000"/>
+                <a:shade val="78000"/>
               </a:schemeClr>
             </a:gs>
           </a:gsLst>
@@ -2010,37 +1966,30 @@
           <a:noFill/>
         </a:ln>
         <a:effectLst/>
-        <a:scene3d>
-          <a:camera prst="orthographicFront"/>
-          <a:lightRig rig="flat" dir="t"/>
-        </a:scene3d>
-        <a:sp3d prstMaterial="dkEdge">
-          <a:bevelT w="8200" h="38100"/>
-        </a:sp3d>
       </dsp:spPr>
       <dsp:style>
         <a:lnRef idx="0">
           <a:scrgbClr r="0" g="0" b="0"/>
         </a:lnRef>
-        <a:fillRef idx="2">
+        <a:fillRef idx="3">
           <a:scrgbClr r="0" g="0" b="0"/>
         </a:fillRef>
-        <a:effectRef idx="1">
+        <a:effectRef idx="2">
           <a:scrgbClr r="0" g="0" b="0"/>
         </a:effectRef>
         <a:fontRef idx="minor">
-          <a:schemeClr val="dk1"/>
+          <a:schemeClr val="lt1"/>
         </a:fontRef>
       </dsp:style>
       <dsp:txBody>
-        <a:bodyPr spcFirstLastPara="0" vert="horz" wrap="square" lIns="26670" tIns="26670" rIns="26670" bIns="26670" numCol="1" spcCol="1270" anchor="ctr" anchorCtr="0">
+        <a:bodyPr spcFirstLastPara="0" vert="horz" wrap="square" lIns="22860" tIns="22860" rIns="22860" bIns="22860" numCol="1" spcCol="1270" anchor="ctr" anchorCtr="0">
           <a:noAutofit/>
         </a:bodyPr>
         <a:lstStyle/>
         <a:p>
-          <a:pPr marL="0" lvl="0" indent="0" algn="ctr" defTabSz="1866900">
+          <a:pPr marL="0" lvl="0" indent="0" algn="ctr" defTabSz="1600200">
             <a:lnSpc>
-              <a:spcPct val="90000"/>
+              <a:spcPct val="100000"/>
             </a:lnSpc>
             <a:spcBef>
               <a:spcPct val="0"/>
@@ -2051,10 +2000,12 @@
             <a:buNone/>
           </a:pPr>
           <a:r>
-            <a:rPr lang="en-US" altLang="zh-CN" sz="4200" kern="1200" dirty="0" err="1"/>
+            <a:rPr lang="en-US" altLang="zh-CN" sz="3600" kern="1200" dirty="0" err="1">
+              <a:latin typeface="微软雅黑" panose="020B0503020204020204" charset="-122"/>
+              <a:ea typeface="微软雅黑" panose="020B0503020204020204" charset="-122"/>
+            </a:rPr>
             <a:t>Controler</a:t>
           </a:r>
-          <a:endParaRPr lang="zh-CN" altLang="en-US" sz="4200" kern="1200" dirty="0"/>
         </a:p>
       </dsp:txBody>
       <dsp:txXfrm>
@@ -2083,9 +2034,9 @@
                 <a:satOff val="0"/>
                 <a:lumOff val="0"/>
                 <a:alphaOff val="0"/>
-                <a:lumMod val="110000"/>
-                <a:satMod val="105000"/>
-                <a:tint val="67000"/>
+                <a:satMod val="103000"/>
+                <a:lumMod val="102000"/>
+                <a:tint val="94000"/>
               </a:schemeClr>
             </a:gs>
             <a:gs pos="50000">
@@ -2094,9 +2045,9 @@
                 <a:satOff val="0"/>
                 <a:lumOff val="0"/>
                 <a:alphaOff val="0"/>
-                <a:lumMod val="105000"/>
-                <a:satMod val="103000"/>
-                <a:tint val="73000"/>
+                <a:satMod val="110000"/>
+                <a:lumMod val="100000"/>
+                <a:shade val="100000"/>
               </a:schemeClr>
             </a:gs>
             <a:gs pos="100000">
@@ -2105,9 +2056,9 @@
                 <a:satOff val="0"/>
                 <a:lumOff val="0"/>
                 <a:alphaOff val="0"/>
-                <a:lumMod val="105000"/>
-                <a:satMod val="109000"/>
-                <a:tint val="81000"/>
+                <a:lumMod val="99000"/>
+                <a:satMod val="120000"/>
+                <a:shade val="78000"/>
               </a:schemeClr>
             </a:gs>
           </a:gsLst>
@@ -2117,37 +2068,30 @@
           <a:noFill/>
         </a:ln>
         <a:effectLst/>
-        <a:scene3d>
-          <a:camera prst="orthographicFront"/>
-          <a:lightRig rig="flat" dir="t"/>
-        </a:scene3d>
-        <a:sp3d prstMaterial="dkEdge">
-          <a:bevelT w="8200" h="38100"/>
-        </a:sp3d>
       </dsp:spPr>
       <dsp:style>
         <a:lnRef idx="0">
           <a:scrgbClr r="0" g="0" b="0"/>
         </a:lnRef>
-        <a:fillRef idx="2">
+        <a:fillRef idx="3">
           <a:scrgbClr r="0" g="0" b="0"/>
         </a:fillRef>
-        <a:effectRef idx="1">
+        <a:effectRef idx="2">
           <a:scrgbClr r="0" g="0" b="0"/>
         </a:effectRef>
         <a:fontRef idx="minor">
-          <a:schemeClr val="dk1"/>
+          <a:schemeClr val="lt1"/>
         </a:fontRef>
       </dsp:style>
       <dsp:txBody>
-        <a:bodyPr spcFirstLastPara="0" vert="horz" wrap="square" lIns="26670" tIns="26670" rIns="26670" bIns="26670" numCol="1" spcCol="1270" anchor="ctr" anchorCtr="0">
+        <a:bodyPr spcFirstLastPara="0" vert="horz" wrap="square" lIns="27305" tIns="27305" rIns="27305" bIns="27305" numCol="1" spcCol="1270" anchor="ctr" anchorCtr="0">
           <a:noAutofit/>
         </a:bodyPr>
         <a:lstStyle/>
         <a:p>
-          <a:pPr marL="0" lvl="0" indent="0" algn="ctr" defTabSz="1866900">
+          <a:pPr marL="0" lvl="0" indent="0" algn="ctr" defTabSz="1911350">
             <a:lnSpc>
-              <a:spcPct val="90000"/>
+              <a:spcPct val="100000"/>
             </a:lnSpc>
             <a:spcBef>
               <a:spcPct val="0"/>
@@ -2158,7 +2102,10 @@
             <a:buNone/>
           </a:pPr>
           <a:r>
-            <a:rPr lang="zh-CN" altLang="en-US" sz="4200" kern="1200" dirty="0"/>
+            <a:rPr lang="zh-CN" altLang="en-US" sz="4300" kern="1200" dirty="0">
+              <a:latin typeface="微软雅黑" panose="020B0503020204020204" charset="-122"/>
+              <a:ea typeface="微软雅黑" panose="020B0503020204020204" charset="-122"/>
+            </a:rPr>
             <a:t>基础组件</a:t>
           </a:r>
         </a:p>
@@ -2189,9 +2136,9 @@
                 <a:satOff val="0"/>
                 <a:lumOff val="0"/>
                 <a:alphaOff val="0"/>
-                <a:lumMod val="110000"/>
-                <a:satMod val="105000"/>
-                <a:tint val="67000"/>
+                <a:satMod val="103000"/>
+                <a:lumMod val="102000"/>
+                <a:tint val="94000"/>
               </a:schemeClr>
             </a:gs>
             <a:gs pos="50000">
@@ -2200,9 +2147,9 @@
                 <a:satOff val="0"/>
                 <a:lumOff val="0"/>
                 <a:alphaOff val="0"/>
-                <a:lumMod val="105000"/>
-                <a:satMod val="103000"/>
-                <a:tint val="73000"/>
+                <a:satMod val="110000"/>
+                <a:lumMod val="100000"/>
+                <a:shade val="100000"/>
               </a:schemeClr>
             </a:gs>
             <a:gs pos="100000">
@@ -2211,9 +2158,9 @@
                 <a:satOff val="0"/>
                 <a:lumOff val="0"/>
                 <a:alphaOff val="0"/>
-                <a:lumMod val="105000"/>
-                <a:satMod val="109000"/>
-                <a:tint val="81000"/>
+                <a:lumMod val="99000"/>
+                <a:satMod val="120000"/>
+                <a:shade val="78000"/>
               </a:schemeClr>
             </a:gs>
           </a:gsLst>
@@ -2223,37 +2170,30 @@
           <a:noFill/>
         </a:ln>
         <a:effectLst/>
-        <a:scene3d>
-          <a:camera prst="orthographicFront"/>
-          <a:lightRig rig="flat" dir="t"/>
-        </a:scene3d>
-        <a:sp3d prstMaterial="dkEdge">
-          <a:bevelT w="8200" h="38100"/>
-        </a:sp3d>
       </dsp:spPr>
       <dsp:style>
         <a:lnRef idx="0">
           <a:scrgbClr r="0" g="0" b="0"/>
         </a:lnRef>
-        <a:fillRef idx="2">
+        <a:fillRef idx="3">
           <a:scrgbClr r="0" g="0" b="0"/>
         </a:fillRef>
-        <a:effectRef idx="1">
+        <a:effectRef idx="2">
           <a:scrgbClr r="0" g="0" b="0"/>
         </a:effectRef>
         <a:fontRef idx="minor">
-          <a:schemeClr val="dk1"/>
+          <a:schemeClr val="lt1"/>
         </a:fontRef>
       </dsp:style>
       <dsp:txBody>
-        <a:bodyPr spcFirstLastPara="0" vert="horz" wrap="square" lIns="26670" tIns="26670" rIns="26670" bIns="26670" numCol="1" spcCol="1270" anchor="ctr" anchorCtr="0">
+        <a:bodyPr spcFirstLastPara="0" vert="horz" wrap="square" lIns="27305" tIns="27305" rIns="27305" bIns="27305" numCol="1" spcCol="1270" anchor="ctr" anchorCtr="0">
           <a:noAutofit/>
         </a:bodyPr>
         <a:lstStyle/>
         <a:p>
-          <a:pPr marL="0" lvl="0" indent="0" algn="ctr" defTabSz="1866900">
+          <a:pPr marL="0" lvl="0" indent="0" algn="ctr" defTabSz="1911350">
             <a:lnSpc>
-              <a:spcPct val="90000"/>
+              <a:spcPct val="100000"/>
             </a:lnSpc>
             <a:spcBef>
               <a:spcPct val="0"/>
@@ -2264,7 +2204,10 @@
             <a:buNone/>
           </a:pPr>
           <a:r>
-            <a:rPr lang="zh-CN" altLang="en-US" sz="4200" kern="1200" dirty="0"/>
+            <a:rPr lang="zh-CN" altLang="en-US" sz="4300" kern="1200" dirty="0">
+              <a:latin typeface="微软雅黑" panose="020B0503020204020204" charset="-122"/>
+              <a:ea typeface="微软雅黑" panose="020B0503020204020204" charset="-122"/>
+            </a:rPr>
             <a:t>网络组件</a:t>
           </a:r>
         </a:p>
@@ -2295,9 +2238,9 @@
                 <a:satOff val="0"/>
                 <a:lumOff val="0"/>
                 <a:alphaOff val="0"/>
-                <a:lumMod val="110000"/>
-                <a:satMod val="105000"/>
-                <a:tint val="67000"/>
+                <a:satMod val="103000"/>
+                <a:lumMod val="102000"/>
+                <a:tint val="94000"/>
               </a:schemeClr>
             </a:gs>
             <a:gs pos="50000">
@@ -2306,9 +2249,9 @@
                 <a:satOff val="0"/>
                 <a:lumOff val="0"/>
                 <a:alphaOff val="0"/>
-                <a:lumMod val="105000"/>
-                <a:satMod val="103000"/>
-                <a:tint val="73000"/>
+                <a:satMod val="110000"/>
+                <a:lumMod val="100000"/>
+                <a:shade val="100000"/>
               </a:schemeClr>
             </a:gs>
             <a:gs pos="100000">
@@ -2317,9 +2260,9 @@
                 <a:satOff val="0"/>
                 <a:lumOff val="0"/>
                 <a:alphaOff val="0"/>
-                <a:lumMod val="105000"/>
-                <a:satMod val="109000"/>
-                <a:tint val="81000"/>
+                <a:lumMod val="99000"/>
+                <a:satMod val="120000"/>
+                <a:shade val="78000"/>
               </a:schemeClr>
             </a:gs>
           </a:gsLst>
@@ -2329,37 +2272,30 @@
           <a:noFill/>
         </a:ln>
         <a:effectLst/>
-        <a:scene3d>
-          <a:camera prst="orthographicFront"/>
-          <a:lightRig rig="flat" dir="t"/>
-        </a:scene3d>
-        <a:sp3d prstMaterial="dkEdge">
-          <a:bevelT w="8200" h="38100"/>
-        </a:sp3d>
       </dsp:spPr>
       <dsp:style>
         <a:lnRef idx="0">
           <a:scrgbClr r="0" g="0" b="0"/>
         </a:lnRef>
-        <a:fillRef idx="2">
+        <a:fillRef idx="3">
           <a:scrgbClr r="0" g="0" b="0"/>
         </a:fillRef>
-        <a:effectRef idx="1">
+        <a:effectRef idx="2">
           <a:scrgbClr r="0" g="0" b="0"/>
         </a:effectRef>
         <a:fontRef idx="minor">
-          <a:schemeClr val="dk1"/>
+          <a:schemeClr val="lt1"/>
         </a:fontRef>
       </dsp:style>
       <dsp:txBody>
-        <a:bodyPr spcFirstLastPara="0" vert="horz" wrap="square" lIns="26670" tIns="26670" rIns="26670" bIns="26670" numCol="1" spcCol="1270" anchor="ctr" anchorCtr="0">
+        <a:bodyPr spcFirstLastPara="0" vert="horz" wrap="square" lIns="27305" tIns="27305" rIns="27305" bIns="27305" numCol="1" spcCol="1270" anchor="ctr" anchorCtr="0">
           <a:noAutofit/>
         </a:bodyPr>
         <a:lstStyle/>
         <a:p>
-          <a:pPr marL="0" lvl="0" indent="0" algn="ctr" defTabSz="1866900">
+          <a:pPr marL="0" lvl="0" indent="0" algn="ctr" defTabSz="1911350">
             <a:lnSpc>
-              <a:spcPct val="90000"/>
+              <a:spcPct val="100000"/>
             </a:lnSpc>
             <a:spcBef>
               <a:spcPct val="0"/>
@@ -2370,7 +2306,10 @@
             <a:buNone/>
           </a:pPr>
           <a:r>
-            <a:rPr lang="zh-CN" altLang="en-US" sz="4200" kern="1200" dirty="0"/>
+            <a:rPr lang="zh-CN" altLang="en-US" sz="4300" kern="1200" dirty="0">
+              <a:latin typeface="微软雅黑" panose="020B0503020204020204" charset="-122"/>
+              <a:ea typeface="微软雅黑" panose="020B0503020204020204" charset="-122"/>
+            </a:rPr>
             <a:t>场景界面</a:t>
           </a:r>
         </a:p>
@@ -2385,7 +2324,7 @@
 </file>
 
 <file path=ppt/diagrams/layout1.xml><?xml version="1.0" encoding="utf-8"?>
-<dgm:layoutDef xmlns:dgm="http://schemas.openxmlformats.org/drawingml/2006/diagram" xmlns:a="http://schemas.openxmlformats.org/drawingml/2006/main" uniqueId="urn:microsoft.com/office/officeart/2005/8/layout/orgChart1">
+<dgm:layoutDef xmlns:dgm="http://schemas.openxmlformats.org/drawingml/2006/diagram" xmlns:a="http://schemas.openxmlformats.org/drawingml/2006/main" uniqueId="urn:microsoft.com/office/officeart/2005/8/layout/orgChart1#1">
   <dgm:title val=""/>
   <dgm:desc val=""/>
   <dgm:catLst>
@@ -3533,7 +3472,7 @@
 </file>
 
 <file path=ppt/diagrams/quickStyle1.xml><?xml version="1.0" encoding="utf-8"?>
-<dgm:styleDef xmlns:dgm="http://schemas.openxmlformats.org/drawingml/2006/diagram" xmlns:a="http://schemas.openxmlformats.org/drawingml/2006/main" uniqueId="urn:microsoft.com/office/officeart/2005/8/quickstyle/simple4">
+<dgm:styleDef xmlns:dgm="http://schemas.openxmlformats.org/drawingml/2006/diagram" xmlns:a="http://schemas.openxmlformats.org/drawingml/2006/main" uniqueId="urn:microsoft.com/office/officeart/2005/8/quickstyle/simple4#1">
   <dgm:title val=""/>
   <dgm:desc val=""/>
   <dgm:catLst>
@@ -3548,6 +3487,7 @@
       <a:camera prst="orthographicFront"/>
       <a:lightRig rig="threePt" dir="t"/>
     </dgm:scene3d>
+    <dgm:sp3d/>
     <dgm:txPr/>
     <dgm:style>
       <a:lnRef idx="1">
@@ -3567,6 +3507,7 @@
       <a:camera prst="orthographicFront"/>
       <a:lightRig rig="threePt" dir="t"/>
     </dgm:scene3d>
+    <dgm:sp3d/>
     <dgm:txPr/>
     <dgm:style>
       <a:lnRef idx="1">
@@ -3586,6 +3527,7 @@
       <a:camera prst="orthographicFront"/>
       <a:lightRig rig="threePt" dir="t"/>
     </dgm:scene3d>
+    <dgm:sp3d/>
     <dgm:txPr/>
     <dgm:style>
       <a:lnRef idx="0">
@@ -3605,6 +3547,7 @@
       <a:camera prst="orthographicFront"/>
       <a:lightRig rig="threePt" dir="t"/>
     </dgm:scene3d>
+    <dgm:sp3d/>
     <dgm:txPr/>
     <dgm:style>
       <a:lnRef idx="1">
@@ -3626,6 +3569,7 @@
       <a:camera prst="orthographicFront"/>
       <a:lightRig rig="threePt" dir="t"/>
     </dgm:scene3d>
+    <dgm:sp3d/>
     <dgm:txPr/>
     <dgm:style>
       <a:lnRef idx="0">
@@ -3647,6 +3591,7 @@
       <a:camera prst="orthographicFront"/>
       <a:lightRig rig="threePt" dir="t"/>
     </dgm:scene3d>
+    <dgm:sp3d/>
     <dgm:txPr/>
     <dgm:style>
       <a:lnRef idx="0">
@@ -3668,6 +3613,7 @@
       <a:camera prst="orthographicFront"/>
       <a:lightRig rig="threePt" dir="t"/>
     </dgm:scene3d>
+    <dgm:sp3d/>
     <dgm:txPr/>
     <dgm:style>
       <a:lnRef idx="0">
@@ -3689,6 +3635,7 @@
       <a:camera prst="orthographicFront"/>
       <a:lightRig rig="threePt" dir="t"/>
     </dgm:scene3d>
+    <dgm:sp3d/>
     <dgm:txPr/>
     <dgm:style>
       <a:lnRef idx="0">
@@ -3710,6 +3657,7 @@
       <a:camera prst="orthographicFront"/>
       <a:lightRig rig="threePt" dir="t"/>
     </dgm:scene3d>
+    <dgm:sp3d/>
     <dgm:txPr/>
     <dgm:style>
       <a:lnRef idx="0">
@@ -3731,6 +3679,7 @@
       <a:camera prst="orthographicFront"/>
       <a:lightRig rig="threePt" dir="t"/>
     </dgm:scene3d>
+    <dgm:sp3d/>
     <dgm:txPr/>
     <dgm:style>
       <a:lnRef idx="1">
@@ -3750,6 +3699,7 @@
       <a:camera prst="orthographicFront"/>
       <a:lightRig rig="threePt" dir="t"/>
     </dgm:scene3d>
+    <dgm:sp3d/>
     <dgm:txPr/>
     <dgm:style>
       <a:lnRef idx="1">
@@ -3769,6 +3719,7 @@
       <a:camera prst="orthographicFront"/>
       <a:lightRig rig="threePt" dir="t"/>
     </dgm:scene3d>
+    <dgm:sp3d/>
     <dgm:txPr/>
     <dgm:style>
       <a:lnRef idx="0">
@@ -3788,6 +3739,7 @@
       <a:camera prst="orthographicFront"/>
       <a:lightRig rig="threePt" dir="t"/>
     </dgm:scene3d>
+    <dgm:sp3d/>
     <dgm:txPr/>
     <dgm:style>
       <a:lnRef idx="0">
@@ -3807,6 +3759,7 @@
       <a:camera prst="orthographicFront"/>
       <a:lightRig rig="threePt" dir="t"/>
     </dgm:scene3d>
+    <dgm:sp3d/>
     <dgm:txPr/>
     <dgm:style>
       <a:lnRef idx="0">
@@ -3828,6 +3781,7 @@
       <a:camera prst="orthographicFront"/>
       <a:lightRig rig="threePt" dir="t"/>
     </dgm:scene3d>
+    <dgm:sp3d/>
     <dgm:txPr/>
     <dgm:style>
       <a:lnRef idx="2">
@@ -3847,6 +3801,7 @@
       <a:camera prst="orthographicFront"/>
       <a:lightRig rig="threePt" dir="t"/>
     </dgm:scene3d>
+    <dgm:sp3d/>
     <dgm:txPr/>
     <dgm:style>
       <a:lnRef idx="1">
@@ -3866,6 +3821,7 @@
       <a:camera prst="orthographicFront"/>
       <a:lightRig rig="threePt" dir="t"/>
     </dgm:scene3d>
+    <dgm:sp3d/>
     <dgm:txPr/>
     <dgm:style>
       <a:lnRef idx="0">
@@ -3885,6 +3841,7 @@
       <a:camera prst="orthographicFront"/>
       <a:lightRig rig="threePt" dir="t"/>
     </dgm:scene3d>
+    <dgm:sp3d/>
     <dgm:txPr/>
     <dgm:style>
       <a:lnRef idx="1">
@@ -3904,6 +3861,7 @@
       <a:camera prst="orthographicFront"/>
       <a:lightRig rig="threePt" dir="t"/>
     </dgm:scene3d>
+    <dgm:sp3d/>
     <dgm:txPr/>
     <dgm:style>
       <a:lnRef idx="1">
@@ -3923,6 +3881,7 @@
       <a:camera prst="orthographicFront"/>
       <a:lightRig rig="threePt" dir="t"/>
     </dgm:scene3d>
+    <dgm:sp3d/>
     <dgm:txPr/>
     <dgm:style>
       <a:lnRef idx="1">
@@ -3942,6 +3901,7 @@
       <a:camera prst="orthographicFront"/>
       <a:lightRig rig="threePt" dir="t"/>
     </dgm:scene3d>
+    <dgm:sp3d/>
     <dgm:txPr/>
     <dgm:style>
       <a:lnRef idx="1">
@@ -3961,6 +3921,7 @@
       <a:camera prst="orthographicFront"/>
       <a:lightRig rig="threePt" dir="t"/>
     </dgm:scene3d>
+    <dgm:sp3d/>
     <dgm:txPr/>
     <dgm:style>
       <a:lnRef idx="1">
@@ -3980,6 +3941,7 @@
       <a:camera prst="orthographicFront"/>
       <a:lightRig rig="threePt" dir="t"/>
     </dgm:scene3d>
+    <dgm:sp3d/>
     <dgm:txPr/>
     <dgm:style>
       <a:lnRef idx="1">
@@ -3999,6 +3961,7 @@
       <a:camera prst="orthographicFront"/>
       <a:lightRig rig="threePt" dir="t"/>
     </dgm:scene3d>
+    <dgm:sp3d/>
     <dgm:txPr/>
     <dgm:style>
       <a:lnRef idx="0">
@@ -4018,6 +3981,7 @@
       <a:camera prst="orthographicFront"/>
       <a:lightRig rig="threePt" dir="t"/>
     </dgm:scene3d>
+    <dgm:sp3d/>
     <dgm:txPr/>
     <dgm:style>
       <a:lnRef idx="0">
@@ -4037,6 +4001,7 @@
       <a:camera prst="orthographicFront"/>
       <a:lightRig rig="threePt" dir="t"/>
     </dgm:scene3d>
+    <dgm:sp3d/>
     <dgm:txPr/>
     <dgm:style>
       <a:lnRef idx="0">
@@ -4058,6 +4023,7 @@
       <a:camera prst="orthographicFront"/>
       <a:lightRig rig="threePt" dir="t"/>
     </dgm:scene3d>
+    <dgm:sp3d/>
     <dgm:txPr/>
     <dgm:style>
       <a:lnRef idx="1">
@@ -4079,6 +4045,7 @@
       <a:camera prst="orthographicFront"/>
       <a:lightRig rig="threePt" dir="t"/>
     </dgm:scene3d>
+    <dgm:sp3d/>
     <dgm:txPr/>
     <dgm:style>
       <a:lnRef idx="0">
@@ -4100,6 +4067,7 @@
       <a:camera prst="orthographicFront"/>
       <a:lightRig rig="threePt" dir="t"/>
     </dgm:scene3d>
+    <dgm:sp3d/>
     <dgm:txPr/>
     <dgm:style>
       <a:lnRef idx="0">
@@ -4121,6 +4089,7 @@
       <a:camera prst="orthographicFront"/>
       <a:lightRig rig="threePt" dir="t"/>
     </dgm:scene3d>
+    <dgm:sp3d/>
     <dgm:txPr/>
     <dgm:style>
       <a:lnRef idx="0">
@@ -4142,6 +4111,7 @@
       <a:camera prst="orthographicFront"/>
       <a:lightRig rig="threePt" dir="t"/>
     </dgm:scene3d>
+    <dgm:sp3d/>
     <dgm:txPr/>
     <dgm:style>
       <a:lnRef idx="0">
@@ -4163,6 +4133,7 @@
       <a:camera prst="orthographicFront"/>
       <a:lightRig rig="threePt" dir="t"/>
     </dgm:scene3d>
+    <dgm:sp3d/>
     <dgm:txPr/>
     <dgm:style>
       <a:lnRef idx="0">
@@ -4184,6 +4155,7 @@
       <a:camera prst="orthographicFront"/>
       <a:lightRig rig="threePt" dir="t"/>
     </dgm:scene3d>
+    <dgm:sp3d/>
     <dgm:txPr/>
     <dgm:style>
       <a:lnRef idx="1">
@@ -4203,6 +4175,7 @@
       <a:camera prst="orthographicFront"/>
       <a:lightRig rig="threePt" dir="t"/>
     </dgm:scene3d>
+    <dgm:sp3d/>
     <dgm:txPr/>
     <dgm:style>
       <a:lnRef idx="1">
@@ -4222,6 +4195,7 @@
       <a:camera prst="orthographicFront"/>
       <a:lightRig rig="threePt" dir="t"/>
     </dgm:scene3d>
+    <dgm:sp3d/>
     <dgm:txPr/>
     <dgm:style>
       <a:lnRef idx="1">
@@ -4241,6 +4215,7 @@
       <a:camera prst="orthographicFront"/>
       <a:lightRig rig="threePt" dir="t"/>
     </dgm:scene3d>
+    <dgm:sp3d/>
     <dgm:txPr/>
     <dgm:style>
       <a:lnRef idx="1">
@@ -4260,6 +4235,7 @@
       <a:camera prst="orthographicFront"/>
       <a:lightRig rig="threePt" dir="t"/>
     </dgm:scene3d>
+    <dgm:sp3d/>
     <dgm:txPr/>
     <dgm:style>
       <a:lnRef idx="0">
@@ -4281,6 +4257,7 @@
       <a:camera prst="orthographicFront"/>
       <a:lightRig rig="threePt" dir="t"/>
     </dgm:scene3d>
+    <dgm:sp3d/>
     <dgm:txPr/>
     <dgm:style>
       <a:lnRef idx="0">
@@ -4302,6 +4279,7 @@
       <a:camera prst="orthographicFront"/>
       <a:lightRig rig="threePt" dir="t"/>
     </dgm:scene3d>
+    <dgm:sp3d/>
     <dgm:txPr/>
     <dgm:style>
       <a:lnRef idx="1">
@@ -4323,6 +4301,7 @@
       <a:camera prst="orthographicFront"/>
       <a:lightRig rig="threePt" dir="t"/>
     </dgm:scene3d>
+    <dgm:sp3d/>
     <dgm:txPr/>
     <dgm:style>
       <a:lnRef idx="1">
@@ -4344,6 +4323,7 @@
       <a:camera prst="orthographicFront"/>
       <a:lightRig rig="threePt" dir="t"/>
     </dgm:scene3d>
+    <dgm:sp3d/>
     <dgm:txPr/>
     <dgm:style>
       <a:lnRef idx="0">
@@ -4363,6 +4343,7 @@
       <a:camera prst="orthographicFront"/>
       <a:lightRig rig="threePt" dir="t"/>
     </dgm:scene3d>
+    <dgm:sp3d/>
     <dgm:txPr/>
     <dgm:style>
       <a:lnRef idx="1">
@@ -4382,6 +4363,7 @@
       <a:camera prst="orthographicFront"/>
       <a:lightRig rig="threePt" dir="t"/>
     </dgm:scene3d>
+    <dgm:sp3d/>
     <dgm:txPr/>
     <dgm:style>
       <a:lnRef idx="0">
@@ -4403,6 +4385,7 @@
       <a:camera prst="orthographicFront"/>
       <a:lightRig rig="threePt" dir="t"/>
     </dgm:scene3d>
+    <dgm:sp3d/>
     <dgm:txPr/>
     <dgm:style>
       <a:lnRef idx="1">
@@ -4422,6 +4405,7 @@
       <a:camera prst="orthographicFront"/>
       <a:lightRig rig="threePt" dir="t"/>
     </dgm:scene3d>
+    <dgm:sp3d/>
     <dgm:txPr/>
     <dgm:style>
       <a:lnRef idx="1">
@@ -4441,6 +4425,7 @@
       <a:camera prst="orthographicFront"/>
       <a:lightRig rig="threePt" dir="t"/>
     </dgm:scene3d>
+    <dgm:sp3d/>
     <dgm:txPr/>
     <dgm:style>
       <a:lnRef idx="1">
@@ -4460,6 +4445,7 @@
       <a:camera prst="orthographicFront"/>
       <a:lightRig rig="threePt" dir="t"/>
     </dgm:scene3d>
+    <dgm:sp3d/>
     <dgm:txPr/>
     <dgm:style>
       <a:lnRef idx="1">
@@ -4479,6 +4465,7 @@
       <a:camera prst="orthographicFront"/>
       <a:lightRig rig="threePt" dir="t"/>
     </dgm:scene3d>
+    <dgm:sp3d/>
     <dgm:txPr/>
     <dgm:style>
       <a:lnRef idx="0">
@@ -4498,6 +4485,7 @@
       <a:camera prst="orthographicFront"/>
       <a:lightRig rig="threePt" dir="t"/>
     </dgm:scene3d>
+    <dgm:sp3d/>
     <dgm:txPr/>
     <dgm:style>
       <a:lnRef idx="0">
@@ -4599,6 +4587,7 @@
           <a:p>
             <a:fld id="{DC6A92C0-FDED-9A46-AC7D-39DF6767893A}" type="datetimeFigureOut">
               <a:rPr kumimoji="1" lang="zh-CN" altLang="en-US" smtClean="0"/>
+              <a:t>2018/6/26</a:t>
             </a:fld>
             <a:endParaRPr kumimoji="1" lang="zh-CN" altLang="en-US"/>
           </a:p>
@@ -4662,42 +4651,37 @@
           <a:p>
             <a:pPr lvl="0"/>
             <a:r>
-              <a:rPr kumimoji="1" lang="zh-CN" altLang="en-US" smtClean="0"/>
+              <a:rPr kumimoji="1" lang="zh-CN" altLang="en-US"/>
               <a:t>单击此处编辑母版文本样式</a:t>
             </a:r>
-            <a:endParaRPr kumimoji="1" lang="zh-CN" altLang="en-US" smtClean="0"/>
           </a:p>
           <a:p>
             <a:pPr lvl="1"/>
             <a:r>
-              <a:rPr kumimoji="1" lang="zh-CN" altLang="en-US" smtClean="0"/>
+              <a:rPr kumimoji="1" lang="zh-CN" altLang="en-US"/>
               <a:t>二级</a:t>
             </a:r>
-            <a:endParaRPr kumimoji="1" lang="zh-CN" altLang="en-US" smtClean="0"/>
           </a:p>
           <a:p>
             <a:pPr lvl="2"/>
             <a:r>
-              <a:rPr kumimoji="1" lang="zh-CN" altLang="en-US" smtClean="0"/>
+              <a:rPr kumimoji="1" lang="zh-CN" altLang="en-US"/>
               <a:t>三级</a:t>
             </a:r>
-            <a:endParaRPr kumimoji="1" lang="zh-CN" altLang="en-US" smtClean="0"/>
           </a:p>
           <a:p>
             <a:pPr lvl="3"/>
             <a:r>
-              <a:rPr kumimoji="1" lang="zh-CN" altLang="en-US" smtClean="0"/>
+              <a:rPr kumimoji="1" lang="zh-CN" altLang="en-US"/>
               <a:t>四级</a:t>
             </a:r>
-            <a:endParaRPr kumimoji="1" lang="zh-CN" altLang="en-US" smtClean="0"/>
           </a:p>
           <a:p>
             <a:pPr lvl="4"/>
             <a:r>
-              <a:rPr kumimoji="1" lang="zh-CN" altLang="en-US" smtClean="0"/>
+              <a:rPr kumimoji="1" lang="zh-CN" altLang="en-US"/>
               <a:t>五级</a:t>
             </a:r>
-            <a:endParaRPr kumimoji="1" lang="zh-CN" altLang="en-US"/>
           </a:p>
         </p:txBody>
       </p:sp>
@@ -4761,6 +4745,7 @@
           <a:p>
             <a:fld id="{1290860D-ED1B-BC4A-9E8E-134D4E408F0F}" type="slidenum">
               <a:rPr kumimoji="1" lang="zh-CN" altLang="en-US" smtClean="0"/>
+              <a:t>‹#›</a:t>
             </a:fld>
             <a:endParaRPr kumimoji="1" lang="zh-CN" altLang="en-US"/>
           </a:p>
@@ -4873,11 +4858,20 @@
         <p:cNvGrpSpPr/>
         <p:nvPr/>
       </p:nvGrpSpPr>
-      <p:grpSpPr/>
+      <p:grpSpPr>
+        <a:xfrm>
+          <a:off x="0" y="0"/>
+          <a:ext cx="0" cy="0"/>
+          <a:chOff x="0" y="0"/>
+          <a:chExt cx="0" cy="0"/>
+        </a:xfrm>
+      </p:grpSpPr>
       <p:sp>
         <p:nvSpPr>
           <p:cNvPr id="2" name="幻灯片图像占位符 1"/>
-          <p:cNvSpPr/>
+          <p:cNvSpPr>
+            <a:spLocks noGrp="1" noRot="1" noChangeAspect="1"/>
+          </p:cNvSpPr>
           <p:nvPr>
             <p:ph type="sldImg" idx="2"/>
           </p:nvPr>
@@ -4887,7 +4881,9 @@
       <p:sp>
         <p:nvSpPr>
           <p:cNvPr id="3" name="文本占位符 2"/>
-          <p:cNvSpPr/>
+          <p:cNvSpPr>
+            <a:spLocks noGrp="1"/>
+          </p:cNvSpPr>
           <p:nvPr>
             <p:ph type="body" idx="3"/>
           </p:nvPr>
@@ -4895,6 +4891,7 @@
         <p:spPr/>
         <p:txBody>
           <a:bodyPr/>
+          <a:lstStyle/>
           <a:p>
             <a:endParaRPr lang="zh-CN" altLang="en-US"/>
           </a:p>
@@ -4938,25 +4935,18 @@
   <p:clrMapOvr>
     <a:masterClrMapping/>
   </p:clrMapOvr>
-  <mc:AlternateContent xmlns:mc="http://schemas.openxmlformats.org/markup-compatibility/2006">
-    <mc:Choice xmlns:p14="http://schemas.microsoft.com/office/powerpoint/2010/main" Requires="p14">
+  <mc:AlternateContent xmlns:mc="http://schemas.openxmlformats.org/markup-compatibility/2006" xmlns:p14="http://schemas.microsoft.com/office/powerpoint/2010/main">
+    <mc:Choice Requires="p14">
       <p:transition spd="slow" p14:dur="800">
         <p:fade/>
       </p:transition>
     </mc:Choice>
-    <mc:Fallback>
+    <mc:Fallback xmlns="">
       <p:transition spd="slow">
         <p:fade/>
       </p:transition>
     </mc:Fallback>
   </mc:AlternateContent>
-  <p:timing>
-    <p:tnLst>
-      <p:par>
-        <p:cTn id="1" dur="indefinite" restart="never" nodeType="tmRoot"/>
-      </p:par>
-    </p:tnLst>
-  </p:timing>
 </p:sldLayout>
 </file>
 
@@ -4992,25 +4982,18 @@
   <p:clrMapOvr>
     <a:masterClrMapping/>
   </p:clrMapOvr>
-  <mc:AlternateContent xmlns:mc="http://schemas.openxmlformats.org/markup-compatibility/2006">
-    <mc:Choice xmlns:p14="http://schemas.microsoft.com/office/powerpoint/2010/main" Requires="p14">
+  <mc:AlternateContent xmlns:mc="http://schemas.openxmlformats.org/markup-compatibility/2006" xmlns:p14="http://schemas.microsoft.com/office/powerpoint/2010/main">
+    <mc:Choice Requires="p14">
       <p:transition spd="slow" p14:dur="800">
         <p:fade/>
       </p:transition>
     </mc:Choice>
-    <mc:Fallback>
+    <mc:Fallback xmlns="">
       <p:transition spd="slow">
         <p:fade/>
       </p:transition>
     </mc:Fallback>
   </mc:AlternateContent>
-  <p:timing>
-    <p:tnLst>
-      <p:par>
-        <p:cTn id="1" dur="indefinite" restart="never" nodeType="tmRoot"/>
-      </p:par>
-    </p:tnLst>
-  </p:timing>
 </p:sldLayout>
 </file>
 
@@ -5043,13 +5026,13 @@
     <p:sldLayoutId id="2147483649" r:id="rId1"/>
     <p:sldLayoutId id="2147483650" r:id="rId2"/>
   </p:sldLayoutIdLst>
-  <mc:AlternateContent xmlns:mc="http://schemas.openxmlformats.org/markup-compatibility/2006">
-    <mc:Choice xmlns:p14="http://schemas.microsoft.com/office/powerpoint/2010/main" Requires="p14">
+  <mc:AlternateContent xmlns:mc="http://schemas.openxmlformats.org/markup-compatibility/2006" xmlns:p14="http://schemas.microsoft.com/office/powerpoint/2010/main">
+    <mc:Choice Requires="p14">
       <p:transition spd="slow" p14:dur="800">
         <p:fade/>
       </p:transition>
     </mc:Choice>
-    <mc:Fallback>
+    <mc:Fallback xmlns="">
       <p:transition spd="slow">
         <p:fade/>
       </p:transition>
@@ -9122,11 +9105,6 @@
                 </a:rPr>
                 <a:t>期末项目答辩</a:t>
               </a:r>
-              <a:endParaRPr kumimoji="1" lang="zh-CN" altLang="en-US" sz="6600" b="1" dirty="0">
-                <a:solidFill>
-                  <a:srgbClr val="FFFFFF"/>
-                </a:solidFill>
-              </a:endParaRPr>
             </a:p>
           </p:txBody>
         </p:sp>
@@ -9151,6 +9129,7 @@
           <a:bodyPr wrap="square" rtlCol="0">
             <a:spAutoFit/>
           </a:bodyPr>
+          <a:lstStyle/>
           <a:p>
             <a:r>
               <a:rPr lang="zh-CN" altLang="en-US" sz="2800">
@@ -9160,11 +9139,6 @@
               </a:rPr>
               <a:t>周宇东   张博伦</a:t>
             </a:r>
-            <a:endParaRPr lang="zh-CN" altLang="en-US" sz="2800">
-              <a:solidFill>
-                <a:schemeClr val="bg1"/>
-              </a:solidFill>
-            </a:endParaRPr>
           </a:p>
           <a:p>
             <a:r>
@@ -9175,11 +9149,6 @@
               </a:rPr>
               <a:t>王浩然   贾新伟</a:t>
             </a:r>
-            <a:endParaRPr lang="zh-CN" altLang="en-US" sz="2800">
-              <a:solidFill>
-                <a:schemeClr val="bg1"/>
-              </a:solidFill>
-            </a:endParaRPr>
           </a:p>
         </p:txBody>
       </p:sp>
@@ -9188,25 +9157,18 @@
   <p:clrMapOvr>
     <a:masterClrMapping/>
   </p:clrMapOvr>
-  <mc:AlternateContent xmlns:mc="http://schemas.openxmlformats.org/markup-compatibility/2006">
-    <mc:Choice xmlns:p14="http://schemas.microsoft.com/office/powerpoint/2010/main" Requires="p14">
+  <mc:AlternateContent xmlns:mc="http://schemas.openxmlformats.org/markup-compatibility/2006" xmlns:p14="http://schemas.microsoft.com/office/powerpoint/2010/main">
+    <mc:Choice Requires="p14">
       <p:transition spd="slow" p14:dur="800">
         <p:fade/>
       </p:transition>
     </mc:Choice>
-    <mc:Fallback>
+    <mc:Fallback xmlns="">
       <p:transition spd="slow">
         <p:fade/>
       </p:transition>
     </mc:Fallback>
   </mc:AlternateContent>
-  <p:timing>
-    <p:tnLst>
-      <p:par>
-        <p:cTn id="1" dur="indefinite" restart="never" nodeType="tmRoot"/>
-      </p:par>
-    </p:tnLst>
-  </p:timing>
 </p:sld>
 </file>
 
@@ -9383,6 +9345,7 @@
           <a:bodyPr wrap="square" rtlCol="0">
             <a:spAutoFit/>
           </a:bodyPr>
+          <a:lstStyle/>
           <a:p>
             <a:r>
               <a:rPr lang="zh-CN" altLang="en-US" sz="3200" dirty="0">
@@ -9393,12 +9356,6 @@
               </a:rPr>
               <a:t>网络部分数据传输</a:t>
             </a:r>
-            <a:endParaRPr lang="zh-CN" altLang="en-US" sz="3200" dirty="0">
-              <a:solidFill>
-                <a:schemeClr val="bg1"/>
-              </a:solidFill>
-              <a:sym typeface="+mn-ea"/>
-            </a:endParaRPr>
           </a:p>
         </p:txBody>
       </p:sp>
@@ -9422,6 +9379,7 @@
           <a:bodyPr wrap="square" rtlCol="0">
             <a:spAutoFit/>
           </a:bodyPr>
+          <a:lstStyle/>
           <a:p>
             <a:pPr>
               <a:lnSpc>
@@ -9439,14 +9397,6 @@
               </a:rPr>
               <a:t>游戏中客户端向服务端传输的数据只有小球移动的方向以及是否执行分裂操作，故可以抵御作弊</a:t>
             </a:r>
-            <a:endParaRPr lang="zh-CN" altLang="en-US" sz="2800" dirty="0">
-              <a:solidFill>
-                <a:schemeClr val="bg1"/>
-              </a:solidFill>
-              <a:latin typeface="微软雅黑" panose="020B0503020204020204" charset="-122"/>
-              <a:ea typeface="微软雅黑" panose="020B0503020204020204" charset="-122"/>
-              <a:sym typeface="+mn-ea"/>
-            </a:endParaRPr>
           </a:p>
           <a:p>
             <a:pPr>
@@ -9465,14 +9415,6 @@
               </a:rPr>
               <a:t>服务端则是收集来自客户端的信息并分发给其他客户端，同时发送新产生的食物与病毒位置</a:t>
             </a:r>
-            <a:endParaRPr lang="zh-CN" altLang="en-US" sz="2800" dirty="0">
-              <a:solidFill>
-                <a:schemeClr val="bg1"/>
-              </a:solidFill>
-              <a:latin typeface="微软雅黑" panose="020B0503020204020204" charset="-122"/>
-              <a:ea typeface="微软雅黑" panose="020B0503020204020204" charset="-122"/>
-              <a:sym typeface="+mn-ea"/>
-            </a:endParaRPr>
           </a:p>
           <a:p>
             <a:pPr>
@@ -9513,14 +9455,6 @@
               </a:rPr>
               <a:t>的位置进行校验，以避免网络延迟造成的误差</a:t>
             </a:r>
-            <a:endParaRPr lang="zh-CN" altLang="en-US" sz="2800" dirty="0">
-              <a:solidFill>
-                <a:schemeClr val="bg1"/>
-              </a:solidFill>
-              <a:latin typeface="微软雅黑" panose="020B0503020204020204" charset="-122"/>
-              <a:ea typeface="微软雅黑" panose="020B0503020204020204" charset="-122"/>
-              <a:sym typeface="+mn-ea"/>
-            </a:endParaRPr>
           </a:p>
         </p:txBody>
       </p:sp>
@@ -9557,6 +9491,7 @@
         </p:style>
         <p:txBody>
           <a:bodyPr rtlCol="0" anchor="ctr"/>
+          <a:lstStyle/>
           <a:p>
             <a:pPr algn="ctr"/>
             <a:endParaRPr lang="zh-CN" altLang="en-US"/>
@@ -9596,6 +9531,7 @@
         </p:style>
         <p:txBody>
           <a:bodyPr rtlCol="0" anchor="ctr"/>
+          <a:lstStyle/>
           <a:p>
             <a:pPr algn="ctr"/>
             <a:endParaRPr lang="zh-CN" altLang="en-US"/>
@@ -9635,6 +9571,7 @@
         </p:style>
         <p:txBody>
           <a:bodyPr rtlCol="0" anchor="ctr"/>
+          <a:lstStyle/>
           <a:p>
             <a:pPr algn="ctr"/>
             <a:endParaRPr lang="zh-CN" altLang="en-US"/>
@@ -9649,13 +9586,6 @@
   <p:transition spd="slow">
     <p:fade/>
   </p:transition>
-  <p:timing>
-    <p:tnLst>
-      <p:par>
-        <p:cTn id="1" dur="indefinite" restart="never" nodeType="tmRoot"/>
-      </p:par>
-    </p:tnLst>
-  </p:timing>
 </p:sld>
 </file>
 
@@ -9709,6 +9639,7 @@
         </p:style>
         <p:txBody>
           <a:bodyPr rtlCol="0" anchor="ctr"/>
+          <a:lstStyle/>
           <a:p>
             <a:pPr algn="ctr"/>
             <a:endParaRPr lang="zh-CN" altLang="en-US"/>
@@ -9748,6 +9679,7 @@
         </p:style>
         <p:txBody>
           <a:bodyPr rtlCol="0" anchor="ctr"/>
+          <a:lstStyle/>
           <a:p>
             <a:pPr algn="ctr"/>
             <a:endParaRPr lang="zh-CN" altLang="en-US"/>
@@ -9787,6 +9719,7 @@
         </p:style>
         <p:txBody>
           <a:bodyPr rtlCol="0" anchor="ctr"/>
+          <a:lstStyle/>
           <a:p>
             <a:pPr algn="ctr"/>
             <a:endParaRPr lang="zh-CN" altLang="en-US"/>
@@ -9826,6 +9759,7 @@
         </p:style>
         <p:txBody>
           <a:bodyPr rtlCol="0" anchor="ctr"/>
+          <a:lstStyle/>
           <a:p>
             <a:pPr algn="ctr"/>
             <a:endParaRPr lang="zh-CN" altLang="en-US"/>
@@ -9988,6 +9922,7 @@
           <a:bodyPr wrap="square" rtlCol="0">
             <a:spAutoFit/>
           </a:bodyPr>
+          <a:lstStyle/>
           <a:p>
             <a:r>
               <a:rPr lang="zh-CN" altLang="en-US" sz="3200">
@@ -10019,13 +9954,6 @@
               </a:rPr>
               <a:t>设计</a:t>
             </a:r>
-            <a:endParaRPr lang="zh-CN" altLang="en-US" sz="3200">
-              <a:solidFill>
-                <a:schemeClr val="bg1"/>
-              </a:solidFill>
-              <a:latin typeface="微软雅黑" panose="020B0503020204020204" charset="-122"/>
-              <a:ea typeface="微软雅黑" panose="020B0503020204020204" charset="-122"/>
-            </a:endParaRPr>
           </a:p>
         </p:txBody>
       </p:sp>
@@ -10049,6 +9977,7 @@
           <a:bodyPr wrap="square" rtlCol="0">
             <a:spAutoFit/>
           </a:bodyPr>
+          <a:lstStyle/>
           <a:p>
             <a:r>
               <a:rPr lang="en-US" altLang="zh-CN" sz="2800">
@@ -10060,13 +9989,6 @@
               </a:rPr>
               <a:t>Waitting</a:t>
             </a:r>
-            <a:endParaRPr lang="en-US" altLang="zh-CN" sz="2800">
-              <a:solidFill>
-                <a:schemeClr val="bg1"/>
-              </a:solidFill>
-              <a:latin typeface="微软雅黑" panose="020B0503020204020204" charset="-122"/>
-              <a:ea typeface="微软雅黑" panose="020B0503020204020204" charset="-122"/>
-            </a:endParaRPr>
           </a:p>
           <a:p>
             <a:r>
@@ -10079,13 +10001,6 @@
               </a:rPr>
               <a:t>Room</a:t>
             </a:r>
-            <a:endParaRPr lang="en-US" altLang="zh-CN" sz="2800">
-              <a:solidFill>
-                <a:schemeClr val="bg1"/>
-              </a:solidFill>
-              <a:latin typeface="微软雅黑" panose="020B0503020204020204" charset="-122"/>
-              <a:ea typeface="微软雅黑" panose="020B0503020204020204" charset="-122"/>
-            </a:endParaRPr>
           </a:p>
         </p:txBody>
       </p:sp>
@@ -10109,6 +10024,7 @@
           <a:bodyPr wrap="square" rtlCol="0">
             <a:spAutoFit/>
           </a:bodyPr>
+          <a:lstStyle/>
           <a:p>
             <a:r>
               <a:rPr lang="en-US" altLang="zh-CN" sz="2800">
@@ -10120,13 +10036,6 @@
               </a:rPr>
               <a:t>Setting</a:t>
             </a:r>
-            <a:endParaRPr lang="en-US" altLang="zh-CN" sz="2800">
-              <a:solidFill>
-                <a:schemeClr val="bg1"/>
-              </a:solidFill>
-              <a:latin typeface="微软雅黑" panose="020B0503020204020204" charset="-122"/>
-              <a:ea typeface="微软雅黑" panose="020B0503020204020204" charset="-122"/>
-            </a:endParaRPr>
           </a:p>
           <a:p>
             <a:r>
@@ -10139,13 +10048,6 @@
               </a:rPr>
               <a:t>Scene</a:t>
             </a:r>
-            <a:endParaRPr lang="en-US" altLang="zh-CN" sz="2800">
-              <a:solidFill>
-                <a:schemeClr val="bg1"/>
-              </a:solidFill>
-              <a:latin typeface="微软雅黑" panose="020B0503020204020204" charset="-122"/>
-              <a:ea typeface="微软雅黑" panose="020B0503020204020204" charset="-122"/>
-            </a:endParaRPr>
           </a:p>
         </p:txBody>
       </p:sp>
@@ -10169,6 +10071,7 @@
           <a:bodyPr wrap="square" rtlCol="0">
             <a:spAutoFit/>
           </a:bodyPr>
+          <a:lstStyle/>
           <a:p>
             <a:r>
               <a:rPr lang="en-US" altLang="zh-CN" sz="2800">
@@ -10180,13 +10083,6 @@
               </a:rPr>
               <a:t>Inputfield</a:t>
             </a:r>
-            <a:endParaRPr lang="en-US" altLang="zh-CN" sz="2800">
-              <a:solidFill>
-                <a:schemeClr val="bg1"/>
-              </a:solidFill>
-              <a:latin typeface="微软雅黑" panose="020B0503020204020204" charset="-122"/>
-              <a:ea typeface="微软雅黑" panose="020B0503020204020204" charset="-122"/>
-            </a:endParaRPr>
           </a:p>
           <a:p>
             <a:r>
@@ -10199,13 +10095,6 @@
               </a:rPr>
               <a:t>box</a:t>
             </a:r>
-            <a:endParaRPr lang="en-US" altLang="zh-CN" sz="2800">
-              <a:solidFill>
-                <a:schemeClr val="bg1"/>
-              </a:solidFill>
-              <a:latin typeface="微软雅黑" panose="020B0503020204020204" charset="-122"/>
-              <a:ea typeface="微软雅黑" panose="020B0503020204020204" charset="-122"/>
-            </a:endParaRPr>
           </a:p>
         </p:txBody>
       </p:sp>
@@ -10242,6 +10131,7 @@
         </p:style>
         <p:txBody>
           <a:bodyPr rtlCol="0" anchor="ctr"/>
+          <a:lstStyle/>
           <a:p>
             <a:pPr algn="ctr"/>
             <a:endParaRPr lang="zh-CN" altLang="en-US"/>
@@ -10268,6 +10158,7 @@
           <a:bodyPr wrap="square" rtlCol="0">
             <a:spAutoFit/>
           </a:bodyPr>
+          <a:lstStyle/>
           <a:p>
             <a:r>
               <a:rPr lang="en-US" altLang="zh-CN" sz="2800">
@@ -10279,13 +10170,6 @@
               </a:rPr>
               <a:t>Game</a:t>
             </a:r>
-            <a:endParaRPr lang="en-US" altLang="zh-CN" sz="2800">
-              <a:solidFill>
-                <a:schemeClr val="bg1"/>
-              </a:solidFill>
-              <a:latin typeface="微软雅黑" panose="020B0503020204020204" charset="-122"/>
-              <a:ea typeface="微软雅黑" panose="020B0503020204020204" charset="-122"/>
-            </a:endParaRPr>
           </a:p>
           <a:p>
             <a:r>
@@ -10298,13 +10182,6 @@
               </a:rPr>
               <a:t>Scnen</a:t>
             </a:r>
-            <a:endParaRPr lang="en-US" altLang="zh-CN" sz="2800">
-              <a:solidFill>
-                <a:schemeClr val="bg1"/>
-              </a:solidFill>
-              <a:latin typeface="微软雅黑" panose="020B0503020204020204" charset="-122"/>
-              <a:ea typeface="微软雅黑" panose="020B0503020204020204" charset="-122"/>
-            </a:endParaRPr>
           </a:p>
         </p:txBody>
       </p:sp>
@@ -10341,6 +10218,7 @@
         </p:style>
         <p:txBody>
           <a:bodyPr rtlCol="0" anchor="ctr"/>
+          <a:lstStyle/>
           <a:p>
             <a:pPr algn="ctr"/>
             <a:endParaRPr lang="zh-CN" altLang="en-US"/>
@@ -10367,6 +10245,7 @@
           <a:bodyPr wrap="square" rtlCol="0">
             <a:spAutoFit/>
           </a:bodyPr>
+          <a:lstStyle/>
           <a:p>
             <a:r>
               <a:rPr lang="en-US" altLang="zh-CN" sz="2800">
@@ -10378,13 +10257,6 @@
               </a:rPr>
               <a:t>HelloWorldScene</a:t>
             </a:r>
-            <a:endParaRPr lang="en-US" altLang="zh-CN" sz="2800">
-              <a:solidFill>
-                <a:schemeClr val="bg1"/>
-              </a:solidFill>
-              <a:latin typeface="微软雅黑" panose="020B0503020204020204" charset="-122"/>
-              <a:ea typeface="微软雅黑" panose="020B0503020204020204" charset="-122"/>
-            </a:endParaRPr>
           </a:p>
         </p:txBody>
       </p:sp>
@@ -10408,6 +10280,7 @@
           <a:bodyPr wrap="square" rtlCol="0">
             <a:spAutoFit/>
           </a:bodyPr>
+          <a:lstStyle/>
           <a:p>
             <a:pPr algn="l"/>
             <a:r>
@@ -10420,13 +10293,6 @@
               </a:rPr>
               <a:t>Start</a:t>
             </a:r>
-            <a:endParaRPr lang="en-US" altLang="zh-CN" sz="2800">
-              <a:solidFill>
-                <a:schemeClr val="bg1"/>
-              </a:solidFill>
-              <a:latin typeface="微软雅黑" panose="020B0503020204020204" charset="-122"/>
-              <a:ea typeface="微软雅黑" panose="020B0503020204020204" charset="-122"/>
-            </a:endParaRPr>
           </a:p>
           <a:p>
             <a:pPr algn="l"/>
@@ -10440,13 +10306,6 @@
               </a:rPr>
               <a:t>Scene</a:t>
             </a:r>
-            <a:endParaRPr lang="en-US" altLang="zh-CN" sz="2800">
-              <a:solidFill>
-                <a:schemeClr val="bg1"/>
-              </a:solidFill>
-              <a:latin typeface="微软雅黑" panose="020B0503020204020204" charset="-122"/>
-              <a:ea typeface="微软雅黑" panose="020B0503020204020204" charset="-122"/>
-            </a:endParaRPr>
           </a:p>
         </p:txBody>
       </p:sp>
@@ -10709,13 +10568,6 @@
   <p:transition spd="slow">
     <p:fade/>
   </p:transition>
-  <p:timing>
-    <p:tnLst>
-      <p:par>
-        <p:cTn id="1" dur="indefinite" restart="never" nodeType="tmRoot"/>
-      </p:par>
-    </p:tnLst>
-  </p:timing>
 </p:sld>
 </file>
 
@@ -10739,7 +10591,14 @@
         <p:cNvGrpSpPr/>
         <p:nvPr/>
       </p:nvGrpSpPr>
-      <p:grpSpPr/>
+      <p:grpSpPr>
+        <a:xfrm>
+          <a:off x="0" y="0"/>
+          <a:ext cx="0" cy="0"/>
+          <a:chOff x="0" y="0"/>
+          <a:chExt cx="0" cy="0"/>
+        </a:xfrm>
+      </p:grpSpPr>
       <p:sp>
         <p:nvSpPr>
           <p:cNvPr id="64" name="任意形状 63"/>
@@ -10869,6 +10728,7 @@
           <a:bodyPr wrap="square" rtlCol="0" anchor="ctr">
             <a:noAutofit/>
           </a:bodyPr>
+          <a:lstStyle/>
           <a:p>
             <a:pPr algn="ctr"/>
             <a:endParaRPr kumimoji="1" lang="zh-CN" altLang="en-US" sz="2400"/>
@@ -10895,6 +10755,7 @@
           <a:bodyPr wrap="square" rtlCol="0">
             <a:spAutoFit/>
           </a:bodyPr>
+          <a:lstStyle/>
           <a:p>
             <a:r>
               <a:rPr lang="zh-CN" altLang="en-US" sz="3200" dirty="0">
@@ -10907,14 +10768,6 @@
               </a:rPr>
               <a:t>对主游戏界面进行调控</a:t>
             </a:r>
-            <a:endParaRPr lang="zh-CN" altLang="en-US" sz="3200" dirty="0">
-              <a:solidFill>
-                <a:schemeClr val="bg1"/>
-              </a:solidFill>
-              <a:latin typeface="微软雅黑" panose="020B0503020204020204" charset="-122"/>
-              <a:ea typeface="微软雅黑" panose="020B0503020204020204" charset="-122"/>
-              <a:sym typeface="+mn-ea"/>
-            </a:endParaRPr>
           </a:p>
           <a:p>
             <a:r>
@@ -10939,14 +10792,6 @@
               </a:rPr>
               <a:t>: </a:t>
             </a:r>
-            <a:endParaRPr lang="en-US" altLang="zh-CN" sz="2800" b="1" dirty="0">
-              <a:solidFill>
-                <a:schemeClr val="bg1"/>
-              </a:solidFill>
-              <a:latin typeface="微软雅黑" panose="020B0503020204020204" charset="-122"/>
-              <a:ea typeface="微软雅黑" panose="020B0503020204020204" charset="-122"/>
-              <a:sym typeface="+mn-ea"/>
-            </a:endParaRPr>
           </a:p>
           <a:p>
             <a:r>
@@ -10960,14 +10805,6 @@
               </a:rPr>
               <a:t>直接与玩家进行交互，获取玩家输入，操控小球的移动、分裂</a:t>
             </a:r>
-            <a:endParaRPr lang="zh-CN" altLang="en-US" sz="2800" dirty="0">
-              <a:solidFill>
-                <a:schemeClr val="bg1"/>
-              </a:solidFill>
-              <a:latin typeface="微软雅黑" panose="020B0503020204020204" charset="-122"/>
-              <a:ea typeface="微软雅黑" panose="020B0503020204020204" charset="-122"/>
-              <a:sym typeface="+mn-ea"/>
-            </a:endParaRPr>
           </a:p>
           <a:p>
             <a:r>
@@ -10992,14 +10829,6 @@
               </a:rPr>
               <a:t>：</a:t>
             </a:r>
-            <a:endParaRPr lang="zh-CN" altLang="en-US" sz="2800" b="1" dirty="0">
-              <a:solidFill>
-                <a:schemeClr val="bg1"/>
-              </a:solidFill>
-              <a:latin typeface="微软雅黑" panose="020B0503020204020204" charset="-122"/>
-              <a:ea typeface="微软雅黑" panose="020B0503020204020204" charset="-122"/>
-              <a:sym typeface="+mn-ea"/>
-            </a:endParaRPr>
           </a:p>
           <a:p>
             <a:r>
@@ -11013,14 +10842,6 @@
               </a:rPr>
               <a:t>通过网络端发送的指令控制小球的移动和分裂</a:t>
             </a:r>
-            <a:endParaRPr lang="zh-CN" altLang="en-US" sz="2800" dirty="0">
-              <a:solidFill>
-                <a:schemeClr val="bg1"/>
-              </a:solidFill>
-              <a:latin typeface="微软雅黑" panose="020B0503020204020204" charset="-122"/>
-              <a:ea typeface="微软雅黑" panose="020B0503020204020204" charset="-122"/>
-              <a:sym typeface="+mn-ea"/>
-            </a:endParaRPr>
           </a:p>
           <a:p>
             <a:r>
@@ -11045,14 +10866,6 @@
               </a:rPr>
               <a:t>：</a:t>
             </a:r>
-            <a:endParaRPr lang="zh-CN" altLang="en-US" sz="2800" b="1" dirty="0">
-              <a:solidFill>
-                <a:schemeClr val="bg1"/>
-              </a:solidFill>
-              <a:latin typeface="微软雅黑" panose="020B0503020204020204" charset="-122"/>
-              <a:ea typeface="微软雅黑" panose="020B0503020204020204" charset="-122"/>
-              <a:sym typeface="+mn-ea"/>
-            </a:endParaRPr>
           </a:p>
           <a:p>
             <a:r>
@@ -11066,14 +10879,6 @@
               </a:rPr>
               <a:t>游戏主界面的主调控类，统合本地部分与网络部分</a:t>
             </a:r>
-            <a:endParaRPr lang="zh-CN" altLang="en-US" sz="2800" dirty="0">
-              <a:solidFill>
-                <a:schemeClr val="bg1"/>
-              </a:solidFill>
-              <a:latin typeface="微软雅黑" panose="020B0503020204020204" charset="-122"/>
-              <a:ea typeface="微软雅黑" panose="020B0503020204020204" charset="-122"/>
-              <a:sym typeface="+mn-ea"/>
-            </a:endParaRPr>
           </a:p>
           <a:p>
             <a:r>
@@ -11175,14 +10980,6 @@
               </a:rPr>
               <a:t>传输</a:t>
             </a:r>
-            <a:endParaRPr lang="zh-CN" altLang="en-US" sz="2800" dirty="0">
-              <a:solidFill>
-                <a:schemeClr val="bg1"/>
-              </a:solidFill>
-              <a:latin typeface="微软雅黑" panose="020B0503020204020204" charset="-122"/>
-              <a:ea typeface="微软雅黑" panose="020B0503020204020204" charset="-122"/>
-              <a:sym typeface="+mn-ea"/>
-            </a:endParaRPr>
           </a:p>
           <a:p>
             <a:r>
@@ -11196,14 +10993,6 @@
               </a:rPr>
               <a:t>实现地图随小球滚动</a:t>
             </a:r>
-            <a:endParaRPr lang="zh-CN" altLang="en-US" sz="2800" dirty="0">
-              <a:solidFill>
-                <a:schemeClr val="bg1"/>
-              </a:solidFill>
-              <a:latin typeface="微软雅黑" panose="020B0503020204020204" charset="-122"/>
-              <a:ea typeface="微软雅黑" panose="020B0503020204020204" charset="-122"/>
-              <a:sym typeface="+mn-ea"/>
-            </a:endParaRPr>
           </a:p>
           <a:p>
             <a:r>
@@ -11239,14 +11028,6 @@
               </a:rPr>
               <a:t>类中进行</a:t>
             </a:r>
-            <a:endParaRPr lang="zh-CN" altLang="en-US" sz="2800" dirty="0">
-              <a:solidFill>
-                <a:schemeClr val="bg1"/>
-              </a:solidFill>
-              <a:latin typeface="微软雅黑" panose="020B0503020204020204" charset="-122"/>
-              <a:ea typeface="微软雅黑" panose="020B0503020204020204" charset="-122"/>
-              <a:sym typeface="+mn-ea"/>
-            </a:endParaRPr>
           </a:p>
         </p:txBody>
       </p:sp>
@@ -11270,6 +11051,7 @@
           <a:bodyPr wrap="square" rtlCol="0">
             <a:spAutoFit/>
           </a:bodyPr>
+          <a:lstStyle/>
           <a:p>
             <a:r>
               <a:rPr lang="en-US" altLang="zh-CN" sz="3600">
@@ -11291,13 +11073,6 @@
               </a:rPr>
               <a:t>类</a:t>
             </a:r>
-            <a:endParaRPr lang="zh-CN" altLang="en-US" sz="3600">
-              <a:solidFill>
-                <a:schemeClr val="bg1"/>
-              </a:solidFill>
-              <a:latin typeface="微软雅黑" panose="020B0503020204020204" charset="-122"/>
-              <a:ea typeface="微软雅黑" panose="020B0503020204020204" charset="-122"/>
-            </a:endParaRPr>
           </a:p>
         </p:txBody>
       </p:sp>
@@ -11334,6 +11109,7 @@
         </p:style>
         <p:txBody>
           <a:bodyPr rtlCol="0" anchor="ctr"/>
+          <a:lstStyle/>
           <a:p>
             <a:pPr algn="ctr"/>
             <a:endParaRPr lang="zh-CN" altLang="en-US"/>
@@ -11373,6 +11149,7 @@
         </p:style>
         <p:txBody>
           <a:bodyPr rtlCol="0" anchor="ctr"/>
+          <a:lstStyle/>
           <a:p>
             <a:pPr algn="ctr"/>
             <a:endParaRPr lang="zh-CN" altLang="en-US"/>
@@ -11412,6 +11189,7 @@
         </p:style>
         <p:txBody>
           <a:bodyPr rtlCol="0" anchor="ctr"/>
+          <a:lstStyle/>
           <a:p>
             <a:pPr algn="ctr"/>
             <a:endParaRPr lang="zh-CN" altLang="en-US"/>
@@ -11423,13 +11201,13 @@
   <p:clrMapOvr>
     <a:masterClrMapping/>
   </p:clrMapOvr>
-  <mc:AlternateContent xmlns:mc="http://schemas.openxmlformats.org/markup-compatibility/2006">
-    <mc:Choice xmlns:p14="http://schemas.microsoft.com/office/powerpoint/2010/main" Requires="p14">
+  <mc:AlternateContent xmlns:mc="http://schemas.openxmlformats.org/markup-compatibility/2006" xmlns:p14="http://schemas.microsoft.com/office/powerpoint/2010/main">
+    <mc:Choice Requires="p14">
       <p:transition spd="slow" p14:dur="800">
         <p:fade/>
       </p:transition>
     </mc:Choice>
-    <mc:Fallback>
+    <mc:Fallback xmlns="">
       <p:transition spd="slow">
         <p:fade/>
       </p:transition>
@@ -11667,14 +11445,6 @@
               </a:rPr>
               <a:t>模式与特性</a:t>
             </a:r>
-            <a:endParaRPr kumimoji="1" lang="zh-CN" altLang="en-US" sz="5335" b="1" dirty="0">
-              <a:solidFill>
-                <a:schemeClr val="bg1"/>
-              </a:solidFill>
-              <a:latin typeface="微软雅黑" panose="020B0503020204020204" charset="-122"/>
-              <a:ea typeface="微软雅黑" panose="020B0503020204020204" charset="-122"/>
-              <a:cs typeface="Arial" panose="020B0604020202020204"/>
-            </a:endParaRPr>
           </a:p>
         </p:txBody>
       </p:sp>
@@ -11735,13 +11505,6 @@
               </a:rPr>
               <a:t>特性</a:t>
             </a:r>
-            <a:endParaRPr lang="zh-CN" altLang="en-US" sz="3200" dirty="0">
-              <a:solidFill>
-                <a:schemeClr val="bg1"/>
-              </a:solidFill>
-              <a:latin typeface="微软雅黑" panose="020B0503020204020204" charset="-122"/>
-              <a:ea typeface="微软雅黑" panose="020B0503020204020204" charset="-122"/>
-            </a:endParaRPr>
           </a:p>
           <a:p>
             <a:pPr algn="l">
@@ -11759,13 +11522,6 @@
               </a:rPr>
               <a:t>设计模式</a:t>
             </a:r>
-            <a:endParaRPr lang="zh-CN" altLang="en-US" sz="3200" dirty="0">
-              <a:solidFill>
-                <a:schemeClr val="bg1"/>
-              </a:solidFill>
-              <a:latin typeface="微软雅黑" panose="020B0503020204020204" charset="-122"/>
-              <a:ea typeface="微软雅黑" panose="020B0503020204020204" charset="-122"/>
-            </a:endParaRPr>
           </a:p>
         </p:txBody>
       </p:sp>
@@ -11802,6 +11558,7 @@
         </p:style>
         <p:txBody>
           <a:bodyPr rtlCol="0" anchor="ctr"/>
+          <a:lstStyle/>
           <a:p>
             <a:pPr algn="ctr"/>
             <a:endParaRPr lang="zh-CN" altLang="en-US"/>
@@ -11841,6 +11598,7 @@
         </p:style>
         <p:txBody>
           <a:bodyPr rtlCol="0" anchor="ctr"/>
+          <a:lstStyle/>
           <a:p>
             <a:pPr algn="ctr"/>
             <a:endParaRPr lang="zh-CN" altLang="en-US"/>
@@ -11852,25 +11610,18 @@
   <p:clrMapOvr>
     <a:masterClrMapping/>
   </p:clrMapOvr>
-  <mc:AlternateContent xmlns:mc="http://schemas.openxmlformats.org/markup-compatibility/2006">
-    <mc:Choice xmlns:p14="http://schemas.microsoft.com/office/powerpoint/2010/main" Requires="p14">
+  <mc:AlternateContent xmlns:mc="http://schemas.openxmlformats.org/markup-compatibility/2006" xmlns:p14="http://schemas.microsoft.com/office/powerpoint/2010/main">
+    <mc:Choice Requires="p14">
       <p:transition p14:dur="250">
         <p:fade/>
       </p:transition>
     </mc:Choice>
-    <mc:Fallback>
+    <mc:Fallback xmlns="">
       <p:transition>
         <p:fade/>
       </p:transition>
     </mc:Fallback>
   </mc:AlternateContent>
-  <p:timing>
-    <p:tnLst>
-      <p:par>
-        <p:cTn id="1" dur="indefinite" restart="never" nodeType="tmRoot"/>
-      </p:par>
-    </p:tnLst>
-  </p:timing>
 </p:sld>
 </file>
 
@@ -12087,14 +11838,6 @@
               </a:rPr>
               <a:t>特性</a:t>
             </a:r>
-            <a:endParaRPr kumimoji="1" lang="zh-CN" altLang="en-US" sz="3200" dirty="0">
-              <a:solidFill>
-                <a:schemeClr val="bg1"/>
-              </a:solidFill>
-              <a:latin typeface="微软雅黑" panose="020B0503020204020204" charset="-122"/>
-              <a:ea typeface="微软雅黑" panose="020B0503020204020204" charset="-122"/>
-              <a:cs typeface="Arial" panose="020B0604020202020204"/>
-            </a:endParaRPr>
           </a:p>
         </p:txBody>
       </p:sp>
@@ -12131,6 +11874,7 @@
         </p:style>
         <p:txBody>
           <a:bodyPr rtlCol="0" anchor="ctr"/>
+          <a:lstStyle/>
           <a:p>
             <a:pPr algn="ctr"/>
             <a:endParaRPr lang="zh-CN" altLang="en-US"/>
@@ -12157,6 +11901,7 @@
           <a:bodyPr wrap="square" rtlCol="0">
             <a:spAutoFit/>
           </a:bodyPr>
+          <a:lstStyle/>
           <a:p>
             <a:pPr>
               <a:lnSpc>
@@ -12174,14 +11919,6 @@
               </a:rPr>
               <a:t>初始化列表</a:t>
             </a:r>
-            <a:endParaRPr lang="zh-CN" altLang="en-US" sz="3200" dirty="0">
-              <a:solidFill>
-                <a:schemeClr val="bg1"/>
-              </a:solidFill>
-              <a:latin typeface="微软雅黑" panose="020B0503020204020204" charset="-122"/>
-              <a:ea typeface="微软雅黑" panose="020B0503020204020204" charset="-122"/>
-              <a:sym typeface="+mn-ea"/>
-            </a:endParaRPr>
           </a:p>
           <a:p>
             <a:pPr>
@@ -12200,14 +11937,6 @@
               </a:rPr>
               <a:t>类型判断</a:t>
             </a:r>
-            <a:endParaRPr lang="zh-CN" altLang="en-US" sz="3200" dirty="0">
-              <a:solidFill>
-                <a:schemeClr val="bg1"/>
-              </a:solidFill>
-              <a:latin typeface="微软雅黑" panose="020B0503020204020204" charset="-122"/>
-              <a:ea typeface="微软雅黑" panose="020B0503020204020204" charset="-122"/>
-              <a:sym typeface="+mn-ea"/>
-            </a:endParaRPr>
           </a:p>
           <a:p>
             <a:pPr>
@@ -12226,14 +11955,6 @@
               </a:rPr>
               <a:t>智能指针</a:t>
             </a:r>
-            <a:endParaRPr lang="zh-CN" altLang="en-US" sz="3200" dirty="0">
-              <a:solidFill>
-                <a:schemeClr val="bg1"/>
-              </a:solidFill>
-              <a:latin typeface="微软雅黑" panose="020B0503020204020204" charset="-122"/>
-              <a:ea typeface="微软雅黑" panose="020B0503020204020204" charset="-122"/>
-              <a:sym typeface="+mn-ea"/>
-            </a:endParaRPr>
           </a:p>
           <a:p>
             <a:pPr>
@@ -12263,14 +11984,6 @@
               </a:rPr>
               <a:t>表达式</a:t>
             </a:r>
-            <a:endParaRPr lang="zh-CN" altLang="en-US" sz="3200" dirty="0">
-              <a:solidFill>
-                <a:schemeClr val="bg1"/>
-              </a:solidFill>
-              <a:latin typeface="微软雅黑" panose="020B0503020204020204" charset="-122"/>
-              <a:ea typeface="微软雅黑" panose="020B0503020204020204" charset="-122"/>
-              <a:sym typeface="+mn-ea"/>
-            </a:endParaRPr>
           </a:p>
         </p:txBody>
       </p:sp>
@@ -12307,6 +12020,7 @@
         </p:style>
         <p:txBody>
           <a:bodyPr rtlCol="0" anchor="ctr"/>
+          <a:lstStyle/>
           <a:p>
             <a:pPr algn="ctr"/>
             <a:endParaRPr lang="zh-CN" altLang="en-US"/>
@@ -12346,6 +12060,7 @@
         </p:style>
         <p:txBody>
           <a:bodyPr rtlCol="0" anchor="ctr"/>
+          <a:lstStyle/>
           <a:p>
             <a:pPr algn="ctr"/>
             <a:endParaRPr lang="zh-CN" altLang="en-US"/>
@@ -12385,6 +12100,7 @@
         </p:style>
         <p:txBody>
           <a:bodyPr rtlCol="0" anchor="ctr"/>
+          <a:lstStyle/>
           <a:p>
             <a:pPr algn="ctr"/>
             <a:endParaRPr lang="zh-CN" altLang="en-US"/>
@@ -12424,6 +12140,7 @@
         </p:style>
         <p:txBody>
           <a:bodyPr rtlCol="0" anchor="ctr"/>
+          <a:lstStyle/>
           <a:p>
             <a:pPr algn="ctr"/>
             <a:endParaRPr lang="zh-CN" altLang="en-US"/>
@@ -12438,13 +12155,6 @@
   <p:transition spd="slow">
     <p:fade/>
   </p:transition>
-  <p:timing>
-    <p:tnLst>
-      <p:par>
-        <p:cTn id="1" dur="indefinite" restart="never" nodeType="tmRoot"/>
-      </p:par>
-    </p:tnLst>
-  </p:timing>
 </p:sld>
 </file>
 
@@ -12639,14 +12349,6 @@
               </a:rPr>
               <a:t>设计模式</a:t>
             </a:r>
-            <a:endParaRPr kumimoji="1" lang="zh-CN" altLang="en-US" sz="4000" dirty="0">
-              <a:solidFill>
-                <a:schemeClr val="bg1"/>
-              </a:solidFill>
-              <a:latin typeface="微软雅黑" panose="020B0503020204020204" charset="-122"/>
-              <a:ea typeface="微软雅黑" panose="020B0503020204020204" charset="-122"/>
-              <a:cs typeface="Arial" panose="020B0604020202020204"/>
-            </a:endParaRPr>
           </a:p>
         </p:txBody>
       </p:sp>
@@ -12670,6 +12372,7 @@
           <a:bodyPr wrap="square" rtlCol="0">
             <a:spAutoFit/>
           </a:bodyPr>
+          <a:lstStyle/>
           <a:p>
             <a:pPr>
               <a:lnSpc>
@@ -12687,14 +12390,6 @@
               </a:rPr>
               <a:t>服务端和客户端采用单例模式中的饿汉模式</a:t>
             </a:r>
-            <a:endParaRPr lang="zh-CN" altLang="en-US" sz="2800" dirty="0">
-              <a:solidFill>
-                <a:schemeClr val="bg1"/>
-              </a:solidFill>
-              <a:latin typeface="微软雅黑" panose="020B0503020204020204" charset="-122"/>
-              <a:ea typeface="微软雅黑" panose="020B0503020204020204" charset="-122"/>
-              <a:sym typeface="+mn-ea"/>
-            </a:endParaRPr>
           </a:p>
           <a:p>
             <a:pPr>
@@ -12757,14 +12452,6 @@
               </a:rPr>
               <a:t>写法采用工厂模式进行生成</a:t>
             </a:r>
-            <a:endParaRPr lang="zh-CN" altLang="en-US" sz="2800" dirty="0">
-              <a:solidFill>
-                <a:schemeClr val="bg1"/>
-              </a:solidFill>
-              <a:latin typeface="微软雅黑" panose="020B0503020204020204" charset="-122"/>
-              <a:ea typeface="微软雅黑" panose="020B0503020204020204" charset="-122"/>
-              <a:sym typeface="+mn-ea"/>
-            </a:endParaRPr>
           </a:p>
         </p:txBody>
       </p:sp>
@@ -12801,6 +12488,7 @@
         </p:style>
         <p:txBody>
           <a:bodyPr rtlCol="0" anchor="ctr"/>
+          <a:lstStyle/>
           <a:p>
             <a:pPr algn="ctr"/>
             <a:endParaRPr lang="zh-CN" altLang="en-US"/>
@@ -12840,6 +12528,7 @@
         </p:style>
         <p:txBody>
           <a:bodyPr rtlCol="0" anchor="ctr"/>
+          <a:lstStyle/>
           <a:p>
             <a:pPr algn="ctr"/>
             <a:endParaRPr lang="zh-CN" altLang="en-US"/>
@@ -12851,25 +12540,18 @@
   <p:clrMapOvr>
     <a:masterClrMapping/>
   </p:clrMapOvr>
-  <mc:AlternateContent xmlns:mc="http://schemas.openxmlformats.org/markup-compatibility/2006">
-    <mc:Choice xmlns:p14="http://schemas.microsoft.com/office/powerpoint/2010/main" Requires="p14">
-      <p:transition spd="slow" p14:dur="700">
+  <mc:AlternateContent xmlns:mc="http://schemas.openxmlformats.org/markup-compatibility/2006" xmlns:p14="http://schemas.microsoft.com/office/powerpoint/2010/main">
+    <mc:Choice Requires="p14">
+      <p:transition spd="med" p14:dur="700">
         <p:fade/>
       </p:transition>
     </mc:Choice>
-    <mc:Fallback>
+    <mc:Fallback xmlns="">
       <p:transition spd="slow">
         <p:fade/>
       </p:transition>
     </mc:Fallback>
   </mc:AlternateContent>
-  <p:timing>
-    <p:tnLst>
-      <p:par>
-        <p:cTn id="1" dur="indefinite" restart="never" nodeType="tmRoot"/>
-      </p:par>
-    </p:tnLst>
-  </p:timing>
 </p:sld>
 </file>
 
@@ -16687,25 +16369,18 @@
   <p:clrMapOvr>
     <a:masterClrMapping/>
   </p:clrMapOvr>
-  <mc:AlternateContent xmlns:mc="http://schemas.openxmlformats.org/markup-compatibility/2006">
-    <mc:Choice xmlns:p14="http://schemas.microsoft.com/office/powerpoint/2010/main" Requires="p14">
+  <mc:AlternateContent xmlns:mc="http://schemas.openxmlformats.org/markup-compatibility/2006" xmlns:p14="http://schemas.microsoft.com/office/powerpoint/2010/main">
+    <mc:Choice Requires="p14">
       <p:transition spd="slow" p14:dur="800">
         <p:fade/>
       </p:transition>
     </mc:Choice>
-    <mc:Fallback>
+    <mc:Fallback xmlns="">
       <p:transition spd="slow">
         <p:fade/>
       </p:transition>
     </mc:Fallback>
   </mc:AlternateContent>
-  <p:timing>
-    <p:tnLst>
-      <p:par>
-        <p:cTn id="1" dur="indefinite" restart="never" nodeType="tmRoot"/>
-      </p:par>
-    </p:tnLst>
-  </p:timing>
 </p:sld>
 </file>
 
@@ -16978,11 +16653,6 @@
                 </a:rPr>
                 <a:t> </a:t>
               </a:r>
-              <a:endParaRPr kumimoji="1" lang="zh-CN" altLang="en-US" sz="4000" b="1" dirty="0">
-                <a:solidFill>
-                  <a:srgbClr val="FFFFFF"/>
-                </a:solidFill>
-              </a:endParaRPr>
             </a:p>
           </p:txBody>
         </p:sp>
@@ -17262,11 +16932,6 @@
                 </a:rPr>
                 <a:t>TWO</a:t>
               </a:r>
-              <a:endParaRPr kumimoji="1" lang="en-US" altLang="zh-CN" sz="4000" b="1" dirty="0">
-                <a:solidFill>
-                  <a:srgbClr val="FFFFFF"/>
-                </a:solidFill>
-              </a:endParaRPr>
             </a:p>
           </p:txBody>
         </p:sp>
@@ -17303,14 +16968,6 @@
                 </a:rPr>
                 <a:t>实现功能与项目结构</a:t>
               </a:r>
-              <a:endParaRPr kumimoji="1" lang="zh-CN" altLang="en-US" sz="3600" b="1" dirty="0">
-                <a:solidFill>
-                  <a:srgbClr val="FFFFFF"/>
-                </a:solidFill>
-                <a:latin typeface="微软雅黑" panose="020B0503020204020204" charset="-122"/>
-                <a:ea typeface="微软雅黑" panose="020B0503020204020204" charset="-122"/>
-                <a:cs typeface="微软雅黑" panose="020B0503020204020204" charset="-122"/>
-              </a:endParaRPr>
             </a:p>
           </p:txBody>
         </p:sp>
@@ -17565,11 +17222,6 @@
                 </a:rPr>
                 <a:t> </a:t>
               </a:r>
-              <a:endParaRPr kumimoji="1" lang="zh-CN" altLang="en-US" sz="4800" b="1" dirty="0">
-                <a:solidFill>
-                  <a:srgbClr val="FFFFFF"/>
-                </a:solidFill>
-              </a:endParaRPr>
             </a:p>
           </p:txBody>
         </p:sp>
@@ -17606,14 +17258,6 @@
                 </a:rPr>
                 <a:t>具体设计</a:t>
               </a:r>
-              <a:endParaRPr kumimoji="1" lang="zh-CN" altLang="en-US" sz="4000" b="1" dirty="0">
-                <a:solidFill>
-                  <a:srgbClr val="FFFFFF"/>
-                </a:solidFill>
-                <a:latin typeface="微软雅黑" panose="020B0503020204020204" charset="-122"/>
-                <a:ea typeface="微软雅黑" panose="020B0503020204020204" charset="-122"/>
-                <a:cs typeface="微软雅黑" panose="020B0503020204020204" charset="-122"/>
-              </a:endParaRPr>
             </a:p>
           </p:txBody>
         </p:sp>
@@ -17870,11 +17514,6 @@
                 </a:rPr>
                 <a:t> </a:t>
               </a:r>
-              <a:endParaRPr kumimoji="1" lang="zh-CN" altLang="en-US" sz="4800" b="1" dirty="0">
-                <a:solidFill>
-                  <a:srgbClr val="FFFFFF"/>
-                </a:solidFill>
-              </a:endParaRPr>
             </a:p>
           </p:txBody>
         </p:sp>
@@ -17911,14 +17550,6 @@
                 </a:rPr>
                 <a:t>模式与特性</a:t>
               </a:r>
-              <a:endParaRPr kumimoji="1" lang="zh-CN" altLang="en-US" sz="4000" b="1" dirty="0">
-                <a:solidFill>
-                  <a:srgbClr val="FFFFFF"/>
-                </a:solidFill>
-                <a:latin typeface="微软雅黑" panose="020B0503020204020204" charset="-122"/>
-                <a:ea typeface="微软雅黑" panose="020B0503020204020204" charset="-122"/>
-                <a:cs typeface="微软雅黑" panose="020B0503020204020204" charset="-122"/>
-              </a:endParaRPr>
             </a:p>
           </p:txBody>
         </p:sp>
@@ -17982,6 +17613,7 @@
           <a:bodyPr wrap="square" rtlCol="0">
             <a:spAutoFit/>
           </a:bodyPr>
+          <a:lstStyle/>
           <a:p>
             <a:r>
               <a:rPr lang="zh-CN" altLang="en-US" sz="4000" b="1">
@@ -17991,11 +17623,6 @@
               </a:rPr>
               <a:t>游戏介绍</a:t>
             </a:r>
-            <a:endParaRPr lang="zh-CN" altLang="en-US" sz="4000" b="1">
-              <a:solidFill>
-                <a:schemeClr val="bg1"/>
-              </a:solidFill>
-            </a:endParaRPr>
           </a:p>
         </p:txBody>
       </p:sp>
@@ -18004,25 +17631,18 @@
   <p:clrMapOvr>
     <a:masterClrMapping/>
   </p:clrMapOvr>
-  <mc:AlternateContent xmlns:mc="http://schemas.openxmlformats.org/markup-compatibility/2006">
-    <mc:Choice xmlns:p14="http://schemas.microsoft.com/office/powerpoint/2010/main" Requires="p14">
+  <mc:AlternateContent xmlns:mc="http://schemas.openxmlformats.org/markup-compatibility/2006" xmlns:p14="http://schemas.microsoft.com/office/powerpoint/2010/main">
+    <mc:Choice Requires="p14">
       <p:transition spd="slow" p14:dur="1300">
         <p:fade/>
       </p:transition>
     </mc:Choice>
-    <mc:Fallback>
+    <mc:Fallback xmlns="">
       <p:transition spd="slow">
         <p:fade/>
       </p:transition>
     </mc:Fallback>
   </mc:AlternateContent>
-  <p:timing>
-    <p:tnLst>
-      <p:par>
-        <p:cTn id="1" dur="indefinite" restart="never" nodeType="tmRoot"/>
-      </p:par>
-    </p:tnLst>
-  </p:timing>
 </p:sld>
 </file>
 
@@ -18255,14 +17875,6 @@
               </a:rPr>
               <a:t>游戏介绍</a:t>
             </a:r>
-            <a:endParaRPr kumimoji="1" lang="zh-CN" altLang="en-US" sz="5335" b="1" dirty="0">
-              <a:solidFill>
-                <a:schemeClr val="bg1"/>
-              </a:solidFill>
-              <a:latin typeface="微软雅黑" panose="020B0503020204020204" charset="-122"/>
-              <a:ea typeface="微软雅黑" panose="020B0503020204020204" charset="-122"/>
-              <a:cs typeface="Arial" panose="020B0604020202020204"/>
-            </a:endParaRPr>
           </a:p>
         </p:txBody>
       </p:sp>
@@ -18315,14 +17927,6 @@
               </a:rPr>
               <a:t>BUBG</a:t>
             </a:r>
-            <a:endParaRPr lang="en-US" altLang="zh-CN" sz="2800" dirty="0">
-              <a:solidFill>
-                <a:schemeClr val="bg1"/>
-              </a:solidFill>
-              <a:latin typeface="微软雅黑" panose="020B0503020204020204" charset="-122"/>
-              <a:ea typeface="微软雅黑" panose="020B0503020204020204" charset="-122"/>
-              <a:sym typeface="+mn-ea"/>
-            </a:endParaRPr>
           </a:p>
           <a:p>
             <a:pPr algn="l">
@@ -18424,13 +18028,6 @@
   <p:transition spd="slow">
     <p:fade/>
   </p:transition>
-  <p:timing>
-    <p:tnLst>
-      <p:par>
-        <p:cTn id="1" dur="indefinite" restart="never" nodeType="tmRoot"/>
-      </p:par>
-    </p:tnLst>
-  </p:timing>
 </p:sld>
 </file>
 
@@ -18663,14 +18260,6 @@
               </a:rPr>
               <a:t>支持图形显示</a:t>
             </a:r>
-            <a:endParaRPr lang="zh-CN" altLang="en-US" sz="2400" dirty="0">
-              <a:solidFill>
-                <a:schemeClr val="bg1"/>
-              </a:solidFill>
-              <a:latin typeface="微软雅黑" panose="020B0503020204020204" charset="-122"/>
-              <a:ea typeface="微软雅黑" panose="020B0503020204020204" charset="-122"/>
-              <a:sym typeface="+mn-ea"/>
-            </a:endParaRPr>
           </a:p>
           <a:p>
             <a:pPr algn="l">
@@ -18689,14 +18278,6 @@
               </a:rPr>
               <a:t>支持鼠标和键盘操作</a:t>
             </a:r>
-            <a:endParaRPr lang="zh-CN" altLang="en-US" sz="2400" dirty="0">
-              <a:solidFill>
-                <a:schemeClr val="bg1"/>
-              </a:solidFill>
-              <a:latin typeface="微软雅黑" panose="020B0503020204020204" charset="-122"/>
-              <a:ea typeface="微软雅黑" panose="020B0503020204020204" charset="-122"/>
-              <a:sym typeface="+mn-ea"/>
-            </a:endParaRPr>
           </a:p>
           <a:p>
             <a:pPr algn="l">
@@ -18737,14 +18318,6 @@
               </a:rPr>
               <a:t>中的分裂操作</a:t>
             </a:r>
-            <a:endParaRPr lang="zh-CN" altLang="en-US" sz="2400" dirty="0">
-              <a:solidFill>
-                <a:schemeClr val="bg1"/>
-              </a:solidFill>
-              <a:latin typeface="微软雅黑" panose="020B0503020204020204" charset="-122"/>
-              <a:ea typeface="微软雅黑" panose="020B0503020204020204" charset="-122"/>
-              <a:sym typeface="+mn-ea"/>
-            </a:endParaRPr>
           </a:p>
           <a:p>
             <a:pPr algn="l">
@@ -18763,14 +18336,6 @@
               </a:rPr>
               <a:t>支持动画</a:t>
             </a:r>
-            <a:endParaRPr lang="zh-CN" altLang="en-US" sz="2400" dirty="0">
-              <a:solidFill>
-                <a:schemeClr val="bg1"/>
-              </a:solidFill>
-              <a:latin typeface="微软雅黑" panose="020B0503020204020204" charset="-122"/>
-              <a:ea typeface="微软雅黑" panose="020B0503020204020204" charset="-122"/>
-              <a:sym typeface="+mn-ea"/>
-            </a:endParaRPr>
           </a:p>
           <a:p>
             <a:pPr algn="l">
@@ -18789,14 +18354,6 @@
               </a:rPr>
               <a:t>实现服务端：支持局域网联机对战，支持多人在同一张地图游戏</a:t>
             </a:r>
-            <a:endParaRPr lang="zh-CN" altLang="en-US" sz="2400" dirty="0">
-              <a:solidFill>
-                <a:schemeClr val="bg1"/>
-              </a:solidFill>
-              <a:latin typeface="微软雅黑" panose="020B0503020204020204" charset="-122"/>
-              <a:ea typeface="微软雅黑" panose="020B0503020204020204" charset="-122"/>
-              <a:sym typeface="+mn-ea"/>
-            </a:endParaRPr>
           </a:p>
           <a:p>
             <a:pPr algn="l">
@@ -18815,14 +18372,6 @@
               </a:rPr>
               <a:t>支持病毒</a:t>
             </a:r>
-            <a:endParaRPr lang="zh-CN" altLang="en-US" sz="2400" dirty="0">
-              <a:solidFill>
-                <a:schemeClr val="bg1"/>
-              </a:solidFill>
-              <a:latin typeface="微软雅黑" panose="020B0503020204020204" charset="-122"/>
-              <a:ea typeface="微软雅黑" panose="020B0503020204020204" charset="-122"/>
-              <a:sym typeface="+mn-ea"/>
-            </a:endParaRPr>
           </a:p>
           <a:p>
             <a:pPr algn="l">
@@ -18841,14 +18390,6 @@
               </a:rPr>
               <a:t>支持聊天</a:t>
             </a:r>
-            <a:endParaRPr lang="zh-CN" altLang="en-US" sz="2400" dirty="0">
-              <a:solidFill>
-                <a:schemeClr val="bg1"/>
-              </a:solidFill>
-              <a:latin typeface="微软雅黑" panose="020B0503020204020204" charset="-122"/>
-              <a:ea typeface="微软雅黑" panose="020B0503020204020204" charset="-122"/>
-              <a:sym typeface="+mn-ea"/>
-            </a:endParaRPr>
           </a:p>
           <a:p>
             <a:pPr algn="l">
@@ -18867,14 +18408,6 @@
               </a:rPr>
               <a:t>服务端可以抵御作弊</a:t>
             </a:r>
-            <a:endParaRPr lang="zh-CN" altLang="en-US" sz="2400" dirty="0">
-              <a:solidFill>
-                <a:schemeClr val="bg1"/>
-              </a:solidFill>
-              <a:latin typeface="微软雅黑" panose="020B0503020204020204" charset="-122"/>
-              <a:ea typeface="微软雅黑" panose="020B0503020204020204" charset="-122"/>
-              <a:sym typeface="+mn-ea"/>
-            </a:endParaRPr>
           </a:p>
         </p:txBody>
       </p:sp>
@@ -18898,6 +18431,7 @@
           <a:bodyPr wrap="square" rtlCol="0">
             <a:spAutoFit/>
           </a:bodyPr>
+          <a:lstStyle/>
           <a:p>
             <a:r>
               <a:rPr lang="zh-CN" altLang="en-US" sz="5400">
@@ -18907,11 +18441,6 @@
               </a:rPr>
               <a:t>实现功能</a:t>
             </a:r>
-            <a:endParaRPr lang="zh-CN" altLang="en-US" sz="5400">
-              <a:solidFill>
-                <a:schemeClr val="bg1"/>
-              </a:solidFill>
-            </a:endParaRPr>
           </a:p>
         </p:txBody>
       </p:sp>
@@ -18951,6 +18480,7 @@
         </p:style>
         <p:txBody>
           <a:bodyPr rtlCol="0" anchor="ctr"/>
+          <a:lstStyle/>
           <a:p>
             <a:pPr algn="ctr"/>
             <a:endParaRPr lang="zh-CN" altLang="en-US"/>
@@ -18993,6 +18523,7 @@
         </p:style>
         <p:txBody>
           <a:bodyPr rtlCol="0" anchor="ctr"/>
+          <a:lstStyle/>
           <a:p>
             <a:pPr algn="ctr"/>
             <a:endParaRPr lang="zh-CN" altLang="en-US"/>
@@ -19035,6 +18566,7 @@
         </p:style>
         <p:txBody>
           <a:bodyPr rtlCol="0" anchor="ctr"/>
+          <a:lstStyle/>
           <a:p>
             <a:pPr algn="ctr"/>
             <a:endParaRPr lang="zh-CN" altLang="en-US"/>
@@ -19077,6 +18609,7 @@
         </p:style>
         <p:txBody>
           <a:bodyPr rtlCol="0" anchor="ctr"/>
+          <a:lstStyle/>
           <a:p>
             <a:pPr algn="ctr"/>
             <a:endParaRPr lang="zh-CN" altLang="en-US"/>
@@ -19119,6 +18652,7 @@
         </p:style>
         <p:txBody>
           <a:bodyPr rtlCol="0" anchor="ctr"/>
+          <a:lstStyle/>
           <a:p>
             <a:pPr algn="ctr"/>
             <a:endParaRPr lang="zh-CN" altLang="en-US"/>
@@ -19161,6 +18695,7 @@
         </p:style>
         <p:txBody>
           <a:bodyPr rtlCol="0" anchor="ctr"/>
+          <a:lstStyle/>
           <a:p>
             <a:pPr algn="ctr"/>
             <a:endParaRPr lang="zh-CN" altLang="en-US"/>
@@ -19203,6 +18738,7 @@
         </p:style>
         <p:txBody>
           <a:bodyPr rtlCol="0" anchor="ctr"/>
+          <a:lstStyle/>
           <a:p>
             <a:pPr algn="ctr"/>
             <a:endParaRPr lang="zh-CN" altLang="en-US"/>
@@ -19245,6 +18781,7 @@
         </p:style>
         <p:txBody>
           <a:bodyPr rtlCol="0" anchor="ctr"/>
+          <a:lstStyle/>
           <a:p>
             <a:pPr algn="ctr"/>
             <a:endParaRPr lang="zh-CN" altLang="en-US"/>
@@ -19287,6 +18824,7 @@
         </p:style>
         <p:txBody>
           <a:bodyPr rtlCol="0" anchor="ctr"/>
+          <a:lstStyle/>
           <a:p>
             <a:pPr algn="ctr"/>
             <a:endParaRPr lang="zh-CN" altLang="en-US"/>
@@ -19329,6 +18867,7 @@
         </p:style>
         <p:txBody>
           <a:bodyPr rtlCol="0" anchor="ctr"/>
+          <a:lstStyle/>
           <a:p>
             <a:pPr algn="ctr"/>
             <a:endParaRPr lang="zh-CN" altLang="en-US"/>
@@ -19340,25 +18879,18 @@
   <p:clrMapOvr>
     <a:masterClrMapping/>
   </p:clrMapOvr>
-  <mc:AlternateContent xmlns:mc="http://schemas.openxmlformats.org/markup-compatibility/2006">
-    <mc:Choice xmlns:p14="http://schemas.microsoft.com/office/powerpoint/2010/main" Requires="p14">
+  <mc:AlternateContent xmlns:mc="http://schemas.openxmlformats.org/markup-compatibility/2006" xmlns:p14="http://schemas.microsoft.com/office/powerpoint/2010/main">
+    <mc:Choice Requires="p14">
       <p:transition p14:dur="250">
         <p:fade/>
       </p:transition>
     </mc:Choice>
-    <mc:Fallback>
+    <mc:Fallback xmlns="">
       <p:transition>
         <p:fade/>
       </p:transition>
     </mc:Fallback>
   </mc:AlternateContent>
-  <p:timing>
-    <p:tnLst>
-      <p:par>
-        <p:cTn id="1" dur="indefinite" restart="never" nodeType="tmRoot"/>
-      </p:par>
-    </p:tnLst>
-  </p:timing>
 </p:sld>
 </file>
 
@@ -19393,7 +18925,7 @@
         </p:xfrm>
         <a:graphic>
           <a:graphicData uri="http://schemas.openxmlformats.org/drawingml/2006/diagram">
-            <dgm:relIds xmlns:dgm="http://schemas.openxmlformats.org/drawingml/2006/diagram" xmlns:r="http://schemas.openxmlformats.org/officeDocument/2006/relationships" r:dm="rId1" r:lo="rId2" r:qs="rId3" r:cs="rId4"/>
+            <dgm:relIds xmlns:dgm="http://schemas.openxmlformats.org/drawingml/2006/diagram" xmlns:r="http://schemas.openxmlformats.org/officeDocument/2006/relationships" r:dm="rId2" r:lo="rId3" r:qs="rId4" r:cs="rId5"/>
           </a:graphicData>
         </a:graphic>
       </p:graphicFrame>
@@ -19417,6 +18949,7 @@
           <a:bodyPr wrap="square" rtlCol="0">
             <a:spAutoFit/>
           </a:bodyPr>
+          <a:lstStyle/>
           <a:p>
             <a:r>
               <a:rPr lang="zh-CN" altLang="en-US" sz="5400" b="1">
@@ -19428,13 +18961,6 @@
               </a:rPr>
               <a:t>项目结构</a:t>
             </a:r>
-            <a:endParaRPr lang="zh-CN" altLang="en-US" sz="5400" b="1">
-              <a:solidFill>
-                <a:schemeClr val="bg1"/>
-              </a:solidFill>
-              <a:latin typeface="微软雅黑" panose="020B0503020204020204" charset="-122"/>
-              <a:ea typeface="微软雅黑" panose="020B0503020204020204" charset="-122"/>
-            </a:endParaRPr>
           </a:p>
         </p:txBody>
       </p:sp>
@@ -19443,25 +18969,18 @@
   <p:clrMapOvr>
     <a:masterClrMapping/>
   </p:clrMapOvr>
-  <mc:AlternateContent xmlns:mc="http://schemas.openxmlformats.org/markup-compatibility/2006">
-    <mc:Choice xmlns:p14="http://schemas.microsoft.com/office/powerpoint/2010/main" Requires="p14">
-      <p:transition spd="slow" p14:dur="700">
+  <mc:AlternateContent xmlns:mc="http://schemas.openxmlformats.org/markup-compatibility/2006" xmlns:p14="http://schemas.microsoft.com/office/powerpoint/2010/main">
+    <mc:Choice Requires="p14">
+      <p:transition spd="med" p14:dur="700">
         <p:fade/>
       </p:transition>
     </mc:Choice>
-    <mc:Fallback>
+    <mc:Fallback xmlns="">
       <p:transition spd="slow">
         <p:fade/>
       </p:transition>
     </mc:Fallback>
   </mc:AlternateContent>
-  <p:timing>
-    <p:tnLst>
-      <p:par>
-        <p:cTn id="1" dur="indefinite" restart="never" nodeType="tmRoot"/>
-      </p:par>
-    </p:tnLst>
-  </p:timing>
 </p:sld>
 </file>
 
@@ -19694,14 +19213,6 @@
               </a:rPr>
               <a:t>具体设计</a:t>
             </a:r>
-            <a:endParaRPr kumimoji="1" lang="zh-CN" altLang="en-US" sz="5335" b="1" dirty="0">
-              <a:solidFill>
-                <a:schemeClr val="bg1"/>
-              </a:solidFill>
-              <a:latin typeface="微软雅黑" panose="020B0503020204020204" charset="-122"/>
-              <a:ea typeface="微软雅黑" panose="020B0503020204020204" charset="-122"/>
-              <a:cs typeface="Arial" panose="020B0604020202020204"/>
-            </a:endParaRPr>
           </a:p>
         </p:txBody>
       </p:sp>
@@ -19762,13 +19273,6 @@
               </a:rPr>
               <a:t>设计</a:t>
             </a:r>
-            <a:endParaRPr lang="zh-CN" altLang="en-US" sz="2800" dirty="0">
-              <a:solidFill>
-                <a:schemeClr val="bg1"/>
-              </a:solidFill>
-              <a:latin typeface="微软雅黑" panose="020B0503020204020204" charset="-122"/>
-              <a:ea typeface="微软雅黑" panose="020B0503020204020204" charset="-122"/>
-            </a:endParaRPr>
           </a:p>
           <a:p>
             <a:pPr algn="l">
@@ -19806,13 +19310,6 @@
               </a:rPr>
               <a:t>设计</a:t>
             </a:r>
-            <a:endParaRPr lang="zh-CN" altLang="en-US" sz="2800" dirty="0">
-              <a:solidFill>
-                <a:schemeClr val="bg1"/>
-              </a:solidFill>
-              <a:latin typeface="微软雅黑" panose="020B0503020204020204" charset="-122"/>
-              <a:ea typeface="微软雅黑" panose="020B0503020204020204" charset="-122"/>
-            </a:endParaRPr>
           </a:p>
           <a:p>
             <a:pPr algn="l">
@@ -19830,13 +19327,6 @@
               </a:rPr>
               <a:t>Server  Client</a:t>
             </a:r>
-            <a:endParaRPr lang="en-US" altLang="zh-CN" sz="2800" dirty="0">
-              <a:solidFill>
-                <a:schemeClr val="bg1"/>
-              </a:solidFill>
-              <a:latin typeface="微软雅黑" panose="020B0503020204020204" charset="-122"/>
-              <a:ea typeface="微软雅黑" panose="020B0503020204020204" charset="-122"/>
-            </a:endParaRPr>
           </a:p>
           <a:p>
             <a:pPr algn="l">
@@ -19854,13 +19344,6 @@
               </a:rPr>
               <a:t>网络部分数据传输</a:t>
             </a:r>
-            <a:endParaRPr lang="zh-CN" altLang="zh-CN" sz="2800" dirty="0">
-              <a:solidFill>
-                <a:schemeClr val="bg1"/>
-              </a:solidFill>
-              <a:latin typeface="微软雅黑" panose="020B0503020204020204" charset="-122"/>
-              <a:ea typeface="微软雅黑" panose="020B0503020204020204" charset="-122"/>
-            </a:endParaRPr>
           </a:p>
           <a:p>
             <a:pPr algn="l">
@@ -19898,13 +19381,6 @@
               </a:rPr>
               <a:t>设计</a:t>
             </a:r>
-            <a:endParaRPr lang="zh-CN" altLang="en-US" sz="2800" dirty="0">
-              <a:solidFill>
-                <a:schemeClr val="bg1"/>
-              </a:solidFill>
-              <a:latin typeface="微软雅黑" panose="020B0503020204020204" charset="-122"/>
-              <a:ea typeface="微软雅黑" panose="020B0503020204020204" charset="-122"/>
-            </a:endParaRPr>
           </a:p>
           <a:p>
             <a:pPr algn="l">
@@ -20005,6 +19481,7 @@
         </p:style>
         <p:txBody>
           <a:bodyPr rtlCol="0" anchor="ctr"/>
+          <a:lstStyle/>
           <a:p>
             <a:pPr algn="ctr"/>
             <a:endParaRPr lang="zh-CN" altLang="en-US"/>
@@ -20047,6 +19524,7 @@
         </p:style>
         <p:txBody>
           <a:bodyPr rtlCol="0" anchor="ctr"/>
+          <a:lstStyle/>
           <a:p>
             <a:pPr algn="ctr"/>
             <a:endParaRPr lang="zh-CN" altLang="en-US"/>
@@ -20089,6 +19567,7 @@
         </p:style>
         <p:txBody>
           <a:bodyPr rtlCol="0" anchor="ctr"/>
+          <a:lstStyle/>
           <a:p>
             <a:pPr algn="ctr"/>
             <a:endParaRPr lang="zh-CN" altLang="en-US"/>
@@ -20131,6 +19610,7 @@
         </p:style>
         <p:txBody>
           <a:bodyPr rtlCol="0" anchor="ctr"/>
+          <a:lstStyle/>
           <a:p>
             <a:pPr algn="ctr"/>
             <a:endParaRPr lang="zh-CN" altLang="en-US"/>
@@ -20173,6 +19653,7 @@
         </p:style>
         <p:txBody>
           <a:bodyPr rtlCol="0" anchor="ctr"/>
+          <a:lstStyle/>
           <a:p>
             <a:pPr algn="ctr"/>
             <a:endParaRPr lang="zh-CN" altLang="en-US"/>
@@ -20215,6 +19696,7 @@
         </p:style>
         <p:txBody>
           <a:bodyPr rtlCol="0" anchor="ctr"/>
+          <a:lstStyle/>
           <a:p>
             <a:pPr algn="ctr"/>
             <a:endParaRPr lang="zh-CN" altLang="en-US"/>
@@ -20229,13 +19711,6 @@
   <p:transition spd="slow">
     <p:fade/>
   </p:transition>
-  <p:timing>
-    <p:tnLst>
-      <p:par>
-        <p:cTn id="1" dur="indefinite" restart="never" nodeType="tmRoot"/>
-      </p:par>
-    </p:tnLst>
-  </p:timing>
 </p:sld>
 </file>
 
@@ -20412,6 +19887,7 @@
           <a:bodyPr wrap="square" rtlCol="0">
             <a:spAutoFit/>
           </a:bodyPr>
+          <a:lstStyle/>
           <a:p>
             <a:r>
               <a:rPr lang="zh-CN" altLang="en-US" sz="2800">
@@ -20443,13 +19919,6 @@
               </a:rPr>
               <a:t>设计</a:t>
             </a:r>
-            <a:endParaRPr lang="zh-CN" altLang="en-US" sz="2800">
-              <a:solidFill>
-                <a:schemeClr val="bg1"/>
-              </a:solidFill>
-              <a:latin typeface="微软雅黑" panose="020B0503020204020204" charset="-122"/>
-              <a:ea typeface="微软雅黑" panose="020B0503020204020204" charset="-122"/>
-            </a:endParaRPr>
           </a:p>
         </p:txBody>
       </p:sp>
@@ -20473,6 +19942,7 @@
           <a:bodyPr wrap="square" rtlCol="0">
             <a:spAutoFit/>
           </a:bodyPr>
+          <a:lstStyle/>
           <a:p>
             <a:r>
               <a:rPr lang="zh-CN" altLang="en-US" dirty="0">
@@ -20582,6 +20052,7 @@
         </p:style>
         <p:txBody>
           <a:bodyPr lIns="91439" tIns="45719" rIns="91439" bIns="45719" rtlCol="0" anchor="ctr"/>
+          <a:lstStyle/>
           <a:p>
             <a:pPr algn="ctr" defTabSz="913765"/>
             <a:endParaRPr lang="zh-CN" altLang="en-US" sz="1865">
@@ -20627,6 +20098,7 @@
         </p:style>
         <p:txBody>
           <a:bodyPr rtlCol="0" anchor="ctr"/>
+          <a:lstStyle/>
           <a:p>
             <a:pPr algn="ctr"/>
             <a:endParaRPr lang="zh-CN" altLang="en-US"/>
@@ -20756,6 +20228,7 @@
         </p:style>
         <p:txBody>
           <a:bodyPr rtlCol="0" anchor="ctr"/>
+          <a:lstStyle/>
           <a:p>
             <a:pPr algn="ctr" defTabSz="913765"/>
             <a:endParaRPr lang="zh-CN" altLang="en-US" sz="1865">
@@ -20788,6 +20261,7 @@
           <a:bodyPr wrap="square" rtlCol="0">
             <a:spAutoFit/>
           </a:bodyPr>
+          <a:lstStyle/>
           <a:p>
             <a:r>
               <a:rPr lang="en-US" altLang="zh-CN" sz="2400">
@@ -20799,13 +20273,6 @@
               </a:rPr>
               <a:t>BaseBall</a:t>
             </a:r>
-            <a:endParaRPr lang="en-US" altLang="zh-CN" sz="2400">
-              <a:solidFill>
-                <a:schemeClr val="bg1"/>
-              </a:solidFill>
-              <a:latin typeface="微软雅黑" panose="020B0503020204020204" charset="-122"/>
-              <a:ea typeface="微软雅黑" panose="020B0503020204020204" charset="-122"/>
-            </a:endParaRPr>
           </a:p>
         </p:txBody>
       </p:sp>
@@ -20862,6 +20329,7 @@
           </p:style>
           <p:txBody>
             <a:bodyPr rtlCol="0" anchor="ctr"/>
+            <a:lstStyle/>
             <a:p>
               <a:pPr algn="ctr" defTabSz="913765"/>
               <a:endParaRPr lang="zh-CN" altLang="en-US" sz="1865">
@@ -20907,6 +20375,7 @@
           </p:style>
           <p:txBody>
             <a:bodyPr rtlCol="0" anchor="ctr"/>
+            <a:lstStyle/>
             <a:p>
               <a:pPr algn="ctr"/>
               <a:endParaRPr lang="zh-CN" altLang="en-US"/>
@@ -20934,6 +20403,7 @@
           <a:bodyPr wrap="square" rtlCol="0">
             <a:spAutoFit/>
           </a:bodyPr>
+          <a:lstStyle/>
           <a:p>
             <a:r>
               <a:rPr lang="en-US" altLang="zh-CN" sz="2400">
@@ -20945,13 +20415,6 @@
               </a:rPr>
               <a:t>FooBall</a:t>
             </a:r>
-            <a:endParaRPr lang="en-US" altLang="zh-CN" sz="2400">
-              <a:solidFill>
-                <a:schemeClr val="bg1"/>
-              </a:solidFill>
-              <a:latin typeface="微软雅黑" panose="020B0503020204020204" charset="-122"/>
-              <a:ea typeface="微软雅黑" panose="020B0503020204020204" charset="-122"/>
-            </a:endParaRPr>
           </a:p>
         </p:txBody>
       </p:sp>
@@ -21008,6 +20471,7 @@
           </p:style>
           <p:txBody>
             <a:bodyPr rtlCol="0" anchor="ctr"/>
+            <a:lstStyle/>
             <a:p>
               <a:pPr algn="ctr" defTabSz="913765"/>
               <a:endParaRPr lang="zh-CN" altLang="en-US" sz="1865">
@@ -21053,6 +20517,7 @@
           </p:style>
           <p:txBody>
             <a:bodyPr rtlCol="0" anchor="ctr"/>
+            <a:lstStyle/>
             <a:p>
               <a:pPr algn="ctr"/>
               <a:endParaRPr lang="zh-CN" altLang="en-US"/>
@@ -21113,6 +20578,7 @@
           </p:style>
           <p:txBody>
             <a:bodyPr rtlCol="0" anchor="ctr"/>
+            <a:lstStyle/>
             <a:p>
               <a:pPr algn="ctr" defTabSz="913765"/>
               <a:endParaRPr lang="zh-CN" altLang="en-US" sz="1865">
@@ -21158,6 +20624,7 @@
           </p:style>
           <p:txBody>
             <a:bodyPr rtlCol="0" anchor="ctr"/>
+            <a:lstStyle/>
             <a:p>
               <a:pPr algn="ctr"/>
               <a:endParaRPr lang="zh-CN" altLang="en-US"/>
@@ -21220,6 +20687,7 @@
           <a:bodyPr wrap="square" rtlCol="0">
             <a:spAutoFit/>
           </a:bodyPr>
+          <a:lstStyle/>
           <a:p>
             <a:r>
               <a:rPr lang="en-US" altLang="zh-CN" sz="2400">
@@ -21231,13 +20699,6 @@
               </a:rPr>
               <a:t>ControledBall</a:t>
             </a:r>
-            <a:endParaRPr lang="en-US" altLang="zh-CN" sz="2400">
-              <a:solidFill>
-                <a:schemeClr val="bg1"/>
-              </a:solidFill>
-              <a:latin typeface="微软雅黑" panose="020B0503020204020204" charset="-122"/>
-              <a:ea typeface="微软雅黑" panose="020B0503020204020204" charset="-122"/>
-            </a:endParaRPr>
           </a:p>
         </p:txBody>
       </p:sp>
@@ -21261,6 +20722,7 @@
           <a:bodyPr wrap="square" rtlCol="0">
             <a:spAutoFit/>
           </a:bodyPr>
+          <a:lstStyle/>
           <a:p>
             <a:r>
               <a:rPr lang="en-US" altLang="zh-CN" sz="2000">
@@ -21272,13 +20734,6 @@
               </a:rPr>
               <a:t>VirusBall</a:t>
             </a:r>
-            <a:endParaRPr lang="en-US" altLang="zh-CN" sz="2000">
-              <a:solidFill>
-                <a:schemeClr val="bg1"/>
-              </a:solidFill>
-              <a:latin typeface="微软雅黑" panose="020B0503020204020204" charset="-122"/>
-              <a:ea typeface="微软雅黑" panose="020B0503020204020204" charset="-122"/>
-            </a:endParaRPr>
           </a:p>
         </p:txBody>
       </p:sp>
@@ -21302,6 +20757,7 @@
           <a:bodyPr wrap="square" rtlCol="0">
             <a:spAutoFit/>
           </a:bodyPr>
+          <a:lstStyle/>
           <a:p>
             <a:r>
               <a:rPr lang="zh-CN" altLang="en-US" sz="2000" dirty="0">
@@ -21336,14 +20792,6 @@
               </a:rPr>
               <a:t>类，游戏中的食物单元</a:t>
             </a:r>
-            <a:endParaRPr lang="zh-CN" altLang="en-US" sz="2000" dirty="0">
-              <a:solidFill>
-                <a:schemeClr val="bg1"/>
-              </a:solidFill>
-              <a:latin typeface="微软雅黑" panose="020B0503020204020204" charset="-122"/>
-              <a:ea typeface="微软雅黑" panose="020B0503020204020204" charset="-122"/>
-              <a:sym typeface="+mn-ea"/>
-            </a:endParaRPr>
           </a:p>
         </p:txBody>
       </p:sp>
@@ -21367,6 +20815,7 @@
           <a:bodyPr wrap="square" rtlCol="0">
             <a:spAutoFit/>
           </a:bodyPr>
+          <a:lstStyle/>
           <a:p>
             <a:r>
               <a:rPr lang="zh-CN" altLang="en-US" dirty="0">
@@ -21425,6 +20874,7 @@
           <a:bodyPr wrap="square" rtlCol="0">
             <a:spAutoFit/>
           </a:bodyPr>
+          <a:lstStyle/>
           <a:p>
             <a:pPr>
               <a:lnSpc>
@@ -21578,6 +21028,7 @@
           </p:style>
           <p:txBody>
             <a:bodyPr rtlCol="0" anchor="ctr"/>
+            <a:lstStyle/>
             <a:p>
               <a:pPr algn="ctr" defTabSz="913765"/>
               <a:endParaRPr lang="zh-CN" altLang="en-US" sz="1865">
@@ -21623,6 +21074,7 @@
           </p:style>
           <p:txBody>
             <a:bodyPr rtlCol="0" anchor="ctr"/>
+            <a:lstStyle/>
             <a:p>
               <a:pPr algn="ctr"/>
               <a:endParaRPr lang="zh-CN" altLang="en-US"/>
@@ -21650,6 +21102,7 @@
           <a:bodyPr wrap="square" rtlCol="0">
             <a:spAutoFit/>
           </a:bodyPr>
+          <a:lstStyle/>
           <a:p>
             <a:r>
               <a:rPr lang="en-US" altLang="zh-CN" sz="2000" dirty="0" err="1">
@@ -21662,14 +21115,6 @@
               </a:rPr>
               <a:t>FoodBallManager</a:t>
             </a:r>
-            <a:endParaRPr lang="en-US" altLang="zh-CN" sz="2000" dirty="0" err="1">
-              <a:solidFill>
-                <a:schemeClr val="bg1"/>
-              </a:solidFill>
-              <a:latin typeface="微软雅黑" panose="020B0503020204020204" charset="-122"/>
-              <a:ea typeface="微软雅黑" panose="020B0503020204020204" charset="-122"/>
-              <a:sym typeface="+mn-ea"/>
-            </a:endParaRPr>
           </a:p>
         </p:txBody>
       </p:sp>
@@ -21693,6 +21138,7 @@
           <a:bodyPr wrap="square" rtlCol="0">
             <a:spAutoFit/>
           </a:bodyPr>
+          <a:lstStyle/>
           <a:p>
             <a:r>
               <a:rPr lang="zh-CN" altLang="en-US" sz="2000" dirty="0">
@@ -21727,180 +21173,9 @@
               </a:rPr>
               <a:t>进行管理</a:t>
             </a:r>
-            <a:endParaRPr lang="zh-CN" altLang="en-US" sz="2000" dirty="0">
-              <a:solidFill>
-                <a:schemeClr val="bg1"/>
-              </a:solidFill>
-              <a:latin typeface="微软雅黑" panose="020B0503020204020204" charset="-122"/>
-              <a:ea typeface="微软雅黑" panose="020B0503020204020204" charset="-122"/>
-              <a:sym typeface="+mn-ea"/>
-            </a:endParaRPr>
           </a:p>
         </p:txBody>
       </p:sp>
-      <p:grpSp>
-        <p:nvGrpSpPr>
-          <p:cNvPr id="57" name="组合 56"/>
-          <p:cNvGrpSpPr/>
-          <p:nvPr/>
-        </p:nvGrpSpPr>
-        <p:grpSpPr>
-          <a:xfrm>
-            <a:off x="7919085" y="4700905"/>
-            <a:ext cx="1447800" cy="1356360"/>
-            <a:chOff x="15702" y="1098"/>
-            <a:chExt cx="2280" cy="2136"/>
-          </a:xfrm>
-        </p:grpSpPr>
-        <p:grpSp>
-          <p:nvGrpSpPr>
-            <p:cNvPr id="53" name="组合 52"/>
-            <p:cNvGrpSpPr/>
-            <p:nvPr/>
-          </p:nvGrpSpPr>
-          <p:grpSpPr>
-            <a:xfrm>
-              <a:off x="15702" y="1098"/>
-              <a:ext cx="2136" cy="2136"/>
-              <a:chOff x="3387" y="4332"/>
-              <a:chExt cx="2136" cy="2136"/>
-            </a:xfrm>
-          </p:grpSpPr>
-          <p:sp>
-            <p:nvSpPr>
-              <p:cNvPr id="54" name="椭圆 53"/>
-              <p:cNvSpPr/>
-              <p:nvPr/>
-            </p:nvSpPr>
-            <p:spPr>
-              <a:xfrm>
-                <a:off x="3387" y="4332"/>
-                <a:ext cx="2137" cy="2137"/>
-              </a:xfrm>
-              <a:prstGeom prst="ellipse">
-                <a:avLst/>
-              </a:prstGeom>
-              <a:noFill/>
-              <a:ln w="53975">
-                <a:solidFill>
-                  <a:schemeClr val="accent3"/>
-                </a:solidFill>
-              </a:ln>
-            </p:spPr>
-            <p:style>
-              <a:lnRef idx="2">
-                <a:schemeClr val="accent1">
-                  <a:shade val="50000"/>
-                </a:schemeClr>
-              </a:lnRef>
-              <a:fillRef idx="1">
-                <a:schemeClr val="accent1"/>
-              </a:fillRef>
-              <a:effectRef idx="0">
-                <a:schemeClr val="accent1"/>
-              </a:effectRef>
-              <a:fontRef idx="minor">
-                <a:schemeClr val="lt1"/>
-              </a:fontRef>
-            </p:style>
-            <p:txBody>
-              <a:bodyPr rtlCol="0" anchor="ctr"/>
-              <a:p>
-                <a:pPr algn="ctr" defTabSz="913765"/>
-                <a:endParaRPr lang="zh-CN" altLang="en-US" sz="1865">
-                  <a:solidFill>
-                    <a:srgbClr val="FFFFFF"/>
-                  </a:solidFill>
-                  <a:latin typeface="Calibri" panose="020F0502020204030204"/>
-                  <a:ea typeface="宋体" panose="02010600030101010101" pitchFamily="2" charset="-122"/>
-                </a:endParaRPr>
-              </a:p>
-            </p:txBody>
-          </p:sp>
-          <p:sp>
-            <p:nvSpPr>
-              <p:cNvPr id="55" name="椭圆 54"/>
-              <p:cNvSpPr/>
-              <p:nvPr/>
-            </p:nvSpPr>
-            <p:spPr>
-              <a:xfrm>
-                <a:off x="3521" y="4455"/>
-                <a:ext cx="1870" cy="1892"/>
-              </a:xfrm>
-              <a:prstGeom prst="ellipse">
-                <a:avLst/>
-              </a:prstGeom>
-            </p:spPr>
-            <p:style>
-              <a:lnRef idx="2">
-                <a:schemeClr val="accent1">
-                  <a:shade val="50000"/>
-                </a:schemeClr>
-              </a:lnRef>
-              <a:fillRef idx="1">
-                <a:schemeClr val="accent1"/>
-              </a:fillRef>
-              <a:effectRef idx="0">
-                <a:schemeClr val="accent1"/>
-              </a:effectRef>
-              <a:fontRef idx="minor">
-                <a:schemeClr val="lt1"/>
-              </a:fontRef>
-            </p:style>
-            <p:txBody>
-              <a:bodyPr rtlCol="0" anchor="ctr"/>
-              <a:p>
-                <a:pPr algn="ctr"/>
-                <a:endParaRPr lang="zh-CN" altLang="en-US"/>
-              </a:p>
-            </p:txBody>
-          </p:sp>
-        </p:grpSp>
-        <p:sp>
-          <p:nvSpPr>
-            <p:cNvPr id="56" name="文本框 55"/>
-            <p:cNvSpPr txBox="1"/>
-            <p:nvPr/>
-          </p:nvSpPr>
-          <p:spPr>
-            <a:xfrm>
-              <a:off x="15836" y="1642"/>
-              <a:ext cx="2147" cy="1113"/>
-            </a:xfrm>
-            <a:prstGeom prst="rect">
-              <a:avLst/>
-            </a:prstGeom>
-            <a:noFill/>
-          </p:spPr>
-          <p:txBody>
-            <a:bodyPr wrap="square" rtlCol="0">
-              <a:spAutoFit/>
-            </a:bodyPr>
-            <a:p>
-              <a:r>
-                <a:rPr lang="en-US" altLang="zh-CN" sz="2000" dirty="0" err="1">
-                  <a:solidFill>
-                    <a:schemeClr val="bg1"/>
-                  </a:solidFill>
-                  <a:latin typeface="微软雅黑" panose="020B0503020204020204" charset="-122"/>
-                  <a:ea typeface="微软雅黑" panose="020B0503020204020204" charset="-122"/>
-                  <a:sym typeface="+mn-ea"/>
-                </a:rPr>
-                <a:t>LocalControler</a:t>
-              </a:r>
-              <a:endParaRPr lang="en-US" altLang="zh-CN" sz="2000" dirty="0" err="1">
-                <a:solidFill>
-                  <a:schemeClr val="bg1"/>
-                </a:solidFill>
-                <a:latin typeface="微软雅黑" panose="020B0503020204020204" charset="-122"/>
-                <a:ea typeface="微软雅黑" panose="020B0503020204020204" charset="-122"/>
-                <a:sym typeface="+mn-ea"/>
-              </a:endParaRPr>
-            </a:p>
-          </p:txBody>
-        </p:sp>
-      </p:grpSp>
       <p:grpSp>
         <p:nvGrpSpPr>
           <p:cNvPr id="59" name="组合 58"/>
@@ -21954,6 +21229,7 @@
           </p:style>
           <p:txBody>
             <a:bodyPr rtlCol="0" anchor="ctr"/>
+            <a:lstStyle/>
             <a:p>
               <a:pPr algn="ctr" defTabSz="913765"/>
               <a:endParaRPr lang="zh-CN" altLang="en-US" sz="1865">
@@ -21999,6 +21275,7 @@
           </p:style>
           <p:txBody>
             <a:bodyPr rtlCol="0" anchor="ctr"/>
+            <a:lstStyle/>
             <a:p>
               <a:pPr algn="ctr"/>
               <a:endParaRPr lang="zh-CN" altLang="en-US"/>
@@ -22026,6 +21303,7 @@
           <a:bodyPr wrap="square" rtlCol="0">
             <a:spAutoFit/>
           </a:bodyPr>
+          <a:lstStyle/>
           <a:p>
             <a:r>
               <a:rPr lang="en-US" altLang="zh-CN" sz="2000" dirty="0" err="1">
@@ -22038,14 +21316,6 @@
               </a:rPr>
               <a:t>ControledBallManager</a:t>
             </a:r>
-            <a:endParaRPr lang="en-US" altLang="zh-CN" sz="2000" dirty="0" err="1">
-              <a:solidFill>
-                <a:schemeClr val="bg1"/>
-              </a:solidFill>
-              <a:latin typeface="微软雅黑" panose="020B0503020204020204" charset="-122"/>
-              <a:ea typeface="微软雅黑" panose="020B0503020204020204" charset="-122"/>
-              <a:sym typeface="+mn-ea"/>
-            </a:endParaRPr>
           </a:p>
         </p:txBody>
       </p:sp>
@@ -22069,6 +21339,7 @@
           <a:bodyPr wrap="square" rtlCol="0">
             <a:spAutoFit/>
           </a:bodyPr>
+          <a:lstStyle/>
           <a:p>
             <a:r>
               <a:rPr lang="zh-CN" altLang="en-US" sz="2000" dirty="0">
@@ -22081,14 +21352,6 @@
               </a:rPr>
               <a:t>直接管理一位玩家操控的所有小球</a:t>
             </a:r>
-            <a:endParaRPr lang="zh-CN" altLang="en-US" sz="2000" dirty="0">
-              <a:solidFill>
-                <a:schemeClr val="bg1"/>
-              </a:solidFill>
-              <a:latin typeface="微软雅黑" panose="020B0503020204020204" charset="-122"/>
-              <a:ea typeface="微软雅黑" panose="020B0503020204020204" charset="-122"/>
-              <a:sym typeface="+mn-ea"/>
-            </a:endParaRPr>
           </a:p>
         </p:txBody>
       </p:sp>
@@ -22127,76 +21390,6 @@
           </a:fontRef>
         </p:style>
       </p:cxnSp>
-      <p:sp>
-        <p:nvSpPr>
-          <p:cNvPr id="65" name="文本框 64"/>
-          <p:cNvSpPr txBox="1"/>
-          <p:nvPr/>
-        </p:nvSpPr>
-        <p:spPr>
-          <a:xfrm>
-            <a:off x="9619615" y="4187190"/>
-            <a:ext cx="2159635" cy="2491740"/>
-          </a:xfrm>
-          <a:prstGeom prst="rect">
-            <a:avLst/>
-          </a:prstGeom>
-          <a:noFill/>
-        </p:spPr>
-        <p:txBody>
-          <a:bodyPr wrap="square" rtlCol="0">
-            <a:spAutoFit/>
-          </a:bodyPr>
-          <a:p>
-            <a:pPr>
-              <a:lnSpc>
-                <a:spcPct val="130000"/>
-              </a:lnSpc>
-            </a:pPr>
-            <a:r>
-              <a:rPr lang="zh-CN" altLang="en-US" sz="2000" dirty="0">
-                <a:solidFill>
-                  <a:schemeClr val="bg1"/>
-                </a:solidFill>
-                <a:latin typeface="微软雅黑" panose="020B0503020204020204" charset="-122"/>
-                <a:ea typeface="微软雅黑" panose="020B0503020204020204" charset="-122"/>
-                <a:sym typeface="+mn-ea"/>
-              </a:rPr>
-              <a:t>直接与玩家进行交互，获取玩家输入，通过</a:t>
-            </a:r>
-            <a:r>
-              <a:rPr lang="en-US" altLang="zh-CN" sz="2000" dirty="0" err="1">
-                <a:solidFill>
-                  <a:schemeClr val="bg1"/>
-                </a:solidFill>
-                <a:latin typeface="微软雅黑" panose="020B0503020204020204" charset="-122"/>
-                <a:ea typeface="微软雅黑" panose="020B0503020204020204" charset="-122"/>
-                <a:sym typeface="+mn-ea"/>
-              </a:rPr>
-              <a:t>ControledBallManager</a:t>
-            </a:r>
-            <a:r>
-              <a:rPr lang="zh-CN" altLang="en-US" sz="2000" dirty="0">
-                <a:solidFill>
-                  <a:schemeClr val="bg1"/>
-                </a:solidFill>
-                <a:latin typeface="微软雅黑" panose="020B0503020204020204" charset="-122"/>
-                <a:ea typeface="微软雅黑" panose="020B0503020204020204" charset="-122"/>
-                <a:sym typeface="+mn-ea"/>
-              </a:rPr>
-              <a:t>操控小球的移动、分裂</a:t>
-            </a:r>
-            <a:endParaRPr lang="zh-CN" altLang="en-US" sz="2000" dirty="0">
-              <a:solidFill>
-                <a:schemeClr val="bg1"/>
-              </a:solidFill>
-              <a:latin typeface="微软雅黑" panose="020B0503020204020204" charset="-122"/>
-              <a:ea typeface="微软雅黑" panose="020B0503020204020204" charset="-122"/>
-              <a:sym typeface="+mn-ea"/>
-            </a:endParaRPr>
-          </a:p>
-        </p:txBody>
-      </p:sp>
       <p:sp>
         <p:nvSpPr>
           <p:cNvPr id="66" name="Freeform 23"/>
@@ -23003,6 +22196,7 @@
         </p:spPr>
         <p:txBody>
           <a:bodyPr vert="horz" wrap="square" lIns="121920" tIns="60960" rIns="121920" bIns="60960" numCol="1" anchor="t" anchorCtr="0" compatLnSpc="1"/>
+          <a:lstStyle/>
           <a:p>
             <a:endParaRPr lang="zh-CN" altLang="en-US" sz="2400" u="sng"/>
           </a:p>
@@ -23013,25 +22207,18 @@
   <p:clrMapOvr>
     <a:masterClrMapping/>
   </p:clrMapOvr>
-  <mc:AlternateContent xmlns:mc="http://schemas.openxmlformats.org/markup-compatibility/2006">
-    <mc:Choice xmlns:p14="http://schemas.microsoft.com/office/powerpoint/2010/main" Requires="p14">
-      <p:transition spd="slow" p14:dur="700">
+  <mc:AlternateContent xmlns:mc="http://schemas.openxmlformats.org/markup-compatibility/2006" xmlns:p14="http://schemas.microsoft.com/office/powerpoint/2010/main">
+    <mc:Choice Requires="p14">
+      <p:transition spd="med" p14:dur="700">
         <p:fade/>
       </p:transition>
     </mc:Choice>
-    <mc:Fallback>
+    <mc:Fallback xmlns="">
       <p:transition spd="slow">
         <p:fade/>
       </p:transition>
     </mc:Fallback>
   </mc:AlternateContent>
-  <p:timing>
-    <p:tnLst>
-      <p:par>
-        <p:cTn id="1" dur="indefinite" restart="never" nodeType="tmRoot"/>
-      </p:par>
-    </p:tnLst>
-  </p:timing>
 </p:sld>
 </file>
 
@@ -23208,6 +22395,7 @@
           <a:bodyPr wrap="square" rtlCol="0">
             <a:spAutoFit/>
           </a:bodyPr>
+          <a:lstStyle/>
           <a:p>
             <a:r>
               <a:rPr lang="zh-CN" altLang="en-US" sz="2800">
@@ -23239,13 +22427,6 @@
               </a:rPr>
               <a:t>设计</a:t>
             </a:r>
-            <a:endParaRPr lang="zh-CN" altLang="zh-CN" sz="2800">
-              <a:solidFill>
-                <a:schemeClr val="bg1"/>
-              </a:solidFill>
-              <a:latin typeface="微软雅黑" panose="020B0503020204020204" charset="-122"/>
-              <a:ea typeface="微软雅黑" panose="020B0503020204020204" charset="-122"/>
-            </a:endParaRPr>
           </a:p>
         </p:txBody>
       </p:sp>
@@ -23287,6 +22468,7 @@
         </p:style>
         <p:txBody>
           <a:bodyPr rtlCol="0" anchor="ctr"/>
+          <a:lstStyle/>
           <a:p>
             <a:pPr algn="ctr"/>
             <a:endParaRPr lang="zh-CN" altLang="en-US"/>
@@ -23302,7 +22484,7 @@
         <p:spPr>
           <a:xfrm>
             <a:off x="1819910" y="2174240"/>
-            <a:ext cx="10871835" cy="2306955"/>
+            <a:ext cx="10871835" cy="2739211"/>
           </a:xfrm>
           <a:prstGeom prst="rect">
             <a:avLst/>
@@ -23313,6 +22495,7 @@
           <a:bodyPr wrap="square" rtlCol="0" anchor="t">
             <a:spAutoFit/>
           </a:bodyPr>
+          <a:lstStyle/>
           <a:p>
             <a:r>
               <a:rPr lang="en-US" altLang="zh-CN" sz="2800" dirty="0">
@@ -23358,14 +22541,6 @@
               </a:rPr>
               <a:t>：</a:t>
             </a:r>
-            <a:endParaRPr lang="zh-CN" altLang="en-US" sz="2800" dirty="0">
-              <a:solidFill>
-                <a:schemeClr val="bg1"/>
-              </a:solidFill>
-              <a:latin typeface="微软雅黑" panose="020B0503020204020204" charset="-122"/>
-              <a:ea typeface="微软雅黑" panose="020B0503020204020204" charset="-122"/>
-              <a:sym typeface="+mn-ea"/>
-            </a:endParaRPr>
           </a:p>
           <a:p>
             <a:r>
@@ -23423,14 +22598,6 @@
               </a:rPr>
               <a:t>库，实现局域网内的信息传递</a:t>
             </a:r>
-            <a:endParaRPr lang="zh-CN" altLang="en-US" sz="2800" dirty="0">
-              <a:solidFill>
-                <a:schemeClr val="bg1"/>
-              </a:solidFill>
-              <a:latin typeface="微软雅黑" panose="020B0503020204020204" charset="-122"/>
-              <a:ea typeface="微软雅黑" panose="020B0503020204020204" charset="-122"/>
-              <a:sym typeface="+mn-ea"/>
-            </a:endParaRPr>
           </a:p>
           <a:p>
             <a:endParaRPr lang="zh-CN" altLang="en-US" sz="3200" dirty="0">
@@ -23452,10 +22619,10 @@
                 <a:ea typeface="微软雅黑" panose="020B0503020204020204" charset="-122"/>
                 <a:sym typeface="+mn-ea"/>
               </a:rPr>
-              <a:t>NetControler</a:t>
+              <a:t>NetData.h</a:t>
             </a:r>
             <a:r>
-              <a:rPr lang="zh-CN" altLang="en-US" sz="2800" dirty="0">
+              <a:rPr lang="en-US" altLang="zh-CN" sz="2800" dirty="0">
                 <a:solidFill>
                   <a:schemeClr val="bg1"/>
                 </a:solidFill>
@@ -23463,16 +22630,8 @@
                 <a:ea typeface="微软雅黑" panose="020B0503020204020204" charset="-122"/>
                 <a:sym typeface="+mn-ea"/>
               </a:rPr>
-              <a:t>：</a:t>
+              <a:t>:</a:t>
             </a:r>
-            <a:endParaRPr lang="zh-CN" altLang="en-US" sz="2800" dirty="0">
-              <a:solidFill>
-                <a:schemeClr val="bg1"/>
-              </a:solidFill>
-              <a:latin typeface="微软雅黑" panose="020B0503020204020204" charset="-122"/>
-              <a:ea typeface="微软雅黑" panose="020B0503020204020204" charset="-122"/>
-              <a:sym typeface="+mn-ea"/>
-            </a:endParaRPr>
           </a:p>
           <a:p>
             <a:r>
@@ -23484,7 +22643,73 @@
                 <a:ea typeface="微软雅黑" panose="020B0503020204020204" charset="-122"/>
                 <a:sym typeface="+mn-ea"/>
               </a:rPr>
-              <a:t>通过网络端发送的指令控制小球的移动和分裂</a:t>
+              <a:t>包含</a:t>
+            </a:r>
+            <a:r>
+              <a:rPr lang="en-US" altLang="zh-CN" sz="2800" dirty="0">
+                <a:solidFill>
+                  <a:schemeClr val="bg1"/>
+                </a:solidFill>
+                <a:latin typeface="微软雅黑" panose="020B0503020204020204" charset="-122"/>
+                <a:ea typeface="微软雅黑" panose="020B0503020204020204" charset="-122"/>
+                <a:sym typeface="+mn-ea"/>
+              </a:rPr>
+              <a:t>Player</a:t>
+            </a:r>
+            <a:r>
+              <a:rPr lang="zh-CN" altLang="en-US" sz="2800" dirty="0">
+                <a:solidFill>
+                  <a:schemeClr val="bg1"/>
+                </a:solidFill>
+                <a:latin typeface="微软雅黑" panose="020B0503020204020204" charset="-122"/>
+                <a:ea typeface="微软雅黑" panose="020B0503020204020204" charset="-122"/>
+                <a:sym typeface="+mn-ea"/>
+              </a:rPr>
+              <a:t>和</a:t>
+            </a:r>
+            <a:r>
+              <a:rPr lang="en-US" altLang="zh-CN" sz="2800" dirty="0" err="1">
+                <a:solidFill>
+                  <a:schemeClr val="bg1"/>
+                </a:solidFill>
+                <a:latin typeface="微软雅黑" panose="020B0503020204020204" charset="-122"/>
+                <a:ea typeface="微软雅黑" panose="020B0503020204020204" charset="-122"/>
+                <a:sym typeface="+mn-ea"/>
+              </a:rPr>
+              <a:t>CommandImformation</a:t>
+            </a:r>
+            <a:r>
+              <a:rPr lang="zh-CN" altLang="en-US" sz="2800" dirty="0">
+                <a:solidFill>
+                  <a:schemeClr val="bg1"/>
+                </a:solidFill>
+                <a:latin typeface="微软雅黑" panose="020B0503020204020204" charset="-122"/>
+                <a:ea typeface="微软雅黑" panose="020B0503020204020204" charset="-122"/>
+                <a:sym typeface="+mn-ea"/>
+              </a:rPr>
+              <a:t>两个</a:t>
+            </a:r>
+            <a:r>
+              <a:rPr lang="en-US" altLang="zh-CN" sz="2800" dirty="0">
+                <a:solidFill>
+                  <a:schemeClr val="bg1"/>
+                </a:solidFill>
+                <a:latin typeface="微软雅黑" panose="020B0503020204020204" charset="-122"/>
+                <a:ea typeface="微软雅黑" panose="020B0503020204020204" charset="-122"/>
+                <a:sym typeface="+mn-ea"/>
+              </a:rPr>
+              <a:t>struct</a:t>
+            </a:r>
+            <a:r>
+              <a:rPr lang="zh-CN" altLang="en-US" sz="2800">
+                <a:solidFill>
+                  <a:schemeClr val="bg1"/>
+                </a:solidFill>
+                <a:latin typeface="微软雅黑" panose="020B0503020204020204" charset="-122"/>
+                <a:ea typeface="微软雅黑" panose="020B0503020204020204" charset="-122"/>
+                <a:sym typeface="+mn-ea"/>
+              </a:rPr>
+              <a:t>，分别用于储存  玩家信息和指令信息结构</a:t>
             </a:r>
             <a:endParaRPr lang="zh-CN" altLang="en-US" sz="2800" dirty="0">
               <a:solidFill>
@@ -23539,6 +22764,7 @@
         </p:style>
         <p:txBody>
           <a:bodyPr rtlCol="0" anchor="ctr"/>
+          <a:lstStyle/>
           <a:p>
             <a:pPr algn="ctr"/>
             <a:endParaRPr lang="zh-CN" altLang="en-US"/>
@@ -23587,6 +22813,7 @@
         </p:style>
         <p:txBody>
           <a:bodyPr rtlCol="0" anchor="ctr"/>
+          <a:lstStyle/>
           <a:p>
             <a:pPr algn="ctr"/>
             <a:endParaRPr lang="zh-CN" altLang="en-US"/>
@@ -23601,13 +22828,6 @@
   <p:transition spd="slow">
     <p:fade/>
   </p:transition>
-  <p:timing>
-    <p:tnLst>
-      <p:par>
-        <p:cTn id="1" dur="indefinite" restart="never" nodeType="tmRoot"/>
-      </p:par>
-    </p:tnLst>
-  </p:timing>
 </p:sld>
 </file>
 
@@ -24969,6 +24189,7 @@
           <a:bodyPr wrap="square" rtlCol="0">
             <a:spAutoFit/>
           </a:bodyPr>
+          <a:lstStyle/>
           <a:p>
             <a:pPr>
               <a:lnSpc>
@@ -25008,14 +24229,6 @@
               </a:rPr>
               <a:t>协议，防止丢包</a:t>
             </a:r>
-            <a:endParaRPr lang="zh-CN" altLang="en-US" sz="2400" dirty="0">
-              <a:solidFill>
-                <a:schemeClr val="bg1"/>
-              </a:solidFill>
-              <a:latin typeface="微软雅黑" panose="020B0503020204020204" charset="-122"/>
-              <a:ea typeface="微软雅黑" panose="020B0503020204020204" charset="-122"/>
-              <a:sym typeface="+mn-ea"/>
-            </a:endParaRPr>
           </a:p>
           <a:p>
             <a:pPr>
@@ -25034,14 +24247,6 @@
               </a:rPr>
               <a:t>采用饿汉单例模式设计</a:t>
             </a:r>
-            <a:endParaRPr lang="zh-CN" altLang="en-US" sz="2400" dirty="0">
-              <a:solidFill>
-                <a:schemeClr val="bg1"/>
-              </a:solidFill>
-              <a:latin typeface="微软雅黑" panose="020B0503020204020204" charset="-122"/>
-              <a:ea typeface="微软雅黑" panose="020B0503020204020204" charset="-122"/>
-              <a:sym typeface="+mn-ea"/>
-            </a:endParaRPr>
           </a:p>
           <a:p>
             <a:pPr>
@@ -25137,14 +24342,6 @@
               </a:rPr>
               <a:t>Socket</a:t>
             </a:r>
-            <a:endParaRPr lang="en-US" altLang="zh-CN" sz="2400" dirty="0">
-              <a:solidFill>
-                <a:schemeClr val="bg1"/>
-              </a:solidFill>
-              <a:latin typeface="微软雅黑" panose="020B0503020204020204" charset="-122"/>
-              <a:ea typeface="微软雅黑" panose="020B0503020204020204" charset="-122"/>
-              <a:sym typeface="+mn-ea"/>
-            </a:endParaRPr>
           </a:p>
           <a:p>
             <a:pPr>
@@ -25163,14 +24360,6 @@
               </a:rPr>
               <a:t>定义了一套简单的指令集进行信息传输</a:t>
             </a:r>
-            <a:endParaRPr lang="zh-CN" altLang="en-US" sz="2400" dirty="0">
-              <a:solidFill>
-                <a:schemeClr val="bg1"/>
-              </a:solidFill>
-              <a:latin typeface="微软雅黑" panose="020B0503020204020204" charset="-122"/>
-              <a:ea typeface="微软雅黑" panose="020B0503020204020204" charset="-122"/>
-              <a:sym typeface="+mn-ea"/>
-            </a:endParaRPr>
           </a:p>
           <a:p>
             <a:pPr>
@@ -25189,14 +24378,6 @@
               </a:rPr>
               <a:t>使用两个通信端口分别进行指令数据传输和聊天信息传输</a:t>
             </a:r>
-            <a:endParaRPr lang="zh-CN" altLang="en-US" sz="2400" dirty="0">
-              <a:solidFill>
-                <a:schemeClr val="bg1"/>
-              </a:solidFill>
-              <a:latin typeface="微软雅黑" panose="020B0503020204020204" charset="-122"/>
-              <a:ea typeface="微软雅黑" panose="020B0503020204020204" charset="-122"/>
-              <a:sym typeface="+mn-ea"/>
-            </a:endParaRPr>
           </a:p>
           <a:p>
             <a:pPr>
@@ -25215,14 +24396,6 @@
               </a:rPr>
               <a:t>在服务端与客户端的连接上采用了异常处理，可以正常关闭服务端的连接函数以及正确处理客户端连接失败后的场景调控。</a:t>
             </a:r>
-            <a:endParaRPr lang="zh-CN" altLang="en-US" sz="2400" dirty="0">
-              <a:solidFill>
-                <a:schemeClr val="bg1"/>
-              </a:solidFill>
-              <a:latin typeface="微软雅黑" panose="020B0503020204020204" charset="-122"/>
-              <a:ea typeface="微软雅黑" panose="020B0503020204020204" charset="-122"/>
-              <a:sym typeface="+mn-ea"/>
-            </a:endParaRPr>
           </a:p>
         </p:txBody>
       </p:sp>
@@ -25259,6 +24432,7 @@
         </p:style>
         <p:txBody>
           <a:bodyPr rtlCol="0" anchor="ctr"/>
+          <a:lstStyle/>
           <a:p>
             <a:pPr algn="ctr"/>
             <a:endParaRPr lang="zh-CN" altLang="en-US"/>
@@ -25298,6 +24472,7 @@
         </p:style>
         <p:txBody>
           <a:bodyPr rtlCol="0" anchor="ctr"/>
+          <a:lstStyle/>
           <a:p>
             <a:pPr algn="ctr"/>
             <a:endParaRPr lang="zh-CN" altLang="en-US"/>
@@ -25337,6 +24512,7 @@
         </p:style>
         <p:txBody>
           <a:bodyPr rtlCol="0" anchor="ctr"/>
+          <a:lstStyle/>
           <a:p>
             <a:pPr algn="ctr"/>
             <a:endParaRPr lang="zh-CN" altLang="en-US"/>
@@ -25376,6 +24552,7 @@
         </p:style>
         <p:txBody>
           <a:bodyPr rtlCol="0" anchor="ctr"/>
+          <a:lstStyle/>
           <a:p>
             <a:pPr algn="ctr"/>
             <a:endParaRPr lang="zh-CN" altLang="en-US"/>
@@ -25415,6 +24592,7 @@
         </p:style>
         <p:txBody>
           <a:bodyPr rtlCol="0" anchor="ctr"/>
+          <a:lstStyle/>
           <a:p>
             <a:pPr algn="ctr"/>
             <a:endParaRPr lang="zh-CN" altLang="en-US"/>
@@ -25454,6 +24632,7 @@
         </p:style>
         <p:txBody>
           <a:bodyPr rtlCol="0" anchor="ctr"/>
+          <a:lstStyle/>
           <a:p>
             <a:pPr algn="ctr"/>
             <a:endParaRPr lang="zh-CN" altLang="en-US"/>
@@ -25465,25 +24644,18 @@
   <p:clrMapOvr>
     <a:masterClrMapping/>
   </p:clrMapOvr>
-  <mc:AlternateContent xmlns:mc="http://schemas.openxmlformats.org/markup-compatibility/2006">
-    <mc:Choice xmlns:p14="http://schemas.microsoft.com/office/powerpoint/2010/main" Requires="p14">
-      <p:transition spd="slow" p14:dur="700">
+  <mc:AlternateContent xmlns:mc="http://schemas.openxmlformats.org/markup-compatibility/2006" xmlns:p14="http://schemas.microsoft.com/office/powerpoint/2010/main">
+    <mc:Choice Requires="p14">
+      <p:transition spd="med" p14:dur="700">
         <p:fade/>
       </p:transition>
     </mc:Choice>
-    <mc:Fallback>
+    <mc:Fallback xmlns="">
       <p:transition spd="slow">
         <p:fade/>
       </p:transition>
     </mc:Fallback>
   </mc:AlternateContent>
-  <p:timing>
-    <p:tnLst>
-      <p:par>
-        <p:cTn id="1" dur="indefinite" restart="never" nodeType="tmRoot"/>
-      </p:par>
-    </p:tnLst>
-  </p:timing>
 </p:sld>
 </file>
 
@@ -25678,6 +24850,8 @@
       </a:bgFillStyleLst>
     </a:fmtScheme>
   </a:themeElements>
+  <a:objectDefaults/>
+  <a:extraClrSchemeLst/>
   <a:extLst>
     <a:ext uri="{05A4C25C-085E-4340-85A3-A5531E510DB2}">
       <thm15:themeFamily xmlns:thm15="http://schemas.microsoft.com/office/thememl/2012/main" name="Office Theme" id="{62F939B6-93AF-4DB8-9C6B-D6C7DFDC589F}" vid="{4A3C46E8-61CC-4603-A589-7422A47A8E4A}"/>
@@ -25937,6 +25111,8 @@
       </a:bgFillStyleLst>
     </a:fmtScheme>
   </a:themeElements>
+  <a:objectDefaults/>
+  <a:extraClrSchemeLst/>
   <a:extLst>
     <a:ext uri="{05A4C25C-085E-4340-85A3-A5531E510DB2}">
       <thm15:themeFamily xmlns:thm15="http://schemas.microsoft.com/office/thememl/2012/main" name="Office Theme" id="{62F939B6-93AF-4DB8-9C6B-D6C7DFDC589F}" vid="{4A3C46E8-61CC-4603-A589-7422A47A8E4A}"/>

--- a/doc/答辩PPT.pptx
+++ b/doc/答辩PPT.pptx
@@ -18,8 +18,8 @@
     <p:sldId id="272" r:id="rId9"/>
     <p:sldId id="271" r:id="rId10"/>
     <p:sldId id="274" r:id="rId11"/>
-    <p:sldId id="275" r:id="rId12"/>
-    <p:sldId id="280" r:id="rId13"/>
+    <p:sldId id="280" r:id="rId12"/>
+    <p:sldId id="275" r:id="rId13"/>
     <p:sldId id="273" r:id="rId14"/>
     <p:sldId id="276" r:id="rId15"/>
     <p:sldId id="266" r:id="rId16"/>
@@ -9592,6 +9592,651 @@
 <file path=ppt/slides/slide11.xml><?xml version="1.0" encoding="utf-8"?>
 <p:sld xmlns:a="http://schemas.openxmlformats.org/drawingml/2006/main" xmlns:r="http://schemas.openxmlformats.org/officeDocument/2006/relationships" xmlns:p="http://schemas.openxmlformats.org/presentationml/2006/main">
   <p:cSld>
+    <p:bg>
+      <p:bgPr>
+        <a:solidFill>
+          <a:schemeClr val="tx1">
+            <a:lumMod val="85000"/>
+            <a:lumOff val="15000"/>
+          </a:schemeClr>
+        </a:solidFill>
+        <a:effectLst/>
+      </p:bgPr>
+    </p:bg>
+    <p:spTree>
+      <p:nvGrpSpPr>
+        <p:cNvPr id="1" name=""/>
+        <p:cNvGrpSpPr/>
+        <p:nvPr/>
+      </p:nvGrpSpPr>
+      <p:grpSpPr>
+        <a:xfrm>
+          <a:off x="0" y="0"/>
+          <a:ext cx="0" cy="0"/>
+          <a:chOff x="0" y="0"/>
+          <a:chExt cx="0" cy="0"/>
+        </a:xfrm>
+      </p:grpSpPr>
+      <p:sp>
+        <p:nvSpPr>
+          <p:cNvPr id="64" name="任意形状 63"/>
+          <p:cNvSpPr/>
+          <p:nvPr/>
+        </p:nvSpPr>
+        <p:spPr>
+          <a:xfrm>
+            <a:off x="-159385" y="234950"/>
+            <a:ext cx="4297680" cy="957580"/>
+          </a:xfrm>
+          <a:custGeom>
+            <a:avLst/>
+            <a:gdLst>
+              <a:gd name="connsiteX0" fmla="*/ 0 w 6893804"/>
+              <a:gd name="connsiteY0" fmla="*/ 0 h 900000"/>
+              <a:gd name="connsiteX1" fmla="*/ 6045131 w 6893804"/>
+              <a:gd name="connsiteY1" fmla="*/ 0 h 900000"/>
+              <a:gd name="connsiteX2" fmla="*/ 6244468 w 6893804"/>
+              <a:gd name="connsiteY2" fmla="*/ 0 h 900000"/>
+              <a:gd name="connsiteX3" fmla="*/ 6893804 w 6893804"/>
+              <a:gd name="connsiteY3" fmla="*/ 0 h 900000"/>
+              <a:gd name="connsiteX4" fmla="*/ 6443804 w 6893804"/>
+              <a:gd name="connsiteY4" fmla="*/ 450000 h 900000"/>
+              <a:gd name="connsiteX5" fmla="*/ 6893804 w 6893804"/>
+              <a:gd name="connsiteY5" fmla="*/ 900000 h 900000"/>
+              <a:gd name="connsiteX6" fmla="*/ 6244468 w 6893804"/>
+              <a:gd name="connsiteY6" fmla="*/ 900000 h 900000"/>
+              <a:gd name="connsiteX7" fmla="*/ 6045131 w 6893804"/>
+              <a:gd name="connsiteY7" fmla="*/ 900000 h 900000"/>
+              <a:gd name="connsiteX8" fmla="*/ 0 w 6893804"/>
+              <a:gd name="connsiteY8" fmla="*/ 900000 h 900000"/>
+            </a:gdLst>
+            <a:ahLst/>
+            <a:cxnLst>
+              <a:cxn ang="0">
+                <a:pos x="connsiteX0" y="connsiteY0"/>
+              </a:cxn>
+              <a:cxn ang="0">
+                <a:pos x="connsiteX1" y="connsiteY1"/>
+              </a:cxn>
+              <a:cxn ang="0">
+                <a:pos x="connsiteX2" y="connsiteY2"/>
+              </a:cxn>
+              <a:cxn ang="0">
+                <a:pos x="connsiteX3" y="connsiteY3"/>
+              </a:cxn>
+              <a:cxn ang="0">
+                <a:pos x="connsiteX4" y="connsiteY4"/>
+              </a:cxn>
+              <a:cxn ang="0">
+                <a:pos x="connsiteX5" y="connsiteY5"/>
+              </a:cxn>
+              <a:cxn ang="0">
+                <a:pos x="connsiteX6" y="connsiteY6"/>
+              </a:cxn>
+              <a:cxn ang="0">
+                <a:pos x="connsiteX7" y="connsiteY7"/>
+              </a:cxn>
+              <a:cxn ang="0">
+                <a:pos x="connsiteX8" y="connsiteY8"/>
+              </a:cxn>
+            </a:cxnLst>
+            <a:rect l="l" t="t" r="r" b="b"/>
+            <a:pathLst>
+              <a:path w="6893804" h="900000">
+                <a:moveTo>
+                  <a:pt x="0" y="0"/>
+                </a:moveTo>
+                <a:lnTo>
+                  <a:pt x="6045131" y="0"/>
+                </a:lnTo>
+                <a:lnTo>
+                  <a:pt x="6244468" y="0"/>
+                </a:lnTo>
+                <a:lnTo>
+                  <a:pt x="6893804" y="0"/>
+                </a:lnTo>
+                <a:lnTo>
+                  <a:pt x="6443804" y="450000"/>
+                </a:lnTo>
+                <a:lnTo>
+                  <a:pt x="6893804" y="900000"/>
+                </a:lnTo>
+                <a:lnTo>
+                  <a:pt x="6244468" y="900000"/>
+                </a:lnTo>
+                <a:lnTo>
+                  <a:pt x="6045131" y="900000"/>
+                </a:lnTo>
+                <a:lnTo>
+                  <a:pt x="0" y="900000"/>
+                </a:lnTo>
+                <a:close/>
+              </a:path>
+            </a:pathLst>
+          </a:custGeom>
+          <a:solidFill>
+            <a:schemeClr val="accent1"/>
+          </a:solidFill>
+          <a:ln>
+            <a:noFill/>
+          </a:ln>
+          <a:effectLst>
+            <a:outerShdw blurRad="50800" dist="76200" dir="2700000" algn="tl" rotWithShape="0">
+              <a:prstClr val="black">
+                <a:alpha val="40000"/>
+              </a:prstClr>
+            </a:outerShdw>
+          </a:effectLst>
+        </p:spPr>
+        <p:style>
+          <a:lnRef idx="1">
+            <a:schemeClr val="accent1"/>
+          </a:lnRef>
+          <a:fillRef idx="3">
+            <a:schemeClr val="accent1"/>
+          </a:fillRef>
+          <a:effectRef idx="2">
+            <a:schemeClr val="accent1"/>
+          </a:effectRef>
+          <a:fontRef idx="minor">
+            <a:schemeClr val="lt1"/>
+          </a:fontRef>
+        </p:style>
+        <p:txBody>
+          <a:bodyPr wrap="square" rtlCol="0" anchor="ctr">
+            <a:noAutofit/>
+          </a:bodyPr>
+          <a:lstStyle/>
+          <a:p>
+            <a:pPr algn="ctr"/>
+            <a:endParaRPr kumimoji="1" lang="zh-CN" altLang="en-US" sz="2400"/>
+          </a:p>
+        </p:txBody>
+      </p:sp>
+      <p:sp>
+        <p:nvSpPr>
+          <p:cNvPr id="2" name="文本框 1"/>
+          <p:cNvSpPr txBox="1"/>
+          <p:nvPr/>
+        </p:nvSpPr>
+        <p:spPr>
+          <a:xfrm>
+            <a:off x="1242060" y="1706880"/>
+            <a:ext cx="10293350" cy="4892675"/>
+          </a:xfrm>
+          <a:prstGeom prst="rect">
+            <a:avLst/>
+          </a:prstGeom>
+          <a:noFill/>
+        </p:spPr>
+        <p:txBody>
+          <a:bodyPr wrap="square" rtlCol="0">
+            <a:spAutoFit/>
+          </a:bodyPr>
+          <a:lstStyle/>
+          <a:p>
+            <a:r>
+              <a:rPr lang="zh-CN" altLang="en-US" sz="3200" dirty="0">
+                <a:solidFill>
+                  <a:schemeClr val="bg1"/>
+                </a:solidFill>
+                <a:latin typeface="微软雅黑" panose="020B0503020204020204" charset="-122"/>
+                <a:ea typeface="微软雅黑" panose="020B0503020204020204" charset="-122"/>
+                <a:sym typeface="+mn-ea"/>
+              </a:rPr>
+              <a:t>对主游戏界面进行调控</a:t>
+            </a:r>
+          </a:p>
+          <a:p>
+            <a:r>
+              <a:rPr lang="en-US" altLang="zh-CN" sz="2800" b="1" dirty="0" err="1">
+                <a:solidFill>
+                  <a:schemeClr val="bg1"/>
+                </a:solidFill>
+                <a:latin typeface="微软雅黑" panose="020B0503020204020204" charset="-122"/>
+                <a:ea typeface="微软雅黑" panose="020B0503020204020204" charset="-122"/>
+                <a:sym typeface="+mn-ea"/>
+              </a:rPr>
+              <a:t>LocalControler</a:t>
+            </a:r>
+            <a:r>
+              <a:rPr lang="en-US" altLang="zh-CN" sz="2800" b="1" dirty="0">
+                <a:solidFill>
+                  <a:schemeClr val="bg1"/>
+                </a:solidFill>
+                <a:latin typeface="微软雅黑" panose="020B0503020204020204" charset="-122"/>
+                <a:ea typeface="微软雅黑" panose="020B0503020204020204" charset="-122"/>
+                <a:sym typeface="+mn-ea"/>
+              </a:rPr>
+              <a:t>: </a:t>
+            </a:r>
+          </a:p>
+          <a:p>
+            <a:r>
+              <a:rPr lang="zh-CN" altLang="en-US" sz="2800" dirty="0">
+                <a:solidFill>
+                  <a:schemeClr val="bg1"/>
+                </a:solidFill>
+                <a:latin typeface="微软雅黑" panose="020B0503020204020204" charset="-122"/>
+                <a:ea typeface="微软雅黑" panose="020B0503020204020204" charset="-122"/>
+                <a:sym typeface="+mn-ea"/>
+              </a:rPr>
+              <a:t>直接与玩家进行交互，获取玩家输入，操控小球的移动、分裂</a:t>
+            </a:r>
+          </a:p>
+          <a:p>
+            <a:r>
+              <a:rPr lang="en-US" altLang="zh-CN" sz="2800" b="1" dirty="0" err="1">
+                <a:solidFill>
+                  <a:schemeClr val="bg1"/>
+                </a:solidFill>
+                <a:latin typeface="微软雅黑" panose="020B0503020204020204" charset="-122"/>
+                <a:ea typeface="微软雅黑" panose="020B0503020204020204" charset="-122"/>
+                <a:sym typeface="+mn-ea"/>
+              </a:rPr>
+              <a:t>NetControler</a:t>
+            </a:r>
+            <a:r>
+              <a:rPr lang="zh-CN" altLang="en-US" sz="2800" b="1" dirty="0">
+                <a:solidFill>
+                  <a:schemeClr val="bg1"/>
+                </a:solidFill>
+                <a:latin typeface="微软雅黑" panose="020B0503020204020204" charset="-122"/>
+                <a:ea typeface="微软雅黑" panose="020B0503020204020204" charset="-122"/>
+                <a:sym typeface="+mn-ea"/>
+              </a:rPr>
+              <a:t>：</a:t>
+            </a:r>
+          </a:p>
+          <a:p>
+            <a:r>
+              <a:rPr lang="zh-CN" altLang="en-US" sz="2800" dirty="0">
+                <a:solidFill>
+                  <a:schemeClr val="bg1"/>
+                </a:solidFill>
+                <a:latin typeface="微软雅黑" panose="020B0503020204020204" charset="-122"/>
+                <a:ea typeface="微软雅黑" panose="020B0503020204020204" charset="-122"/>
+                <a:sym typeface="+mn-ea"/>
+              </a:rPr>
+              <a:t>通过网络端发送的指令控制小球的移动和分裂</a:t>
+            </a:r>
+          </a:p>
+          <a:p>
+            <a:r>
+              <a:rPr lang="en-US" altLang="zh-CN" sz="2800" b="1" dirty="0" err="1">
+                <a:solidFill>
+                  <a:schemeClr val="bg1"/>
+                </a:solidFill>
+                <a:latin typeface="微软雅黑" panose="020B0503020204020204" charset="-122"/>
+                <a:ea typeface="微软雅黑" panose="020B0503020204020204" charset="-122"/>
+                <a:sym typeface="+mn-ea"/>
+              </a:rPr>
+              <a:t>GameControler</a:t>
+            </a:r>
+            <a:r>
+              <a:rPr lang="zh-CN" altLang="en-US" sz="2800" b="1" dirty="0">
+                <a:solidFill>
+                  <a:schemeClr val="bg1"/>
+                </a:solidFill>
+                <a:latin typeface="微软雅黑" panose="020B0503020204020204" charset="-122"/>
+                <a:ea typeface="微软雅黑" panose="020B0503020204020204" charset="-122"/>
+                <a:sym typeface="+mn-ea"/>
+              </a:rPr>
+              <a:t>：</a:t>
+            </a:r>
+          </a:p>
+          <a:p>
+            <a:r>
+              <a:rPr lang="zh-CN" altLang="en-US" sz="2800" dirty="0">
+                <a:solidFill>
+                  <a:schemeClr val="bg1"/>
+                </a:solidFill>
+                <a:latin typeface="微软雅黑" panose="020B0503020204020204" charset="-122"/>
+                <a:ea typeface="微软雅黑" panose="020B0503020204020204" charset="-122"/>
+                <a:sym typeface="+mn-ea"/>
+              </a:rPr>
+              <a:t>游戏主界面的主调控类，统合本地部分与网络部分</a:t>
+            </a:r>
+          </a:p>
+          <a:p>
+            <a:r>
+              <a:rPr lang="zh-CN" altLang="en-US" sz="2800" dirty="0">
+                <a:solidFill>
+                  <a:schemeClr val="bg1"/>
+                </a:solidFill>
+                <a:latin typeface="微软雅黑" panose="020B0503020204020204" charset="-122"/>
+                <a:ea typeface="微软雅黑" panose="020B0503020204020204" charset="-122"/>
+                <a:sym typeface="+mn-ea"/>
+              </a:rPr>
+              <a:t>从</a:t>
+            </a:r>
+            <a:r>
+              <a:rPr lang="en-US" altLang="zh-CN" sz="2800" dirty="0">
+                <a:solidFill>
+                  <a:schemeClr val="bg1"/>
+                </a:solidFill>
+                <a:latin typeface="微软雅黑" panose="020B0503020204020204" charset="-122"/>
+                <a:ea typeface="微软雅黑" panose="020B0503020204020204" charset="-122"/>
+                <a:sym typeface="+mn-ea"/>
+              </a:rPr>
+              <a:t>Server</a:t>
+            </a:r>
+            <a:r>
+              <a:rPr lang="zh-CN" altLang="en-US" sz="2800" dirty="0">
+                <a:solidFill>
+                  <a:schemeClr val="bg1"/>
+                </a:solidFill>
+                <a:latin typeface="微软雅黑" panose="020B0503020204020204" charset="-122"/>
+                <a:ea typeface="微软雅黑" panose="020B0503020204020204" charset="-122"/>
+                <a:sym typeface="+mn-ea"/>
+              </a:rPr>
+              <a:t>或</a:t>
+            </a:r>
+            <a:r>
+              <a:rPr lang="en-US" altLang="zh-CN" sz="2800" dirty="0">
+                <a:solidFill>
+                  <a:schemeClr val="bg1"/>
+                </a:solidFill>
+                <a:latin typeface="微软雅黑" panose="020B0503020204020204" charset="-122"/>
+                <a:ea typeface="微软雅黑" panose="020B0503020204020204" charset="-122"/>
+                <a:sym typeface="+mn-ea"/>
+              </a:rPr>
+              <a:t>Client</a:t>
+            </a:r>
+            <a:r>
+              <a:rPr lang="zh-CN" altLang="en-US" sz="2800" dirty="0">
+                <a:solidFill>
+                  <a:schemeClr val="bg1"/>
+                </a:solidFill>
+                <a:latin typeface="微软雅黑" panose="020B0503020204020204" charset="-122"/>
+                <a:ea typeface="微软雅黑" panose="020B0503020204020204" charset="-122"/>
+                <a:sym typeface="+mn-ea"/>
+              </a:rPr>
+              <a:t>获取指令并处理，同时将本地数据交予</a:t>
+            </a:r>
+            <a:r>
+              <a:rPr lang="en-US" altLang="zh-CN" sz="2800" dirty="0">
+                <a:solidFill>
+                  <a:schemeClr val="bg1"/>
+                </a:solidFill>
+                <a:latin typeface="微软雅黑" panose="020B0503020204020204" charset="-122"/>
+                <a:ea typeface="微软雅黑" panose="020B0503020204020204" charset="-122"/>
+                <a:sym typeface="+mn-ea"/>
+              </a:rPr>
+              <a:t>Server</a:t>
+            </a:r>
+            <a:r>
+              <a:rPr lang="zh-CN" altLang="en-US" sz="2800" dirty="0">
+                <a:solidFill>
+                  <a:schemeClr val="bg1"/>
+                </a:solidFill>
+                <a:latin typeface="微软雅黑" panose="020B0503020204020204" charset="-122"/>
+                <a:ea typeface="微软雅黑" panose="020B0503020204020204" charset="-122"/>
+                <a:sym typeface="+mn-ea"/>
+              </a:rPr>
+              <a:t>或</a:t>
+            </a:r>
+            <a:r>
+              <a:rPr lang="en-US" altLang="zh-CN" sz="2800" dirty="0">
+                <a:solidFill>
+                  <a:schemeClr val="bg1"/>
+                </a:solidFill>
+                <a:latin typeface="微软雅黑" panose="020B0503020204020204" charset="-122"/>
+                <a:ea typeface="微软雅黑" panose="020B0503020204020204" charset="-122"/>
+                <a:sym typeface="+mn-ea"/>
+              </a:rPr>
+              <a:t>Client</a:t>
+            </a:r>
+            <a:r>
+              <a:rPr lang="zh-CN" altLang="en-US" sz="2800" dirty="0">
+                <a:solidFill>
+                  <a:schemeClr val="bg1"/>
+                </a:solidFill>
+                <a:latin typeface="微软雅黑" panose="020B0503020204020204" charset="-122"/>
+                <a:ea typeface="微软雅黑" panose="020B0503020204020204" charset="-122"/>
+                <a:sym typeface="+mn-ea"/>
+              </a:rPr>
+              <a:t>传输</a:t>
+            </a:r>
+          </a:p>
+          <a:p>
+            <a:r>
+              <a:rPr lang="zh-CN" altLang="en-US" sz="2800" dirty="0">
+                <a:solidFill>
+                  <a:schemeClr val="bg1"/>
+                </a:solidFill>
+                <a:latin typeface="微软雅黑" panose="020B0503020204020204" charset="-122"/>
+                <a:ea typeface="微软雅黑" panose="020B0503020204020204" charset="-122"/>
+                <a:sym typeface="+mn-ea"/>
+              </a:rPr>
+              <a:t>实现地图随小球滚动</a:t>
+            </a:r>
+          </a:p>
+          <a:p>
+            <a:r>
+              <a:rPr lang="zh-CN" altLang="en-US" sz="2800" dirty="0">
+                <a:solidFill>
+                  <a:schemeClr val="bg1"/>
+                </a:solidFill>
+                <a:latin typeface="微软雅黑" panose="020B0503020204020204" charset="-122"/>
+                <a:ea typeface="微软雅黑" panose="020B0503020204020204" charset="-122"/>
+                <a:sym typeface="+mn-ea"/>
+              </a:rPr>
+              <a:t>吞噬和生成新球的操作都是在</a:t>
+            </a:r>
+            <a:r>
+              <a:rPr lang="en-US" altLang="zh-CN" sz="2800" dirty="0" err="1">
+                <a:solidFill>
+                  <a:schemeClr val="bg1"/>
+                </a:solidFill>
+                <a:latin typeface="微软雅黑" panose="020B0503020204020204" charset="-122"/>
+                <a:ea typeface="微软雅黑" panose="020B0503020204020204" charset="-122"/>
+                <a:sym typeface="+mn-ea"/>
+              </a:rPr>
+              <a:t>GameControler</a:t>
+            </a:r>
+            <a:r>
+              <a:rPr lang="zh-CN" altLang="en-US" sz="2800" dirty="0">
+                <a:solidFill>
+                  <a:schemeClr val="bg1"/>
+                </a:solidFill>
+                <a:latin typeface="微软雅黑" panose="020B0503020204020204" charset="-122"/>
+                <a:ea typeface="微软雅黑" panose="020B0503020204020204" charset="-122"/>
+                <a:sym typeface="+mn-ea"/>
+              </a:rPr>
+              <a:t>类中进行</a:t>
+            </a:r>
+          </a:p>
+        </p:txBody>
+      </p:sp>
+      <p:sp>
+        <p:nvSpPr>
+          <p:cNvPr id="3" name="文本框 2"/>
+          <p:cNvSpPr txBox="1"/>
+          <p:nvPr/>
+        </p:nvSpPr>
+        <p:spPr>
+          <a:xfrm>
+            <a:off x="330200" y="369570"/>
+            <a:ext cx="3502660" cy="645160"/>
+          </a:xfrm>
+          <a:prstGeom prst="rect">
+            <a:avLst/>
+          </a:prstGeom>
+          <a:noFill/>
+        </p:spPr>
+        <p:txBody>
+          <a:bodyPr wrap="square" rtlCol="0">
+            <a:spAutoFit/>
+          </a:bodyPr>
+          <a:lstStyle/>
+          <a:p>
+            <a:r>
+              <a:rPr lang="en-US" altLang="zh-CN" sz="3600">
+                <a:solidFill>
+                  <a:schemeClr val="bg1"/>
+                </a:solidFill>
+                <a:latin typeface="微软雅黑" panose="020B0503020204020204" charset="-122"/>
+                <a:ea typeface="微软雅黑" panose="020B0503020204020204" charset="-122"/>
+              </a:rPr>
+              <a:t>Controler</a:t>
+            </a:r>
+            <a:r>
+              <a:rPr lang="zh-CN" altLang="en-US" sz="3600">
+                <a:solidFill>
+                  <a:schemeClr val="bg1"/>
+                </a:solidFill>
+                <a:latin typeface="微软雅黑" panose="020B0503020204020204" charset="-122"/>
+                <a:ea typeface="微软雅黑" panose="020B0503020204020204" charset="-122"/>
+              </a:rPr>
+              <a:t>类</a:t>
+            </a:r>
+          </a:p>
+        </p:txBody>
+      </p:sp>
+      <p:sp>
+        <p:nvSpPr>
+          <p:cNvPr id="12" name="椭圆 11"/>
+          <p:cNvSpPr/>
+          <p:nvPr/>
+        </p:nvSpPr>
+        <p:spPr>
+          <a:xfrm>
+            <a:off x="1109345" y="2388235"/>
+            <a:ext cx="132715" cy="132715"/>
+          </a:xfrm>
+          <a:prstGeom prst="ellipse">
+            <a:avLst/>
+          </a:prstGeom>
+        </p:spPr>
+        <p:style>
+          <a:lnRef idx="2">
+            <a:schemeClr val="accent1">
+              <a:shade val="50000"/>
+            </a:schemeClr>
+          </a:lnRef>
+          <a:fillRef idx="1">
+            <a:schemeClr val="accent1"/>
+          </a:fillRef>
+          <a:effectRef idx="0">
+            <a:schemeClr val="accent1"/>
+          </a:effectRef>
+          <a:fontRef idx="minor">
+            <a:schemeClr val="lt1"/>
+          </a:fontRef>
+        </p:style>
+        <p:txBody>
+          <a:bodyPr rtlCol="0" anchor="ctr"/>
+          <a:lstStyle/>
+          <a:p>
+            <a:pPr algn="ctr"/>
+            <a:endParaRPr lang="zh-CN" altLang="en-US"/>
+          </a:p>
+        </p:txBody>
+      </p:sp>
+      <p:sp>
+        <p:nvSpPr>
+          <p:cNvPr id="4" name="椭圆 3"/>
+          <p:cNvSpPr/>
+          <p:nvPr/>
+        </p:nvSpPr>
+        <p:spPr>
+          <a:xfrm>
+            <a:off x="1109345" y="3246120"/>
+            <a:ext cx="132715" cy="132715"/>
+          </a:xfrm>
+          <a:prstGeom prst="ellipse">
+            <a:avLst/>
+          </a:prstGeom>
+        </p:spPr>
+        <p:style>
+          <a:lnRef idx="2">
+            <a:schemeClr val="accent1">
+              <a:shade val="50000"/>
+            </a:schemeClr>
+          </a:lnRef>
+          <a:fillRef idx="1">
+            <a:schemeClr val="accent1"/>
+          </a:fillRef>
+          <a:effectRef idx="0">
+            <a:schemeClr val="accent1"/>
+          </a:effectRef>
+          <a:fontRef idx="minor">
+            <a:schemeClr val="lt1"/>
+          </a:fontRef>
+        </p:style>
+        <p:txBody>
+          <a:bodyPr rtlCol="0" anchor="ctr"/>
+          <a:lstStyle/>
+          <a:p>
+            <a:pPr algn="ctr"/>
+            <a:endParaRPr lang="zh-CN" altLang="en-US"/>
+          </a:p>
+        </p:txBody>
+      </p:sp>
+      <p:sp>
+        <p:nvSpPr>
+          <p:cNvPr id="6" name="椭圆 5"/>
+          <p:cNvSpPr/>
+          <p:nvPr/>
+        </p:nvSpPr>
+        <p:spPr>
+          <a:xfrm>
+            <a:off x="1109345" y="4086860"/>
+            <a:ext cx="132715" cy="132715"/>
+          </a:xfrm>
+          <a:prstGeom prst="ellipse">
+            <a:avLst/>
+          </a:prstGeom>
+        </p:spPr>
+        <p:style>
+          <a:lnRef idx="2">
+            <a:schemeClr val="accent1">
+              <a:shade val="50000"/>
+            </a:schemeClr>
+          </a:lnRef>
+          <a:fillRef idx="1">
+            <a:schemeClr val="accent1"/>
+          </a:fillRef>
+          <a:effectRef idx="0">
+            <a:schemeClr val="accent1"/>
+          </a:effectRef>
+          <a:fontRef idx="minor">
+            <a:schemeClr val="lt1"/>
+          </a:fontRef>
+        </p:style>
+        <p:txBody>
+          <a:bodyPr rtlCol="0" anchor="ctr"/>
+          <a:lstStyle/>
+          <a:p>
+            <a:pPr algn="ctr"/>
+            <a:endParaRPr lang="zh-CN" altLang="en-US"/>
+          </a:p>
+        </p:txBody>
+      </p:sp>
+    </p:spTree>
+  </p:cSld>
+  <p:clrMapOvr>
+    <a:masterClrMapping/>
+  </p:clrMapOvr>
+  <mc:AlternateContent xmlns:mc="http://schemas.openxmlformats.org/markup-compatibility/2006" xmlns:p14="http://schemas.microsoft.com/office/powerpoint/2010/main">
+    <mc:Choice Requires="p14">
+      <p:transition spd="slow" p14:dur="800">
+        <p:fade/>
+      </p:transition>
+    </mc:Choice>
+    <mc:Fallback xmlns="">
+      <p:transition spd="slow">
+        <p:fade/>
+      </p:transition>
+    </mc:Fallback>
+  </mc:AlternateContent>
+</p:sld>
+</file>
+
+<file path=ppt/slides/slide12.xml><?xml version="1.0" encoding="utf-8"?>
+<p:sld xmlns:a="http://schemas.openxmlformats.org/drawingml/2006/main" xmlns:r="http://schemas.openxmlformats.org/officeDocument/2006/relationships" xmlns:p="http://schemas.openxmlformats.org/presentationml/2006/main">
+  <p:cSld>
     <p:spTree>
       <p:nvGrpSpPr>
         <p:cNvPr id="1" name=""/>
@@ -10568,651 +11213,6 @@
   <p:transition spd="slow">
     <p:fade/>
   </p:transition>
-</p:sld>
-</file>
-
-<file path=ppt/slides/slide12.xml><?xml version="1.0" encoding="utf-8"?>
-<p:sld xmlns:a="http://schemas.openxmlformats.org/drawingml/2006/main" xmlns:r="http://schemas.openxmlformats.org/officeDocument/2006/relationships" xmlns:p="http://schemas.openxmlformats.org/presentationml/2006/main">
-  <p:cSld>
-    <p:bg>
-      <p:bgPr>
-        <a:solidFill>
-          <a:schemeClr val="tx1">
-            <a:lumMod val="85000"/>
-            <a:lumOff val="15000"/>
-          </a:schemeClr>
-        </a:solidFill>
-        <a:effectLst/>
-      </p:bgPr>
-    </p:bg>
-    <p:spTree>
-      <p:nvGrpSpPr>
-        <p:cNvPr id="1" name=""/>
-        <p:cNvGrpSpPr/>
-        <p:nvPr/>
-      </p:nvGrpSpPr>
-      <p:grpSpPr>
-        <a:xfrm>
-          <a:off x="0" y="0"/>
-          <a:ext cx="0" cy="0"/>
-          <a:chOff x="0" y="0"/>
-          <a:chExt cx="0" cy="0"/>
-        </a:xfrm>
-      </p:grpSpPr>
-      <p:sp>
-        <p:nvSpPr>
-          <p:cNvPr id="64" name="任意形状 63"/>
-          <p:cNvSpPr/>
-          <p:nvPr/>
-        </p:nvSpPr>
-        <p:spPr>
-          <a:xfrm>
-            <a:off x="-159385" y="234950"/>
-            <a:ext cx="4297680" cy="957580"/>
-          </a:xfrm>
-          <a:custGeom>
-            <a:avLst/>
-            <a:gdLst>
-              <a:gd name="connsiteX0" fmla="*/ 0 w 6893804"/>
-              <a:gd name="connsiteY0" fmla="*/ 0 h 900000"/>
-              <a:gd name="connsiteX1" fmla="*/ 6045131 w 6893804"/>
-              <a:gd name="connsiteY1" fmla="*/ 0 h 900000"/>
-              <a:gd name="connsiteX2" fmla="*/ 6244468 w 6893804"/>
-              <a:gd name="connsiteY2" fmla="*/ 0 h 900000"/>
-              <a:gd name="connsiteX3" fmla="*/ 6893804 w 6893804"/>
-              <a:gd name="connsiteY3" fmla="*/ 0 h 900000"/>
-              <a:gd name="connsiteX4" fmla="*/ 6443804 w 6893804"/>
-              <a:gd name="connsiteY4" fmla="*/ 450000 h 900000"/>
-              <a:gd name="connsiteX5" fmla="*/ 6893804 w 6893804"/>
-              <a:gd name="connsiteY5" fmla="*/ 900000 h 900000"/>
-              <a:gd name="connsiteX6" fmla="*/ 6244468 w 6893804"/>
-              <a:gd name="connsiteY6" fmla="*/ 900000 h 900000"/>
-              <a:gd name="connsiteX7" fmla="*/ 6045131 w 6893804"/>
-              <a:gd name="connsiteY7" fmla="*/ 900000 h 900000"/>
-              <a:gd name="connsiteX8" fmla="*/ 0 w 6893804"/>
-              <a:gd name="connsiteY8" fmla="*/ 900000 h 900000"/>
-            </a:gdLst>
-            <a:ahLst/>
-            <a:cxnLst>
-              <a:cxn ang="0">
-                <a:pos x="connsiteX0" y="connsiteY0"/>
-              </a:cxn>
-              <a:cxn ang="0">
-                <a:pos x="connsiteX1" y="connsiteY1"/>
-              </a:cxn>
-              <a:cxn ang="0">
-                <a:pos x="connsiteX2" y="connsiteY2"/>
-              </a:cxn>
-              <a:cxn ang="0">
-                <a:pos x="connsiteX3" y="connsiteY3"/>
-              </a:cxn>
-              <a:cxn ang="0">
-                <a:pos x="connsiteX4" y="connsiteY4"/>
-              </a:cxn>
-              <a:cxn ang="0">
-                <a:pos x="connsiteX5" y="connsiteY5"/>
-              </a:cxn>
-              <a:cxn ang="0">
-                <a:pos x="connsiteX6" y="connsiteY6"/>
-              </a:cxn>
-              <a:cxn ang="0">
-                <a:pos x="connsiteX7" y="connsiteY7"/>
-              </a:cxn>
-              <a:cxn ang="0">
-                <a:pos x="connsiteX8" y="connsiteY8"/>
-              </a:cxn>
-            </a:cxnLst>
-            <a:rect l="l" t="t" r="r" b="b"/>
-            <a:pathLst>
-              <a:path w="6893804" h="900000">
-                <a:moveTo>
-                  <a:pt x="0" y="0"/>
-                </a:moveTo>
-                <a:lnTo>
-                  <a:pt x="6045131" y="0"/>
-                </a:lnTo>
-                <a:lnTo>
-                  <a:pt x="6244468" y="0"/>
-                </a:lnTo>
-                <a:lnTo>
-                  <a:pt x="6893804" y="0"/>
-                </a:lnTo>
-                <a:lnTo>
-                  <a:pt x="6443804" y="450000"/>
-                </a:lnTo>
-                <a:lnTo>
-                  <a:pt x="6893804" y="900000"/>
-                </a:lnTo>
-                <a:lnTo>
-                  <a:pt x="6244468" y="900000"/>
-                </a:lnTo>
-                <a:lnTo>
-                  <a:pt x="6045131" y="900000"/>
-                </a:lnTo>
-                <a:lnTo>
-                  <a:pt x="0" y="900000"/>
-                </a:lnTo>
-                <a:close/>
-              </a:path>
-            </a:pathLst>
-          </a:custGeom>
-          <a:solidFill>
-            <a:schemeClr val="accent1"/>
-          </a:solidFill>
-          <a:ln>
-            <a:noFill/>
-          </a:ln>
-          <a:effectLst>
-            <a:outerShdw blurRad="50800" dist="76200" dir="2700000" algn="tl" rotWithShape="0">
-              <a:prstClr val="black">
-                <a:alpha val="40000"/>
-              </a:prstClr>
-            </a:outerShdw>
-          </a:effectLst>
-        </p:spPr>
-        <p:style>
-          <a:lnRef idx="1">
-            <a:schemeClr val="accent1"/>
-          </a:lnRef>
-          <a:fillRef idx="3">
-            <a:schemeClr val="accent1"/>
-          </a:fillRef>
-          <a:effectRef idx="2">
-            <a:schemeClr val="accent1"/>
-          </a:effectRef>
-          <a:fontRef idx="minor">
-            <a:schemeClr val="lt1"/>
-          </a:fontRef>
-        </p:style>
-        <p:txBody>
-          <a:bodyPr wrap="square" rtlCol="0" anchor="ctr">
-            <a:noAutofit/>
-          </a:bodyPr>
-          <a:lstStyle/>
-          <a:p>
-            <a:pPr algn="ctr"/>
-            <a:endParaRPr kumimoji="1" lang="zh-CN" altLang="en-US" sz="2400"/>
-          </a:p>
-        </p:txBody>
-      </p:sp>
-      <p:sp>
-        <p:nvSpPr>
-          <p:cNvPr id="2" name="文本框 1"/>
-          <p:cNvSpPr txBox="1"/>
-          <p:nvPr/>
-        </p:nvSpPr>
-        <p:spPr>
-          <a:xfrm>
-            <a:off x="1242060" y="1706880"/>
-            <a:ext cx="10293350" cy="4892675"/>
-          </a:xfrm>
-          <a:prstGeom prst="rect">
-            <a:avLst/>
-          </a:prstGeom>
-          <a:noFill/>
-        </p:spPr>
-        <p:txBody>
-          <a:bodyPr wrap="square" rtlCol="0">
-            <a:spAutoFit/>
-          </a:bodyPr>
-          <a:lstStyle/>
-          <a:p>
-            <a:r>
-              <a:rPr lang="zh-CN" altLang="en-US" sz="3200" dirty="0">
-                <a:solidFill>
-                  <a:schemeClr val="bg1"/>
-                </a:solidFill>
-                <a:latin typeface="微软雅黑" panose="020B0503020204020204" charset="-122"/>
-                <a:ea typeface="微软雅黑" panose="020B0503020204020204" charset="-122"/>
-                <a:sym typeface="+mn-ea"/>
-              </a:rPr>
-              <a:t>对主游戏界面进行调控</a:t>
-            </a:r>
-          </a:p>
-          <a:p>
-            <a:r>
-              <a:rPr lang="en-US" altLang="zh-CN" sz="2800" b="1" dirty="0" err="1">
-                <a:solidFill>
-                  <a:schemeClr val="bg1"/>
-                </a:solidFill>
-                <a:latin typeface="微软雅黑" panose="020B0503020204020204" charset="-122"/>
-                <a:ea typeface="微软雅黑" panose="020B0503020204020204" charset="-122"/>
-                <a:sym typeface="+mn-ea"/>
-              </a:rPr>
-              <a:t>LocalControler</a:t>
-            </a:r>
-            <a:r>
-              <a:rPr lang="en-US" altLang="zh-CN" sz="2800" b="1" dirty="0">
-                <a:solidFill>
-                  <a:schemeClr val="bg1"/>
-                </a:solidFill>
-                <a:latin typeface="微软雅黑" panose="020B0503020204020204" charset="-122"/>
-                <a:ea typeface="微软雅黑" panose="020B0503020204020204" charset="-122"/>
-                <a:sym typeface="+mn-ea"/>
-              </a:rPr>
-              <a:t>: </a:t>
-            </a:r>
-          </a:p>
-          <a:p>
-            <a:r>
-              <a:rPr lang="zh-CN" altLang="en-US" sz="2800" dirty="0">
-                <a:solidFill>
-                  <a:schemeClr val="bg1"/>
-                </a:solidFill>
-                <a:latin typeface="微软雅黑" panose="020B0503020204020204" charset="-122"/>
-                <a:ea typeface="微软雅黑" panose="020B0503020204020204" charset="-122"/>
-                <a:sym typeface="+mn-ea"/>
-              </a:rPr>
-              <a:t>直接与玩家进行交互，获取玩家输入，操控小球的移动、分裂</a:t>
-            </a:r>
-          </a:p>
-          <a:p>
-            <a:r>
-              <a:rPr lang="en-US" altLang="zh-CN" sz="2800" b="1" dirty="0" err="1">
-                <a:solidFill>
-                  <a:schemeClr val="bg1"/>
-                </a:solidFill>
-                <a:latin typeface="微软雅黑" panose="020B0503020204020204" charset="-122"/>
-                <a:ea typeface="微软雅黑" panose="020B0503020204020204" charset="-122"/>
-                <a:sym typeface="+mn-ea"/>
-              </a:rPr>
-              <a:t>NetControler</a:t>
-            </a:r>
-            <a:r>
-              <a:rPr lang="zh-CN" altLang="en-US" sz="2800" b="1" dirty="0">
-                <a:solidFill>
-                  <a:schemeClr val="bg1"/>
-                </a:solidFill>
-                <a:latin typeface="微软雅黑" panose="020B0503020204020204" charset="-122"/>
-                <a:ea typeface="微软雅黑" panose="020B0503020204020204" charset="-122"/>
-                <a:sym typeface="+mn-ea"/>
-              </a:rPr>
-              <a:t>：</a:t>
-            </a:r>
-          </a:p>
-          <a:p>
-            <a:r>
-              <a:rPr lang="zh-CN" altLang="en-US" sz="2800" dirty="0">
-                <a:solidFill>
-                  <a:schemeClr val="bg1"/>
-                </a:solidFill>
-                <a:latin typeface="微软雅黑" panose="020B0503020204020204" charset="-122"/>
-                <a:ea typeface="微软雅黑" panose="020B0503020204020204" charset="-122"/>
-                <a:sym typeface="+mn-ea"/>
-              </a:rPr>
-              <a:t>通过网络端发送的指令控制小球的移动和分裂</a:t>
-            </a:r>
-          </a:p>
-          <a:p>
-            <a:r>
-              <a:rPr lang="en-US" altLang="zh-CN" sz="2800" b="1" dirty="0" err="1">
-                <a:solidFill>
-                  <a:schemeClr val="bg1"/>
-                </a:solidFill>
-                <a:latin typeface="微软雅黑" panose="020B0503020204020204" charset="-122"/>
-                <a:ea typeface="微软雅黑" panose="020B0503020204020204" charset="-122"/>
-                <a:sym typeface="+mn-ea"/>
-              </a:rPr>
-              <a:t>GameControler</a:t>
-            </a:r>
-            <a:r>
-              <a:rPr lang="zh-CN" altLang="en-US" sz="2800" b="1" dirty="0">
-                <a:solidFill>
-                  <a:schemeClr val="bg1"/>
-                </a:solidFill>
-                <a:latin typeface="微软雅黑" panose="020B0503020204020204" charset="-122"/>
-                <a:ea typeface="微软雅黑" panose="020B0503020204020204" charset="-122"/>
-                <a:sym typeface="+mn-ea"/>
-              </a:rPr>
-              <a:t>：</a:t>
-            </a:r>
-          </a:p>
-          <a:p>
-            <a:r>
-              <a:rPr lang="zh-CN" altLang="en-US" sz="2800" dirty="0">
-                <a:solidFill>
-                  <a:schemeClr val="bg1"/>
-                </a:solidFill>
-                <a:latin typeface="微软雅黑" panose="020B0503020204020204" charset="-122"/>
-                <a:ea typeface="微软雅黑" panose="020B0503020204020204" charset="-122"/>
-                <a:sym typeface="+mn-ea"/>
-              </a:rPr>
-              <a:t>游戏主界面的主调控类，统合本地部分与网络部分</a:t>
-            </a:r>
-          </a:p>
-          <a:p>
-            <a:r>
-              <a:rPr lang="zh-CN" altLang="en-US" sz="2800" dirty="0">
-                <a:solidFill>
-                  <a:schemeClr val="bg1"/>
-                </a:solidFill>
-                <a:latin typeface="微软雅黑" panose="020B0503020204020204" charset="-122"/>
-                <a:ea typeface="微软雅黑" panose="020B0503020204020204" charset="-122"/>
-                <a:sym typeface="+mn-ea"/>
-              </a:rPr>
-              <a:t>从</a:t>
-            </a:r>
-            <a:r>
-              <a:rPr lang="en-US" altLang="zh-CN" sz="2800" dirty="0">
-                <a:solidFill>
-                  <a:schemeClr val="bg1"/>
-                </a:solidFill>
-                <a:latin typeface="微软雅黑" panose="020B0503020204020204" charset="-122"/>
-                <a:ea typeface="微软雅黑" panose="020B0503020204020204" charset="-122"/>
-                <a:sym typeface="+mn-ea"/>
-              </a:rPr>
-              <a:t>Server</a:t>
-            </a:r>
-            <a:r>
-              <a:rPr lang="zh-CN" altLang="en-US" sz="2800" dirty="0">
-                <a:solidFill>
-                  <a:schemeClr val="bg1"/>
-                </a:solidFill>
-                <a:latin typeface="微软雅黑" panose="020B0503020204020204" charset="-122"/>
-                <a:ea typeface="微软雅黑" panose="020B0503020204020204" charset="-122"/>
-                <a:sym typeface="+mn-ea"/>
-              </a:rPr>
-              <a:t>或</a:t>
-            </a:r>
-            <a:r>
-              <a:rPr lang="en-US" altLang="zh-CN" sz="2800" dirty="0">
-                <a:solidFill>
-                  <a:schemeClr val="bg1"/>
-                </a:solidFill>
-                <a:latin typeface="微软雅黑" panose="020B0503020204020204" charset="-122"/>
-                <a:ea typeface="微软雅黑" panose="020B0503020204020204" charset="-122"/>
-                <a:sym typeface="+mn-ea"/>
-              </a:rPr>
-              <a:t>Client</a:t>
-            </a:r>
-            <a:r>
-              <a:rPr lang="zh-CN" altLang="en-US" sz="2800" dirty="0">
-                <a:solidFill>
-                  <a:schemeClr val="bg1"/>
-                </a:solidFill>
-                <a:latin typeface="微软雅黑" panose="020B0503020204020204" charset="-122"/>
-                <a:ea typeface="微软雅黑" panose="020B0503020204020204" charset="-122"/>
-                <a:sym typeface="+mn-ea"/>
-              </a:rPr>
-              <a:t>获取指令并处理，同时将本地数据交予</a:t>
-            </a:r>
-            <a:r>
-              <a:rPr lang="en-US" altLang="zh-CN" sz="2800" dirty="0">
-                <a:solidFill>
-                  <a:schemeClr val="bg1"/>
-                </a:solidFill>
-                <a:latin typeface="微软雅黑" panose="020B0503020204020204" charset="-122"/>
-                <a:ea typeface="微软雅黑" panose="020B0503020204020204" charset="-122"/>
-                <a:sym typeface="+mn-ea"/>
-              </a:rPr>
-              <a:t>Server</a:t>
-            </a:r>
-            <a:r>
-              <a:rPr lang="zh-CN" altLang="en-US" sz="2800" dirty="0">
-                <a:solidFill>
-                  <a:schemeClr val="bg1"/>
-                </a:solidFill>
-                <a:latin typeface="微软雅黑" panose="020B0503020204020204" charset="-122"/>
-                <a:ea typeface="微软雅黑" panose="020B0503020204020204" charset="-122"/>
-                <a:sym typeface="+mn-ea"/>
-              </a:rPr>
-              <a:t>或</a:t>
-            </a:r>
-            <a:r>
-              <a:rPr lang="en-US" altLang="zh-CN" sz="2800" dirty="0">
-                <a:solidFill>
-                  <a:schemeClr val="bg1"/>
-                </a:solidFill>
-                <a:latin typeface="微软雅黑" panose="020B0503020204020204" charset="-122"/>
-                <a:ea typeface="微软雅黑" panose="020B0503020204020204" charset="-122"/>
-                <a:sym typeface="+mn-ea"/>
-              </a:rPr>
-              <a:t>Client</a:t>
-            </a:r>
-            <a:r>
-              <a:rPr lang="zh-CN" altLang="en-US" sz="2800" dirty="0">
-                <a:solidFill>
-                  <a:schemeClr val="bg1"/>
-                </a:solidFill>
-                <a:latin typeface="微软雅黑" panose="020B0503020204020204" charset="-122"/>
-                <a:ea typeface="微软雅黑" panose="020B0503020204020204" charset="-122"/>
-                <a:sym typeface="+mn-ea"/>
-              </a:rPr>
-              <a:t>传输</a:t>
-            </a:r>
-          </a:p>
-          <a:p>
-            <a:r>
-              <a:rPr lang="zh-CN" altLang="en-US" sz="2800" dirty="0">
-                <a:solidFill>
-                  <a:schemeClr val="bg1"/>
-                </a:solidFill>
-                <a:latin typeface="微软雅黑" panose="020B0503020204020204" charset="-122"/>
-                <a:ea typeface="微软雅黑" panose="020B0503020204020204" charset="-122"/>
-                <a:sym typeface="+mn-ea"/>
-              </a:rPr>
-              <a:t>实现地图随小球滚动</a:t>
-            </a:r>
-          </a:p>
-          <a:p>
-            <a:r>
-              <a:rPr lang="zh-CN" altLang="en-US" sz="2800" dirty="0">
-                <a:solidFill>
-                  <a:schemeClr val="bg1"/>
-                </a:solidFill>
-                <a:latin typeface="微软雅黑" panose="020B0503020204020204" charset="-122"/>
-                <a:ea typeface="微软雅黑" panose="020B0503020204020204" charset="-122"/>
-                <a:sym typeface="+mn-ea"/>
-              </a:rPr>
-              <a:t>吞噬和生成新球的操作都是在</a:t>
-            </a:r>
-            <a:r>
-              <a:rPr lang="en-US" altLang="zh-CN" sz="2800" dirty="0" err="1">
-                <a:solidFill>
-                  <a:schemeClr val="bg1"/>
-                </a:solidFill>
-                <a:latin typeface="微软雅黑" panose="020B0503020204020204" charset="-122"/>
-                <a:ea typeface="微软雅黑" panose="020B0503020204020204" charset="-122"/>
-                <a:sym typeface="+mn-ea"/>
-              </a:rPr>
-              <a:t>GameControler</a:t>
-            </a:r>
-            <a:r>
-              <a:rPr lang="zh-CN" altLang="en-US" sz="2800" dirty="0">
-                <a:solidFill>
-                  <a:schemeClr val="bg1"/>
-                </a:solidFill>
-                <a:latin typeface="微软雅黑" panose="020B0503020204020204" charset="-122"/>
-                <a:ea typeface="微软雅黑" panose="020B0503020204020204" charset="-122"/>
-                <a:sym typeface="+mn-ea"/>
-              </a:rPr>
-              <a:t>类中进行</a:t>
-            </a:r>
-          </a:p>
-        </p:txBody>
-      </p:sp>
-      <p:sp>
-        <p:nvSpPr>
-          <p:cNvPr id="3" name="文本框 2"/>
-          <p:cNvSpPr txBox="1"/>
-          <p:nvPr/>
-        </p:nvSpPr>
-        <p:spPr>
-          <a:xfrm>
-            <a:off x="330200" y="369570"/>
-            <a:ext cx="3502660" cy="645160"/>
-          </a:xfrm>
-          <a:prstGeom prst="rect">
-            <a:avLst/>
-          </a:prstGeom>
-          <a:noFill/>
-        </p:spPr>
-        <p:txBody>
-          <a:bodyPr wrap="square" rtlCol="0">
-            <a:spAutoFit/>
-          </a:bodyPr>
-          <a:lstStyle/>
-          <a:p>
-            <a:r>
-              <a:rPr lang="en-US" altLang="zh-CN" sz="3600">
-                <a:solidFill>
-                  <a:schemeClr val="bg1"/>
-                </a:solidFill>
-                <a:latin typeface="微软雅黑" panose="020B0503020204020204" charset="-122"/>
-                <a:ea typeface="微软雅黑" panose="020B0503020204020204" charset="-122"/>
-              </a:rPr>
-              <a:t>Controler</a:t>
-            </a:r>
-            <a:r>
-              <a:rPr lang="zh-CN" altLang="en-US" sz="3600">
-                <a:solidFill>
-                  <a:schemeClr val="bg1"/>
-                </a:solidFill>
-                <a:latin typeface="微软雅黑" panose="020B0503020204020204" charset="-122"/>
-                <a:ea typeface="微软雅黑" panose="020B0503020204020204" charset="-122"/>
-              </a:rPr>
-              <a:t>类</a:t>
-            </a:r>
-          </a:p>
-        </p:txBody>
-      </p:sp>
-      <p:sp>
-        <p:nvSpPr>
-          <p:cNvPr id="12" name="椭圆 11"/>
-          <p:cNvSpPr/>
-          <p:nvPr/>
-        </p:nvSpPr>
-        <p:spPr>
-          <a:xfrm>
-            <a:off x="1109345" y="2388235"/>
-            <a:ext cx="132715" cy="132715"/>
-          </a:xfrm>
-          <a:prstGeom prst="ellipse">
-            <a:avLst/>
-          </a:prstGeom>
-        </p:spPr>
-        <p:style>
-          <a:lnRef idx="2">
-            <a:schemeClr val="accent1">
-              <a:shade val="50000"/>
-            </a:schemeClr>
-          </a:lnRef>
-          <a:fillRef idx="1">
-            <a:schemeClr val="accent1"/>
-          </a:fillRef>
-          <a:effectRef idx="0">
-            <a:schemeClr val="accent1"/>
-          </a:effectRef>
-          <a:fontRef idx="minor">
-            <a:schemeClr val="lt1"/>
-          </a:fontRef>
-        </p:style>
-        <p:txBody>
-          <a:bodyPr rtlCol="0" anchor="ctr"/>
-          <a:lstStyle/>
-          <a:p>
-            <a:pPr algn="ctr"/>
-            <a:endParaRPr lang="zh-CN" altLang="en-US"/>
-          </a:p>
-        </p:txBody>
-      </p:sp>
-      <p:sp>
-        <p:nvSpPr>
-          <p:cNvPr id="4" name="椭圆 3"/>
-          <p:cNvSpPr/>
-          <p:nvPr/>
-        </p:nvSpPr>
-        <p:spPr>
-          <a:xfrm>
-            <a:off x="1109345" y="3246120"/>
-            <a:ext cx="132715" cy="132715"/>
-          </a:xfrm>
-          <a:prstGeom prst="ellipse">
-            <a:avLst/>
-          </a:prstGeom>
-        </p:spPr>
-        <p:style>
-          <a:lnRef idx="2">
-            <a:schemeClr val="accent1">
-              <a:shade val="50000"/>
-            </a:schemeClr>
-          </a:lnRef>
-          <a:fillRef idx="1">
-            <a:schemeClr val="accent1"/>
-          </a:fillRef>
-          <a:effectRef idx="0">
-            <a:schemeClr val="accent1"/>
-          </a:effectRef>
-          <a:fontRef idx="minor">
-            <a:schemeClr val="lt1"/>
-          </a:fontRef>
-        </p:style>
-        <p:txBody>
-          <a:bodyPr rtlCol="0" anchor="ctr"/>
-          <a:lstStyle/>
-          <a:p>
-            <a:pPr algn="ctr"/>
-            <a:endParaRPr lang="zh-CN" altLang="en-US"/>
-          </a:p>
-        </p:txBody>
-      </p:sp>
-      <p:sp>
-        <p:nvSpPr>
-          <p:cNvPr id="6" name="椭圆 5"/>
-          <p:cNvSpPr/>
-          <p:nvPr/>
-        </p:nvSpPr>
-        <p:spPr>
-          <a:xfrm>
-            <a:off x="1109345" y="4086860"/>
-            <a:ext cx="132715" cy="132715"/>
-          </a:xfrm>
-          <a:prstGeom prst="ellipse">
-            <a:avLst/>
-          </a:prstGeom>
-        </p:spPr>
-        <p:style>
-          <a:lnRef idx="2">
-            <a:schemeClr val="accent1">
-              <a:shade val="50000"/>
-            </a:schemeClr>
-          </a:lnRef>
-          <a:fillRef idx="1">
-            <a:schemeClr val="accent1"/>
-          </a:fillRef>
-          <a:effectRef idx="0">
-            <a:schemeClr val="accent1"/>
-          </a:effectRef>
-          <a:fontRef idx="minor">
-            <a:schemeClr val="lt1"/>
-          </a:fontRef>
-        </p:style>
-        <p:txBody>
-          <a:bodyPr rtlCol="0" anchor="ctr"/>
-          <a:lstStyle/>
-          <a:p>
-            <a:pPr algn="ctr"/>
-            <a:endParaRPr lang="zh-CN" altLang="en-US"/>
-          </a:p>
-        </p:txBody>
-      </p:sp>
-    </p:spTree>
-  </p:cSld>
-  <p:clrMapOvr>
-    <a:masterClrMapping/>
-  </p:clrMapOvr>
-  <mc:AlternateContent xmlns:mc="http://schemas.openxmlformats.org/markup-compatibility/2006" xmlns:p14="http://schemas.microsoft.com/office/powerpoint/2010/main">
-    <mc:Choice Requires="p14">
-      <p:transition spd="slow" p14:dur="800">
-        <p:fade/>
-      </p:transition>
-    </mc:Choice>
-    <mc:Fallback xmlns="">
-      <p:transition spd="slow">
-        <p:fade/>
-      </p:transition>
-    </mc:Fallback>
-  </mc:AlternateContent>
 </p:sld>
 </file>
 

--- a/doc/答辩PPT.pptx
+++ b/doc/答辩PPT.pptx
@@ -4587,7 +4587,7 @@
           <a:p>
             <a:fld id="{DC6A92C0-FDED-9A46-AC7D-39DF6767893A}" type="datetimeFigureOut">
               <a:rPr kumimoji="1" lang="zh-CN" altLang="en-US" smtClean="0"/>
-              <a:t>2018/6/26</a:t>
+              <a:t>2018/6/28</a:t>
             </a:fld>
             <a:endParaRPr kumimoji="1" lang="zh-CN" altLang="en-US"/>
           </a:p>
@@ -12361,7 +12361,7 @@
         <p:spPr>
           <a:xfrm>
             <a:off x="1286510" y="2493645"/>
-            <a:ext cx="10027920" cy="1296670"/>
+            <a:ext cx="10027920" cy="630237"/>
           </a:xfrm>
           <a:prstGeom prst="rect">
             <a:avLst/>
@@ -12391,68 +12391,6 @@
               <a:t>服务端和客户端采用单例模式中的饿汉模式</a:t>
             </a:r>
           </a:p>
-          <a:p>
-            <a:pPr>
-              <a:lnSpc>
-                <a:spcPct val="140000"/>
-              </a:lnSpc>
-            </a:pPr>
-            <a:r>
-              <a:rPr lang="zh-CN" altLang="en-US" sz="2800" dirty="0">
-                <a:solidFill>
-                  <a:schemeClr val="bg1"/>
-                </a:solidFill>
-                <a:latin typeface="微软雅黑" panose="020B0503020204020204" charset="-122"/>
-                <a:ea typeface="微软雅黑" panose="020B0503020204020204" charset="-122"/>
-                <a:sym typeface="+mn-ea"/>
-              </a:rPr>
-              <a:t>其余所有类按</a:t>
-            </a:r>
-            <a:r>
-              <a:rPr lang="en-US" altLang="zh-CN" sz="2800" dirty="0">
-                <a:solidFill>
-                  <a:schemeClr val="bg1"/>
-                </a:solidFill>
-                <a:latin typeface="微软雅黑" panose="020B0503020204020204" charset="-122"/>
-                <a:ea typeface="微软雅黑" panose="020B0503020204020204" charset="-122"/>
-                <a:sym typeface="+mn-ea"/>
-              </a:rPr>
-              <a:t>cocos2dx</a:t>
-            </a:r>
-            <a:r>
-              <a:rPr lang="zh-CN" altLang="en-US" sz="2800" dirty="0">
-                <a:solidFill>
-                  <a:schemeClr val="bg1"/>
-                </a:solidFill>
-                <a:latin typeface="微软雅黑" panose="020B0503020204020204" charset="-122"/>
-                <a:ea typeface="微软雅黑" panose="020B0503020204020204" charset="-122"/>
-                <a:sym typeface="+mn-ea"/>
-              </a:rPr>
-              <a:t>中的</a:t>
-            </a:r>
-            <a:r>
-              <a:rPr lang="en-US" altLang="zh-CN" sz="2800" dirty="0">
-                <a:solidFill>
-                  <a:schemeClr val="bg1"/>
-                </a:solidFill>
-                <a:latin typeface="微软雅黑" panose="020B0503020204020204" charset="-122"/>
-                <a:ea typeface="微软雅黑" panose="020B0503020204020204" charset="-122"/>
-                <a:sym typeface="+mn-ea"/>
-              </a:rPr>
-              <a:t>Class</a:t>
-            </a:r>
-            <a:r>
-              <a:rPr lang="zh-CN" altLang="en-US" sz="2800" dirty="0">
-                <a:solidFill>
-                  <a:schemeClr val="bg1"/>
-                </a:solidFill>
-                <a:latin typeface="微软雅黑" panose="020B0503020204020204" charset="-122"/>
-                <a:ea typeface="微软雅黑" panose="020B0503020204020204" charset="-122"/>
-                <a:sym typeface="+mn-ea"/>
-              </a:rPr>
-              <a:t>写法采用工厂模式进行生成</a:t>
-            </a:r>
-          </a:p>
         </p:txBody>
       </p:sp>
       <p:sp>
@@ -12464,46 +12402,6 @@
         <p:spPr>
           <a:xfrm>
             <a:off x="974090" y="2785110"/>
-            <a:ext cx="132715" cy="132715"/>
-          </a:xfrm>
-          <a:prstGeom prst="ellipse">
-            <a:avLst/>
-          </a:prstGeom>
-        </p:spPr>
-        <p:style>
-          <a:lnRef idx="2">
-            <a:schemeClr val="accent1">
-              <a:shade val="50000"/>
-            </a:schemeClr>
-          </a:lnRef>
-          <a:fillRef idx="1">
-            <a:schemeClr val="accent1"/>
-          </a:fillRef>
-          <a:effectRef idx="0">
-            <a:schemeClr val="accent1"/>
-          </a:effectRef>
-          <a:fontRef idx="minor">
-            <a:schemeClr val="lt1"/>
-          </a:fontRef>
-        </p:style>
-        <p:txBody>
-          <a:bodyPr rtlCol="0" anchor="ctr"/>
-          <a:lstStyle/>
-          <a:p>
-            <a:pPr algn="ctr"/>
-            <a:endParaRPr lang="zh-CN" altLang="en-US"/>
-          </a:p>
-        </p:txBody>
-      </p:sp>
-      <p:sp>
-        <p:nvSpPr>
-          <p:cNvPr id="12" name="椭圆 11"/>
-          <p:cNvSpPr/>
-          <p:nvPr/>
-        </p:nvSpPr>
-        <p:spPr>
-          <a:xfrm>
-            <a:off x="974090" y="3494405"/>
             <a:ext cx="132715" cy="132715"/>
           </a:xfrm>
           <a:prstGeom prst="ellipse">
@@ -18661,92 +18559,6 @@
       </p:sp>
       <p:sp>
         <p:nvSpPr>
-          <p:cNvPr id="13" name="椭圆 12"/>
-          <p:cNvSpPr/>
-          <p:nvPr/>
-        </p:nvSpPr>
-        <p:spPr>
-          <a:xfrm>
-            <a:off x="6373495" y="4140200"/>
-            <a:ext cx="125095" cy="116205"/>
-          </a:xfrm>
-          <a:prstGeom prst="ellipse">
-            <a:avLst/>
-          </a:prstGeom>
-          <a:ln>
-            <a:noFill/>
-          </a:ln>
-        </p:spPr>
-        <p:style>
-          <a:lnRef idx="2">
-            <a:schemeClr val="accent1">
-              <a:shade val="50000"/>
-            </a:schemeClr>
-          </a:lnRef>
-          <a:fillRef idx="1">
-            <a:schemeClr val="accent1"/>
-          </a:fillRef>
-          <a:effectRef idx="0">
-            <a:schemeClr val="accent1"/>
-          </a:effectRef>
-          <a:fontRef idx="minor">
-            <a:schemeClr val="lt1"/>
-          </a:fontRef>
-        </p:style>
-        <p:txBody>
-          <a:bodyPr rtlCol="0" anchor="ctr"/>
-          <a:lstStyle/>
-          <a:p>
-            <a:pPr algn="ctr"/>
-            <a:endParaRPr lang="zh-CN" altLang="en-US"/>
-          </a:p>
-        </p:txBody>
-      </p:sp>
-      <p:sp>
-        <p:nvSpPr>
-          <p:cNvPr id="14" name="椭圆 13"/>
-          <p:cNvSpPr/>
-          <p:nvPr/>
-        </p:nvSpPr>
-        <p:spPr>
-          <a:xfrm>
-            <a:off x="6373495" y="4622165"/>
-            <a:ext cx="125095" cy="116205"/>
-          </a:xfrm>
-          <a:prstGeom prst="ellipse">
-            <a:avLst/>
-          </a:prstGeom>
-          <a:ln>
-            <a:noFill/>
-          </a:ln>
-        </p:spPr>
-        <p:style>
-          <a:lnRef idx="2">
-            <a:schemeClr val="accent1">
-              <a:shade val="50000"/>
-            </a:schemeClr>
-          </a:lnRef>
-          <a:fillRef idx="1">
-            <a:schemeClr val="accent1"/>
-          </a:fillRef>
-          <a:effectRef idx="0">
-            <a:schemeClr val="accent1"/>
-          </a:effectRef>
-          <a:fontRef idx="minor">
-            <a:schemeClr val="lt1"/>
-          </a:fontRef>
-        </p:style>
-        <p:txBody>
-          <a:bodyPr rtlCol="0" anchor="ctr"/>
-          <a:lstStyle/>
-          <a:p>
-            <a:pPr algn="ctr"/>
-            <a:endParaRPr lang="zh-CN" altLang="en-US"/>
-          </a:p>
-        </p:txBody>
-      </p:sp>
-      <p:sp>
-        <p:nvSpPr>
           <p:cNvPr id="15" name="椭圆 14"/>
           <p:cNvSpPr/>
           <p:nvPr/>
@@ -19225,7 +19037,7 @@
         <p:spPr>
           <a:xfrm>
             <a:off x="6842196" y="2107323"/>
-            <a:ext cx="4346791" cy="4837430"/>
+            <a:ext cx="4346791" cy="4254498"/>
           </a:xfrm>
           <a:prstGeom prst="rect">
             <a:avLst/>
@@ -19309,23 +19121,6 @@
                 <a:ea typeface="微软雅黑" panose="020B0503020204020204" charset="-122"/>
               </a:rPr>
               <a:t>设计</a:t>
-            </a:r>
-          </a:p>
-          <a:p>
-            <a:pPr algn="l">
-              <a:lnSpc>
-                <a:spcPct val="130000"/>
-              </a:lnSpc>
-            </a:pPr>
-            <a:r>
-              <a:rPr lang="en-US" altLang="zh-CN" sz="2800" dirty="0">
-                <a:solidFill>
-                  <a:schemeClr val="bg1"/>
-                </a:solidFill>
-                <a:latin typeface="微软雅黑" panose="020B0503020204020204" charset="-122"/>
-                <a:ea typeface="微软雅黑" panose="020B0503020204020204" charset="-122"/>
-              </a:rPr>
-              <a:t>Server  Client</a:t>
             </a:r>
           </a:p>
           <a:p>
@@ -19626,49 +19421,6 @@
         <p:spPr>
           <a:xfrm>
             <a:off x="6625590" y="4067175"/>
-            <a:ext cx="125095" cy="116205"/>
-          </a:xfrm>
-          <a:prstGeom prst="ellipse">
-            <a:avLst/>
-          </a:prstGeom>
-          <a:ln>
-            <a:noFill/>
-          </a:ln>
-        </p:spPr>
-        <p:style>
-          <a:lnRef idx="2">
-            <a:schemeClr val="accent1">
-              <a:shade val="50000"/>
-            </a:schemeClr>
-          </a:lnRef>
-          <a:fillRef idx="1">
-            <a:schemeClr val="accent1"/>
-          </a:fillRef>
-          <a:effectRef idx="0">
-            <a:schemeClr val="accent1"/>
-          </a:effectRef>
-          <a:fontRef idx="minor">
-            <a:schemeClr val="lt1"/>
-          </a:fontRef>
-        </p:style>
-        <p:txBody>
-          <a:bodyPr rtlCol="0" anchor="ctr"/>
-          <a:lstStyle/>
-          <a:p>
-            <a:pPr algn="ctr"/>
-            <a:endParaRPr lang="zh-CN" altLang="en-US"/>
-          </a:p>
-        </p:txBody>
-      </p:sp>
-      <p:sp>
-        <p:nvSpPr>
-          <p:cNvPr id="11" name="椭圆 10"/>
-          <p:cNvSpPr/>
-          <p:nvPr/>
-        </p:nvSpPr>
-        <p:spPr>
-          <a:xfrm>
-            <a:off x="6625590" y="5255895"/>
             <a:ext cx="125095" cy="116205"/>
           </a:xfrm>
           <a:prstGeom prst="ellipse">
